--- a/Hackfest-Presentation.pptx
+++ b/Hackfest-Presentation.pptx
@@ -4,6 +4,9 @@
   <p:sldMasterIdLst>
     <p:sldMasterId id="2147483648" r:id="rId4"/>
   </p:sldMasterIdLst>
+  <p:notesMasterIdLst>
+    <p:notesMasterId r:id="rId12"/>
+  </p:notesMasterIdLst>
   <p:sldIdLst>
     <p:sldId id="256" r:id="rId5"/>
     <p:sldId id="257" r:id="rId6"/>
@@ -121,9 +124,5198 @@
 <file path=ppt/revisionInfo.xml><?xml version="1.0" encoding="utf-8"?>
 <p1510:revInfo xmlns:a="http://schemas.openxmlformats.org/drawingml/2006/main" xmlns:r="http://schemas.openxmlformats.org/officeDocument/2006/relationships" xmlns:p1510="http://schemas.microsoft.com/office/powerpoint/2015/10/main">
   <p1510:revLst>
-    <p1510:client id="{8632CDDD-EDC8-4E86-8996-E06E0CB5B80C}" v="25" dt="2019-04-04T21:23:52.177"/>
+    <p1510:client id="{03710B1F-F19B-48EF-9105-15A64D6CBB25}" v="21" dt="2019-04-07T02:13:57.324"/>
   </p1510:revLst>
 </p1510:revInfo>
+</file>
+
+<file path=ppt/changesInfos/changesInfo1.xml><?xml version="1.0" encoding="utf-8"?>
+<pc:chgInfo xmlns:a="http://schemas.openxmlformats.org/drawingml/2006/main" xmlns:r="http://schemas.openxmlformats.org/officeDocument/2006/relationships" xmlns:ac="http://schemas.microsoft.com/office/drawing/2013/main/command" xmlns:pc="http://schemas.microsoft.com/office/powerpoint/2013/main/command">
+  <pc:docChgLst>
+    <pc:chgData name="Hannah Brydon" userId="6f4757451dcd9793" providerId="LiveId" clId="{03710B1F-F19B-48EF-9105-15A64D6CBB25}"/>
+    <pc:docChg chg="undo custSel mod modSld">
+      <pc:chgData name="Hannah Brydon" userId="6f4757451dcd9793" providerId="LiveId" clId="{03710B1F-F19B-48EF-9105-15A64D6CBB25}" dt="2019-04-07T02:13:57.324" v="2318"/>
+      <pc:docMkLst>
+        <pc:docMk/>
+      </pc:docMkLst>
+      <pc:sldChg chg="addSp delSp modSp mod setBg setClrOvrMap">
+        <pc:chgData name="Hannah Brydon" userId="6f4757451dcd9793" providerId="LiveId" clId="{03710B1F-F19B-48EF-9105-15A64D6CBB25}" dt="2019-04-06T23:46:05.464" v="47" actId="26606"/>
+        <pc:sldMkLst>
+          <pc:docMk/>
+          <pc:sldMk cId="554591782" sldId="256"/>
+        </pc:sldMkLst>
+        <pc:spChg chg="mod">
+          <ac:chgData name="Hannah Brydon" userId="6f4757451dcd9793" providerId="LiveId" clId="{03710B1F-F19B-48EF-9105-15A64D6CBB25}" dt="2019-04-06T23:46:05.464" v="47" actId="26606"/>
+          <ac:spMkLst>
+            <pc:docMk/>
+            <pc:sldMk cId="554591782" sldId="256"/>
+            <ac:spMk id="18" creationId="{908587F1-BB86-4BD1-AF5A-801FF2950A6F}"/>
+          </ac:spMkLst>
+        </pc:spChg>
+        <pc:spChg chg="del mod">
+          <ac:chgData name="Hannah Brydon" userId="6f4757451dcd9793" providerId="LiveId" clId="{03710B1F-F19B-48EF-9105-15A64D6CBB25}" dt="2019-04-06T23:45:18.864" v="36" actId="478"/>
+          <ac:spMkLst>
+            <pc:docMk/>
+            <pc:sldMk cId="554591782" sldId="256"/>
+            <ac:spMk id="19" creationId="{91C7FF0E-760A-4F73-8780-5767210FAA87}"/>
+          </ac:spMkLst>
+        </pc:spChg>
+        <pc:spChg chg="add del">
+          <ac:chgData name="Hannah Brydon" userId="6f4757451dcd9793" providerId="LiveId" clId="{03710B1F-F19B-48EF-9105-15A64D6CBB25}" dt="2019-04-06T23:45:33.304" v="38" actId="26606"/>
+          <ac:spMkLst>
+            <pc:docMk/>
+            <pc:sldMk cId="554591782" sldId="256"/>
+            <ac:spMk id="23" creationId="{23962611-DFD5-4092-AAFD-559E3DFCE2C9}"/>
+          </ac:spMkLst>
+        </pc:spChg>
+        <pc:spChg chg="add del">
+          <ac:chgData name="Hannah Brydon" userId="6f4757451dcd9793" providerId="LiveId" clId="{03710B1F-F19B-48EF-9105-15A64D6CBB25}" dt="2019-04-06T23:45:56.964" v="42" actId="26606"/>
+          <ac:spMkLst>
+            <pc:docMk/>
+            <pc:sldMk cId="554591782" sldId="256"/>
+            <ac:spMk id="26" creationId="{86197D16-FE75-4A0E-A0C9-28C0F04A43DF}"/>
+          </ac:spMkLst>
+        </pc:spChg>
+        <pc:spChg chg="add del">
+          <ac:chgData name="Hannah Brydon" userId="6f4757451dcd9793" providerId="LiveId" clId="{03710B1F-F19B-48EF-9105-15A64D6CBB25}" dt="2019-04-06T23:46:01.105" v="44" actId="26606"/>
+          <ac:spMkLst>
+            <pc:docMk/>
+            <pc:sldMk cId="554591782" sldId="256"/>
+            <ac:spMk id="29" creationId="{6F9EB9F2-07E2-4D64-BBD8-BB5B217F1218}"/>
+          </ac:spMkLst>
+        </pc:spChg>
+        <pc:spChg chg="add del">
+          <ac:chgData name="Hannah Brydon" userId="6f4757451dcd9793" providerId="LiveId" clId="{03710B1F-F19B-48EF-9105-15A64D6CBB25}" dt="2019-04-06T23:46:05.448" v="46" actId="26606"/>
+          <ac:spMkLst>
+            <pc:docMk/>
+            <pc:sldMk cId="554591782" sldId="256"/>
+            <ac:spMk id="32" creationId="{66B332A4-D438-4773-A77F-5ED49A448D9D}"/>
+          </ac:spMkLst>
+        </pc:spChg>
+        <pc:spChg chg="add del">
+          <ac:chgData name="Hannah Brydon" userId="6f4757451dcd9793" providerId="LiveId" clId="{03710B1F-F19B-48EF-9105-15A64D6CBB25}" dt="2019-04-06T23:46:05.448" v="46" actId="26606"/>
+          <ac:spMkLst>
+            <pc:docMk/>
+            <pc:sldMk cId="554591782" sldId="256"/>
+            <ac:spMk id="33" creationId="{DF9AD32D-FF05-44F4-BD4D-9CEE89B71EB9}"/>
+          </ac:spMkLst>
+        </pc:spChg>
+        <pc:spChg chg="add">
+          <ac:chgData name="Hannah Brydon" userId="6f4757451dcd9793" providerId="LiveId" clId="{03710B1F-F19B-48EF-9105-15A64D6CBB25}" dt="2019-04-06T23:46:05.464" v="47" actId="26606"/>
+          <ac:spMkLst>
+            <pc:docMk/>
+            <pc:sldMk cId="554591782" sldId="256"/>
+            <ac:spMk id="35" creationId="{23962611-DFD5-4092-AAFD-559E3DFCE2C9}"/>
+          </ac:spMkLst>
+        </pc:spChg>
+        <pc:picChg chg="add del">
+          <ac:chgData name="Hannah Brydon" userId="6f4757451dcd9793" providerId="LiveId" clId="{03710B1F-F19B-48EF-9105-15A64D6CBB25}" dt="2019-04-06T23:45:55.726" v="40" actId="26606"/>
+          <ac:picMkLst>
+            <pc:docMk/>
+            <pc:sldMk cId="554591782" sldId="256"/>
+            <ac:picMk id="22" creationId="{E1DE02F0-0120-41E4-94FB-E228F9A5A0B7}"/>
+          </ac:picMkLst>
+        </pc:picChg>
+        <pc:picChg chg="add del">
+          <ac:chgData name="Hannah Brydon" userId="6f4757451dcd9793" providerId="LiveId" clId="{03710B1F-F19B-48EF-9105-15A64D6CBB25}" dt="2019-04-06T23:45:55.726" v="40" actId="26606"/>
+          <ac:picMkLst>
+            <pc:docMk/>
+            <pc:sldMk cId="554591782" sldId="256"/>
+            <ac:picMk id="24" creationId="{4CDB717A-58AB-40EB-83EC-77BDC9A0BB76}"/>
+          </ac:picMkLst>
+        </pc:picChg>
+        <pc:picChg chg="add del">
+          <ac:chgData name="Hannah Brydon" userId="6f4757451dcd9793" providerId="LiveId" clId="{03710B1F-F19B-48EF-9105-15A64D6CBB25}" dt="2019-04-06T23:45:33.304" v="38" actId="26606"/>
+          <ac:picMkLst>
+            <pc:docMk/>
+            <pc:sldMk cId="554591782" sldId="256"/>
+            <ac:picMk id="25" creationId="{2270F1FA-0425-408F-9861-80BF5AFB276D}"/>
+          </ac:picMkLst>
+        </pc:picChg>
+        <pc:picChg chg="add del">
+          <ac:chgData name="Hannah Brydon" userId="6f4757451dcd9793" providerId="LiveId" clId="{03710B1F-F19B-48EF-9105-15A64D6CBB25}" dt="2019-04-06T23:45:56.964" v="42" actId="26606"/>
+          <ac:picMkLst>
+            <pc:docMk/>
+            <pc:sldMk cId="554591782" sldId="256"/>
+            <ac:picMk id="27" creationId="{FA8FCEC6-4B30-4FF2-8B32-504BEAEA3A16}"/>
+          </ac:picMkLst>
+        </pc:picChg>
+        <pc:picChg chg="add">
+          <ac:chgData name="Hannah Brydon" userId="6f4757451dcd9793" providerId="LiveId" clId="{03710B1F-F19B-48EF-9105-15A64D6CBB25}" dt="2019-04-06T23:46:05.464" v="47" actId="26606"/>
+          <ac:picMkLst>
+            <pc:docMk/>
+            <pc:sldMk cId="554591782" sldId="256"/>
+            <ac:picMk id="36" creationId="{2270F1FA-0425-408F-9861-80BF5AFB276D}"/>
+          </ac:picMkLst>
+        </pc:picChg>
+        <pc:cxnChg chg="add del">
+          <ac:chgData name="Hannah Brydon" userId="6f4757451dcd9793" providerId="LiveId" clId="{03710B1F-F19B-48EF-9105-15A64D6CBB25}" dt="2019-04-06T23:46:01.105" v="44" actId="26606"/>
+          <ac:cxnSpMkLst>
+            <pc:docMk/>
+            <pc:sldMk cId="554591782" sldId="256"/>
+            <ac:cxnSpMk id="30" creationId="{F0C57C7C-DFE9-4A1E-B7A9-DF40E63366BB}"/>
+          </ac:cxnSpMkLst>
+        </pc:cxnChg>
+      </pc:sldChg>
+      <pc:sldChg chg="addSp delSp modSp mod setBg modNotesTx">
+        <pc:chgData name="Hannah Brydon" userId="6f4757451dcd9793" providerId="LiveId" clId="{03710B1F-F19B-48EF-9105-15A64D6CBB25}" dt="2019-04-07T01:44:58.250" v="1993" actId="404"/>
+        <pc:sldMkLst>
+          <pc:docMk/>
+          <pc:sldMk cId="3810012476" sldId="257"/>
+        </pc:sldMkLst>
+        <pc:spChg chg="mod">
+          <ac:chgData name="Hannah Brydon" userId="6f4757451dcd9793" providerId="LiveId" clId="{03710B1F-F19B-48EF-9105-15A64D6CBB25}" dt="2019-04-07T01:44:29.138" v="1980" actId="26606"/>
+          <ac:spMkLst>
+            <pc:docMk/>
+            <pc:sldMk cId="3810012476" sldId="257"/>
+            <ac:spMk id="5" creationId="{99111D06-987A-4D84-A89F-BB401D07BF99}"/>
+          </ac:spMkLst>
+        </pc:spChg>
+        <pc:spChg chg="mod">
+          <ac:chgData name="Hannah Brydon" userId="6f4757451dcd9793" providerId="LiveId" clId="{03710B1F-F19B-48EF-9105-15A64D6CBB25}" dt="2019-04-07T01:44:58.250" v="1993" actId="404"/>
+          <ac:spMkLst>
+            <pc:docMk/>
+            <pc:sldMk cId="3810012476" sldId="257"/>
+            <ac:spMk id="6" creationId="{2DB104B0-6971-4635-8A28-928A296C16A2}"/>
+          </ac:spMkLst>
+        </pc:spChg>
+        <pc:spChg chg="add del">
+          <ac:chgData name="Hannah Brydon" userId="6f4757451dcd9793" providerId="LiveId" clId="{03710B1F-F19B-48EF-9105-15A64D6CBB25}" dt="2019-04-07T01:43:12.201" v="1975" actId="26606"/>
+          <ac:spMkLst>
+            <pc:docMk/>
+            <pc:sldMk cId="3810012476" sldId="257"/>
+            <ac:spMk id="11" creationId="{86197D16-FE75-4A0E-A0C9-28C0F04A43DF}"/>
+          </ac:spMkLst>
+        </pc:spChg>
+        <pc:spChg chg="add del">
+          <ac:chgData name="Hannah Brydon" userId="6f4757451dcd9793" providerId="LiveId" clId="{03710B1F-F19B-48EF-9105-15A64D6CBB25}" dt="2019-04-07T01:43:10.012" v="1972" actId="26606"/>
+          <ac:spMkLst>
+            <pc:docMk/>
+            <pc:sldMk cId="3810012476" sldId="257"/>
+            <ac:spMk id="18" creationId="{86197D16-FE75-4A0E-A0C9-28C0F04A43DF}"/>
+          </ac:spMkLst>
+        </pc:spChg>
+        <pc:spChg chg="add del">
+          <ac:chgData name="Hannah Brydon" userId="6f4757451dcd9793" providerId="LiveId" clId="{03710B1F-F19B-48EF-9105-15A64D6CBB25}" dt="2019-04-07T01:43:08.996" v="1970" actId="26606"/>
+          <ac:spMkLst>
+            <pc:docMk/>
+            <pc:sldMk cId="3810012476" sldId="257"/>
+            <ac:spMk id="20" creationId="{C0B27210-D0CA-4654-B3E3-9ABB4F178EA1}"/>
+          </ac:spMkLst>
+        </pc:spChg>
+        <pc:spChg chg="add del">
+          <ac:chgData name="Hannah Brydon" userId="6f4757451dcd9793" providerId="LiveId" clId="{03710B1F-F19B-48EF-9105-15A64D6CBB25}" dt="2019-04-07T01:43:08.996" v="1970" actId="26606"/>
+          <ac:spMkLst>
+            <pc:docMk/>
+            <pc:sldMk cId="3810012476" sldId="257"/>
+            <ac:spMk id="22" creationId="{1DB7C82F-AB7E-4F0C-B829-FA1B9C415180}"/>
+          </ac:spMkLst>
+        </pc:spChg>
+        <pc:spChg chg="add del">
+          <ac:chgData name="Hannah Brydon" userId="6f4757451dcd9793" providerId="LiveId" clId="{03710B1F-F19B-48EF-9105-15A64D6CBB25}" dt="2019-04-07T01:43:08.996" v="1970" actId="26606"/>
+          <ac:spMkLst>
+            <pc:docMk/>
+            <pc:sldMk cId="3810012476" sldId="257"/>
+            <ac:spMk id="24" creationId="{70B66945-4967-4040-926D-DCA44313CDAB}"/>
+          </ac:spMkLst>
+        </pc:spChg>
+        <pc:spChg chg="add del">
+          <ac:chgData name="Hannah Brydon" userId="6f4757451dcd9793" providerId="LiveId" clId="{03710B1F-F19B-48EF-9105-15A64D6CBB25}" dt="2019-04-07T01:43:12.189" v="1974" actId="26606"/>
+          <ac:spMkLst>
+            <pc:docMk/>
+            <pc:sldMk cId="3810012476" sldId="257"/>
+            <ac:spMk id="28" creationId="{C0B27210-D0CA-4654-B3E3-9ABB4F178EA1}"/>
+          </ac:spMkLst>
+        </pc:spChg>
+        <pc:spChg chg="add del">
+          <ac:chgData name="Hannah Brydon" userId="6f4757451dcd9793" providerId="LiveId" clId="{03710B1F-F19B-48EF-9105-15A64D6CBB25}" dt="2019-04-07T01:43:12.189" v="1974" actId="26606"/>
+          <ac:spMkLst>
+            <pc:docMk/>
+            <pc:sldMk cId="3810012476" sldId="257"/>
+            <ac:spMk id="29" creationId="{1DB7C82F-AB7E-4F0C-B829-FA1B9C415180}"/>
+          </ac:spMkLst>
+        </pc:spChg>
+        <pc:spChg chg="add del">
+          <ac:chgData name="Hannah Brydon" userId="6f4757451dcd9793" providerId="LiveId" clId="{03710B1F-F19B-48EF-9105-15A64D6CBB25}" dt="2019-04-07T01:43:12.189" v="1974" actId="26606"/>
+          <ac:spMkLst>
+            <pc:docMk/>
+            <pc:sldMk cId="3810012476" sldId="257"/>
+            <ac:spMk id="30" creationId="{70B66945-4967-4040-926D-DCA44313CDAB}"/>
+          </ac:spMkLst>
+        </pc:spChg>
+        <pc:spChg chg="add del">
+          <ac:chgData name="Hannah Brydon" userId="6f4757451dcd9793" providerId="LiveId" clId="{03710B1F-F19B-48EF-9105-15A64D6CBB25}" dt="2019-04-07T01:44:29.154" v="1981" actId="26606"/>
+          <ac:spMkLst>
+            <pc:docMk/>
+            <pc:sldMk cId="3810012476" sldId="257"/>
+            <ac:spMk id="33" creationId="{86197D16-FE75-4A0E-A0C9-28C0F04A43DF}"/>
+          </ac:spMkLst>
+        </pc:spChg>
+        <pc:spChg chg="add del">
+          <ac:chgData name="Hannah Brydon" userId="6f4757451dcd9793" providerId="LiveId" clId="{03710B1F-F19B-48EF-9105-15A64D6CBB25}" dt="2019-04-07T01:44:29.138" v="1980" actId="26606"/>
+          <ac:spMkLst>
+            <pc:docMk/>
+            <pc:sldMk cId="3810012476" sldId="257"/>
+            <ac:spMk id="39" creationId="{559AE206-7EBA-4D33-8BC9-9D8158553F0E}"/>
+          </ac:spMkLst>
+        </pc:spChg>
+        <pc:spChg chg="add del">
+          <ac:chgData name="Hannah Brydon" userId="6f4757451dcd9793" providerId="LiveId" clId="{03710B1F-F19B-48EF-9105-15A64D6CBB25}" dt="2019-04-07T01:44:29.138" v="1980" actId="26606"/>
+          <ac:spMkLst>
+            <pc:docMk/>
+            <pc:sldMk cId="3810012476" sldId="257"/>
+            <ac:spMk id="41" creationId="{6437D937-A7F1-4011-92B4-328E5BE1B166}"/>
+          </ac:spMkLst>
+        </pc:spChg>
+        <pc:spChg chg="add del">
+          <ac:chgData name="Hannah Brydon" userId="6f4757451dcd9793" providerId="LiveId" clId="{03710B1F-F19B-48EF-9105-15A64D6CBB25}" dt="2019-04-07T01:44:29.138" v="1980" actId="26606"/>
+          <ac:spMkLst>
+            <pc:docMk/>
+            <pc:sldMk cId="3810012476" sldId="257"/>
+            <ac:spMk id="43" creationId="{B672F332-AF08-46C6-94F0-77684310D7B7}"/>
+          </ac:spMkLst>
+        </pc:spChg>
+        <pc:spChg chg="add del">
+          <ac:chgData name="Hannah Brydon" userId="6f4757451dcd9793" providerId="LiveId" clId="{03710B1F-F19B-48EF-9105-15A64D6CBB25}" dt="2019-04-07T01:44:29.138" v="1980" actId="26606"/>
+          <ac:spMkLst>
+            <pc:docMk/>
+            <pc:sldMk cId="3810012476" sldId="257"/>
+            <ac:spMk id="45" creationId="{34244EF8-D73A-40E1-BE73-D46E6B4B04ED}"/>
+          </ac:spMkLst>
+        </pc:spChg>
+        <pc:spChg chg="add del">
+          <ac:chgData name="Hannah Brydon" userId="6f4757451dcd9793" providerId="LiveId" clId="{03710B1F-F19B-48EF-9105-15A64D6CBB25}" dt="2019-04-07T01:44:29.138" v="1980" actId="26606"/>
+          <ac:spMkLst>
+            <pc:docMk/>
+            <pc:sldMk cId="3810012476" sldId="257"/>
+            <ac:spMk id="47" creationId="{AB84D7E8-4ECB-42D7-ADBF-01689B0F24AE}"/>
+          </ac:spMkLst>
+        </pc:spChg>
+        <pc:spChg chg="add">
+          <ac:chgData name="Hannah Brydon" userId="6f4757451dcd9793" providerId="LiveId" clId="{03710B1F-F19B-48EF-9105-15A64D6CBB25}" dt="2019-04-07T01:44:29.154" v="1981" actId="26606"/>
+          <ac:spMkLst>
+            <pc:docMk/>
+            <pc:sldMk cId="3810012476" sldId="257"/>
+            <ac:spMk id="51" creationId="{86197D16-FE75-4A0E-A0C9-28C0F04A43DF}"/>
+          </ac:spMkLst>
+        </pc:spChg>
+        <pc:picChg chg="add del">
+          <ac:chgData name="Hannah Brydon" userId="6f4757451dcd9793" providerId="LiveId" clId="{03710B1F-F19B-48EF-9105-15A64D6CBB25}" dt="2019-04-07T01:43:12.201" v="1975" actId="26606"/>
+          <ac:picMkLst>
+            <pc:docMk/>
+            <pc:sldMk cId="3810012476" sldId="257"/>
+            <ac:picMk id="13" creationId="{FA8FCEC6-4B30-4FF2-8B32-504BEAEA3A16}"/>
+          </ac:picMkLst>
+        </pc:picChg>
+        <pc:picChg chg="add del">
+          <ac:chgData name="Hannah Brydon" userId="6f4757451dcd9793" providerId="LiveId" clId="{03710B1F-F19B-48EF-9105-15A64D6CBB25}" dt="2019-04-07T01:43:08.996" v="1970" actId="26606"/>
+          <ac:picMkLst>
+            <pc:docMk/>
+            <pc:sldMk cId="3810012476" sldId="257"/>
+            <ac:picMk id="17" creationId="{6535BFC5-9DFB-453C-B387-6B56C115F5F0}"/>
+          </ac:picMkLst>
+        </pc:picChg>
+        <pc:picChg chg="add del">
+          <ac:chgData name="Hannah Brydon" userId="6f4757451dcd9793" providerId="LiveId" clId="{03710B1F-F19B-48EF-9105-15A64D6CBB25}" dt="2019-04-07T01:43:10.012" v="1972" actId="26606"/>
+          <ac:picMkLst>
+            <pc:docMk/>
+            <pc:sldMk cId="3810012476" sldId="257"/>
+            <ac:picMk id="26" creationId="{FA8FCEC6-4B30-4FF2-8B32-504BEAEA3A16}"/>
+          </ac:picMkLst>
+        </pc:picChg>
+        <pc:picChg chg="add del">
+          <ac:chgData name="Hannah Brydon" userId="6f4757451dcd9793" providerId="LiveId" clId="{03710B1F-F19B-48EF-9105-15A64D6CBB25}" dt="2019-04-07T01:43:12.189" v="1974" actId="26606"/>
+          <ac:picMkLst>
+            <pc:docMk/>
+            <pc:sldMk cId="3810012476" sldId="257"/>
+            <ac:picMk id="31" creationId="{6535BFC5-9DFB-453C-B387-6B56C115F5F0}"/>
+          </ac:picMkLst>
+        </pc:picChg>
+        <pc:picChg chg="add del">
+          <ac:chgData name="Hannah Brydon" userId="6f4757451dcd9793" providerId="LiveId" clId="{03710B1F-F19B-48EF-9105-15A64D6CBB25}" dt="2019-04-07T01:44:29.154" v="1981" actId="26606"/>
+          <ac:picMkLst>
+            <pc:docMk/>
+            <pc:sldMk cId="3810012476" sldId="257"/>
+            <ac:picMk id="34" creationId="{FA8FCEC6-4B30-4FF2-8B32-504BEAEA3A16}"/>
+          </ac:picMkLst>
+        </pc:picChg>
+        <pc:picChg chg="add">
+          <ac:chgData name="Hannah Brydon" userId="6f4757451dcd9793" providerId="LiveId" clId="{03710B1F-F19B-48EF-9105-15A64D6CBB25}" dt="2019-04-07T01:44:29.154" v="1981" actId="26606"/>
+          <ac:picMkLst>
+            <pc:docMk/>
+            <pc:sldMk cId="3810012476" sldId="257"/>
+            <ac:picMk id="52" creationId="{FA8FCEC6-4B30-4FF2-8B32-504BEAEA3A16}"/>
+          </ac:picMkLst>
+        </pc:picChg>
+        <pc:cxnChg chg="add del">
+          <ac:chgData name="Hannah Brydon" userId="6f4757451dcd9793" providerId="LiveId" clId="{03710B1F-F19B-48EF-9105-15A64D6CBB25}" dt="2019-04-07T01:44:29.138" v="1980" actId="26606"/>
+          <ac:cxnSpMkLst>
+            <pc:docMk/>
+            <pc:sldMk cId="3810012476" sldId="257"/>
+            <ac:cxnSpMk id="49" creationId="{9E8E38ED-369A-44C2-B635-0BED0E48A6E8}"/>
+          </ac:cxnSpMkLst>
+        </pc:cxnChg>
+      </pc:sldChg>
+      <pc:sldChg chg="addSp delSp modSp mod setBg modNotesTx">
+        <pc:chgData name="Hannah Brydon" userId="6f4757451dcd9793" providerId="LiveId" clId="{03710B1F-F19B-48EF-9105-15A64D6CBB25}" dt="2019-04-07T01:54:57.083" v="2109" actId="20577"/>
+        <pc:sldMkLst>
+          <pc:docMk/>
+          <pc:sldMk cId="1533302149" sldId="258"/>
+        </pc:sldMkLst>
+        <pc:spChg chg="mod">
+          <ac:chgData name="Hannah Brydon" userId="6f4757451dcd9793" providerId="LiveId" clId="{03710B1F-F19B-48EF-9105-15A64D6CBB25}" dt="2019-04-07T01:48:13.673" v="2043" actId="26606"/>
+          <ac:spMkLst>
+            <pc:docMk/>
+            <pc:sldMk cId="1533302149" sldId="258"/>
+            <ac:spMk id="5" creationId="{99111D06-987A-4D84-A89F-BB401D07BF99}"/>
+          </ac:spMkLst>
+        </pc:spChg>
+        <pc:spChg chg="mod">
+          <ac:chgData name="Hannah Brydon" userId="6f4757451dcd9793" providerId="LiveId" clId="{03710B1F-F19B-48EF-9105-15A64D6CBB25}" dt="2019-04-07T01:51:29.279" v="2090" actId="20577"/>
+          <ac:spMkLst>
+            <pc:docMk/>
+            <pc:sldMk cId="1533302149" sldId="258"/>
+            <ac:spMk id="6" creationId="{2DB104B0-6971-4635-8A28-928A296C16A2}"/>
+          </ac:spMkLst>
+        </pc:spChg>
+        <pc:spChg chg="add del">
+          <ac:chgData name="Hannah Brydon" userId="6f4757451dcd9793" providerId="LiveId" clId="{03710B1F-F19B-48EF-9105-15A64D6CBB25}" dt="2019-04-07T01:48:13.673" v="2043" actId="26606"/>
+          <ac:spMkLst>
+            <pc:docMk/>
+            <pc:sldMk cId="1533302149" sldId="258"/>
+            <ac:spMk id="11" creationId="{86197D16-FE75-4A0E-A0C9-28C0F04A43DF}"/>
+          </ac:spMkLst>
+        </pc:spChg>
+        <pc:spChg chg="add del">
+          <ac:chgData name="Hannah Brydon" userId="6f4757451dcd9793" providerId="LiveId" clId="{03710B1F-F19B-48EF-9105-15A64D6CBB25}" dt="2019-04-07T01:48:10.318" v="2036" actId="26606"/>
+          <ac:spMkLst>
+            <pc:docMk/>
+            <pc:sldMk cId="1533302149" sldId="258"/>
+            <ac:spMk id="18" creationId="{86197D16-FE75-4A0E-A0C9-28C0F04A43DF}"/>
+          </ac:spMkLst>
+        </pc:spChg>
+        <pc:spChg chg="add del">
+          <ac:chgData name="Hannah Brydon" userId="6f4757451dcd9793" providerId="LiveId" clId="{03710B1F-F19B-48EF-9105-15A64D6CBB25}" dt="2019-04-07T01:48:05.033" v="2032" actId="26606"/>
+          <ac:spMkLst>
+            <pc:docMk/>
+            <pc:sldMk cId="1533302149" sldId="258"/>
+            <ac:spMk id="20" creationId="{7905BA41-EE6E-4F80-8636-447F22DD729A}"/>
+          </ac:spMkLst>
+        </pc:spChg>
+        <pc:spChg chg="add del">
+          <ac:chgData name="Hannah Brydon" userId="6f4757451dcd9793" providerId="LiveId" clId="{03710B1F-F19B-48EF-9105-15A64D6CBB25}" dt="2019-04-07T01:48:05.033" v="2032" actId="26606"/>
+          <ac:spMkLst>
+            <pc:docMk/>
+            <pc:sldMk cId="1533302149" sldId="258"/>
+            <ac:spMk id="22" creationId="{CD7549B2-EE05-4558-8C64-AC46755F2B25}"/>
+          </ac:spMkLst>
+        </pc:spChg>
+        <pc:spChg chg="add del">
+          <ac:chgData name="Hannah Brydon" userId="6f4757451dcd9793" providerId="LiveId" clId="{03710B1F-F19B-48EF-9105-15A64D6CBB25}" dt="2019-04-07T01:48:12.595" v="2040" actId="26606"/>
+          <ac:spMkLst>
+            <pc:docMk/>
+            <pc:sldMk cId="1533302149" sldId="258"/>
+            <ac:spMk id="31" creationId="{7905BA41-EE6E-4F80-8636-447F22DD729A}"/>
+          </ac:spMkLst>
+        </pc:spChg>
+        <pc:spChg chg="add del">
+          <ac:chgData name="Hannah Brydon" userId="6f4757451dcd9793" providerId="LiveId" clId="{03710B1F-F19B-48EF-9105-15A64D6CBB25}" dt="2019-04-07T01:48:12.595" v="2040" actId="26606"/>
+          <ac:spMkLst>
+            <pc:docMk/>
+            <pc:sldMk cId="1533302149" sldId="258"/>
+            <ac:spMk id="32" creationId="{CD7549B2-EE05-4558-8C64-AC46755F2B25}"/>
+          </ac:spMkLst>
+        </pc:spChg>
+        <pc:spChg chg="add">
+          <ac:chgData name="Hannah Brydon" userId="6f4757451dcd9793" providerId="LiveId" clId="{03710B1F-F19B-48EF-9105-15A64D6CBB25}" dt="2019-04-07T01:48:13.673" v="2043" actId="26606"/>
+          <ac:spMkLst>
+            <pc:docMk/>
+            <pc:sldMk cId="1533302149" sldId="258"/>
+            <ac:spMk id="38" creationId="{7905BA41-EE6E-4F80-8636-447F22DD729A}"/>
+          </ac:spMkLst>
+        </pc:spChg>
+        <pc:spChg chg="add">
+          <ac:chgData name="Hannah Brydon" userId="6f4757451dcd9793" providerId="LiveId" clId="{03710B1F-F19B-48EF-9105-15A64D6CBB25}" dt="2019-04-07T01:48:13.673" v="2043" actId="26606"/>
+          <ac:spMkLst>
+            <pc:docMk/>
+            <pc:sldMk cId="1533302149" sldId="258"/>
+            <ac:spMk id="39" creationId="{CD7549B2-EE05-4558-8C64-AC46755F2B25}"/>
+          </ac:spMkLst>
+        </pc:spChg>
+        <pc:picChg chg="add del">
+          <ac:chgData name="Hannah Brydon" userId="6f4757451dcd9793" providerId="LiveId" clId="{03710B1F-F19B-48EF-9105-15A64D6CBB25}" dt="2019-04-07T01:48:13.673" v="2043" actId="26606"/>
+          <ac:picMkLst>
+            <pc:docMk/>
+            <pc:sldMk cId="1533302149" sldId="258"/>
+            <ac:picMk id="13" creationId="{FA8FCEC6-4B30-4FF2-8B32-504BEAEA3A16}"/>
+          </ac:picMkLst>
+        </pc:picChg>
+        <pc:picChg chg="add del">
+          <ac:chgData name="Hannah Brydon" userId="6f4757451dcd9793" providerId="LiveId" clId="{03710B1F-F19B-48EF-9105-15A64D6CBB25}" dt="2019-04-07T01:48:05.033" v="2032" actId="26606"/>
+          <ac:picMkLst>
+            <pc:docMk/>
+            <pc:sldMk cId="1533302149" sldId="258"/>
+            <ac:picMk id="17" creationId="{A63B9AE0-DB53-4404-A498-E1DE4D39FE10}"/>
+          </ac:picMkLst>
+        </pc:picChg>
+        <pc:picChg chg="add del">
+          <ac:chgData name="Hannah Brydon" userId="6f4757451dcd9793" providerId="LiveId" clId="{03710B1F-F19B-48EF-9105-15A64D6CBB25}" dt="2019-04-07T01:48:07.295" v="2034" actId="26606"/>
+          <ac:picMkLst>
+            <pc:docMk/>
+            <pc:sldMk cId="1533302149" sldId="258"/>
+            <ac:picMk id="19" creationId="{41850DEE-FCE8-4127-A8CE-D1973A751AF4}"/>
+          </ac:picMkLst>
+        </pc:picChg>
+        <pc:picChg chg="add del">
+          <ac:chgData name="Hannah Brydon" userId="6f4757451dcd9793" providerId="LiveId" clId="{03710B1F-F19B-48EF-9105-15A64D6CBB25}" dt="2019-04-07T01:48:07.295" v="2034" actId="26606"/>
+          <ac:picMkLst>
+            <pc:docMk/>
+            <pc:sldMk cId="1533302149" sldId="258"/>
+            <ac:picMk id="24" creationId="{3BF5834C-56DE-4D3A-8ED4-D464C4D1D02D}"/>
+          </ac:picMkLst>
+        </pc:picChg>
+        <pc:picChg chg="add del">
+          <ac:chgData name="Hannah Brydon" userId="6f4757451dcd9793" providerId="LiveId" clId="{03710B1F-F19B-48EF-9105-15A64D6CBB25}" dt="2019-04-07T01:48:10.318" v="2036" actId="26606"/>
+          <ac:picMkLst>
+            <pc:docMk/>
+            <pc:sldMk cId="1533302149" sldId="258"/>
+            <ac:picMk id="26" creationId="{FA8FCEC6-4B30-4FF2-8B32-504BEAEA3A16}"/>
+          </ac:picMkLst>
+        </pc:picChg>
+        <pc:picChg chg="add del">
+          <ac:chgData name="Hannah Brydon" userId="6f4757451dcd9793" providerId="LiveId" clId="{03710B1F-F19B-48EF-9105-15A64D6CBB25}" dt="2019-04-07T01:48:11.630" v="2038" actId="26606"/>
+          <ac:picMkLst>
+            <pc:docMk/>
+            <pc:sldMk cId="1533302149" sldId="258"/>
+            <ac:picMk id="28" creationId="{3BF5834C-56DE-4D3A-8ED4-D464C4D1D02D}"/>
+          </ac:picMkLst>
+        </pc:picChg>
+        <pc:picChg chg="add del">
+          <ac:chgData name="Hannah Brydon" userId="6f4757451dcd9793" providerId="LiveId" clId="{03710B1F-F19B-48EF-9105-15A64D6CBB25}" dt="2019-04-07T01:48:11.630" v="2038" actId="26606"/>
+          <ac:picMkLst>
+            <pc:docMk/>
+            <pc:sldMk cId="1533302149" sldId="258"/>
+            <ac:picMk id="29" creationId="{41850DEE-FCE8-4127-A8CE-D1973A751AF4}"/>
+          </ac:picMkLst>
+        </pc:picChg>
+        <pc:picChg chg="add del">
+          <ac:chgData name="Hannah Brydon" userId="6f4757451dcd9793" providerId="LiveId" clId="{03710B1F-F19B-48EF-9105-15A64D6CBB25}" dt="2019-04-07T01:48:12.595" v="2040" actId="26606"/>
+          <ac:picMkLst>
+            <pc:docMk/>
+            <pc:sldMk cId="1533302149" sldId="258"/>
+            <ac:picMk id="33" creationId="{A63B9AE0-DB53-4404-A498-E1DE4D39FE10}"/>
+          </ac:picMkLst>
+        </pc:picChg>
+        <pc:picChg chg="add del">
+          <ac:chgData name="Hannah Brydon" userId="6f4757451dcd9793" providerId="LiveId" clId="{03710B1F-F19B-48EF-9105-15A64D6CBB25}" dt="2019-04-07T01:48:13.657" v="2042" actId="26606"/>
+          <ac:picMkLst>
+            <pc:docMk/>
+            <pc:sldMk cId="1533302149" sldId="258"/>
+            <ac:picMk id="35" creationId="{3BF5834C-56DE-4D3A-8ED4-D464C4D1D02D}"/>
+          </ac:picMkLst>
+        </pc:picChg>
+        <pc:picChg chg="add del">
+          <ac:chgData name="Hannah Brydon" userId="6f4757451dcd9793" providerId="LiveId" clId="{03710B1F-F19B-48EF-9105-15A64D6CBB25}" dt="2019-04-07T01:48:13.657" v="2042" actId="26606"/>
+          <ac:picMkLst>
+            <pc:docMk/>
+            <pc:sldMk cId="1533302149" sldId="258"/>
+            <ac:picMk id="36" creationId="{41850DEE-FCE8-4127-A8CE-D1973A751AF4}"/>
+          </ac:picMkLst>
+        </pc:picChg>
+        <pc:picChg chg="add">
+          <ac:chgData name="Hannah Brydon" userId="6f4757451dcd9793" providerId="LiveId" clId="{03710B1F-F19B-48EF-9105-15A64D6CBB25}" dt="2019-04-07T01:48:13.673" v="2043" actId="26606"/>
+          <ac:picMkLst>
+            <pc:docMk/>
+            <pc:sldMk cId="1533302149" sldId="258"/>
+            <ac:picMk id="40" creationId="{A63B9AE0-DB53-4404-A498-E1DE4D39FE10}"/>
+          </ac:picMkLst>
+        </pc:picChg>
+      </pc:sldChg>
+      <pc:sldChg chg="addSp delSp modSp mod setBg setClrOvrMap">
+        <pc:chgData name="Hannah Brydon" userId="6f4757451dcd9793" providerId="LiveId" clId="{03710B1F-F19B-48EF-9105-15A64D6CBB25}" dt="2019-04-07T01:55:50.307" v="2121" actId="20577"/>
+        <pc:sldMkLst>
+          <pc:docMk/>
+          <pc:sldMk cId="2384012713" sldId="259"/>
+        </pc:sldMkLst>
+        <pc:spChg chg="mod">
+          <ac:chgData name="Hannah Brydon" userId="6f4757451dcd9793" providerId="LiveId" clId="{03710B1F-F19B-48EF-9105-15A64D6CBB25}" dt="2019-04-06T23:57:47.956" v="852" actId="26606"/>
+          <ac:spMkLst>
+            <pc:docMk/>
+            <pc:sldMk cId="2384012713" sldId="259"/>
+            <ac:spMk id="5" creationId="{99111D06-987A-4D84-A89F-BB401D07BF99}"/>
+          </ac:spMkLst>
+        </pc:spChg>
+        <pc:spChg chg="add del mod">
+          <ac:chgData name="Hannah Brydon" userId="6f4757451dcd9793" providerId="LiveId" clId="{03710B1F-F19B-48EF-9105-15A64D6CBB25}" dt="2019-04-06T23:57:47.956" v="852" actId="26606"/>
+          <ac:spMkLst>
+            <pc:docMk/>
+            <pc:sldMk cId="2384012713" sldId="259"/>
+            <ac:spMk id="6" creationId="{2DB104B0-6971-4635-8A28-928A296C16A2}"/>
+          </ac:spMkLst>
+        </pc:spChg>
+        <pc:spChg chg="add del">
+          <ac:chgData name="Hannah Brydon" userId="6f4757451dcd9793" providerId="LiveId" clId="{03710B1F-F19B-48EF-9105-15A64D6CBB25}" dt="2019-04-06T23:57:45.222" v="849" actId="26606"/>
+          <ac:spMkLst>
+            <pc:docMk/>
+            <pc:sldMk cId="2384012713" sldId="259"/>
+            <ac:spMk id="11" creationId="{D3FFFA32-D9F4-4AF9-A025-CD128AC85E32}"/>
+          </ac:spMkLst>
+        </pc:spChg>
+        <pc:spChg chg="add del">
+          <ac:chgData name="Hannah Brydon" userId="6f4757451dcd9793" providerId="LiveId" clId="{03710B1F-F19B-48EF-9105-15A64D6CBB25}" dt="2019-04-06T23:57:39.204" v="845" actId="26606"/>
+          <ac:spMkLst>
+            <pc:docMk/>
+            <pc:sldMk cId="2384012713" sldId="259"/>
+            <ac:spMk id="13" creationId="{4351DFE5-F63D-4BE0-BDA9-E3EB88F01AA5}"/>
+          </ac:spMkLst>
+        </pc:spChg>
+        <pc:spChg chg="add del">
+          <ac:chgData name="Hannah Brydon" userId="6f4757451dcd9793" providerId="LiveId" clId="{03710B1F-F19B-48EF-9105-15A64D6CBB25}" dt="2019-04-06T23:57:45.222" v="849" actId="26606"/>
+          <ac:spMkLst>
+            <pc:docMk/>
+            <pc:sldMk cId="2384012713" sldId="259"/>
+            <ac:spMk id="21" creationId="{2DB104B0-6971-4635-8A28-928A296C16A2}"/>
+          </ac:spMkLst>
+        </pc:spChg>
+        <pc:spChg chg="add del">
+          <ac:chgData name="Hannah Brydon" userId="6f4757451dcd9793" providerId="LiveId" clId="{03710B1F-F19B-48EF-9105-15A64D6CBB25}" dt="2019-04-06T23:57:47.922" v="851" actId="26606"/>
+          <ac:spMkLst>
+            <pc:docMk/>
+            <pc:sldMk cId="2384012713" sldId="259"/>
+            <ac:spMk id="23" creationId="{AFA67CD3-AB4E-4A7A-BEB8-53C445D8C44E}"/>
+          </ac:spMkLst>
+        </pc:spChg>
+        <pc:spChg chg="add del">
+          <ac:chgData name="Hannah Brydon" userId="6f4757451dcd9793" providerId="LiveId" clId="{03710B1F-F19B-48EF-9105-15A64D6CBB25}" dt="2019-04-06T23:57:47.922" v="851" actId="26606"/>
+          <ac:spMkLst>
+            <pc:docMk/>
+            <pc:sldMk cId="2384012713" sldId="259"/>
+            <ac:spMk id="25" creationId="{339C8D78-A644-462F-B674-F440635E5353}"/>
+          </ac:spMkLst>
+        </pc:spChg>
+        <pc:spChg chg="add del">
+          <ac:chgData name="Hannah Brydon" userId="6f4757451dcd9793" providerId="LiveId" clId="{03710B1F-F19B-48EF-9105-15A64D6CBB25}" dt="2019-04-06T23:57:47.922" v="851" actId="26606"/>
+          <ac:spMkLst>
+            <pc:docMk/>
+            <pc:sldMk cId="2384012713" sldId="259"/>
+            <ac:spMk id="26" creationId="{2DB104B0-6971-4635-8A28-928A296C16A2}"/>
+          </ac:spMkLst>
+        </pc:spChg>
+        <pc:spChg chg="add">
+          <ac:chgData name="Hannah Brydon" userId="6f4757451dcd9793" providerId="LiveId" clId="{03710B1F-F19B-48EF-9105-15A64D6CBB25}" dt="2019-04-06T23:57:47.956" v="852" actId="26606"/>
+          <ac:spMkLst>
+            <pc:docMk/>
+            <pc:sldMk cId="2384012713" sldId="259"/>
+            <ac:spMk id="28" creationId="{AFA67CD3-AB4E-4A7A-BEB8-53C445D8C44E}"/>
+          </ac:spMkLst>
+        </pc:spChg>
+        <pc:spChg chg="add">
+          <ac:chgData name="Hannah Brydon" userId="6f4757451dcd9793" providerId="LiveId" clId="{03710B1F-F19B-48EF-9105-15A64D6CBB25}" dt="2019-04-06T23:57:47.956" v="852" actId="26606"/>
+          <ac:spMkLst>
+            <pc:docMk/>
+            <pc:sldMk cId="2384012713" sldId="259"/>
+            <ac:spMk id="30" creationId="{339C8D78-A644-462F-B674-F440635E5353}"/>
+          </ac:spMkLst>
+        </pc:spChg>
+        <pc:spChg chg="add mod">
+          <ac:chgData name="Hannah Brydon" userId="6f4757451dcd9793" providerId="LiveId" clId="{03710B1F-F19B-48EF-9105-15A64D6CBB25}" dt="2019-04-07T01:55:50.307" v="2121" actId="20577"/>
+          <ac:spMkLst>
+            <pc:docMk/>
+            <pc:sldMk cId="2384012713" sldId="259"/>
+            <ac:spMk id="32" creationId="{2DB104B0-6971-4635-8A28-928A296C16A2}"/>
+          </ac:spMkLst>
+        </pc:spChg>
+        <pc:grpChg chg="add del">
+          <ac:chgData name="Hannah Brydon" userId="6f4757451dcd9793" providerId="LiveId" clId="{03710B1F-F19B-48EF-9105-15A64D6CBB25}" dt="2019-04-06T23:57:45.222" v="849" actId="26606"/>
+          <ac:grpSpMkLst>
+            <pc:docMk/>
+            <pc:sldMk cId="2384012713" sldId="259"/>
+            <ac:grpSpMk id="19" creationId="{2823A416-999C-4FA3-A853-0AE48404B5D7}"/>
+          </ac:grpSpMkLst>
+        </pc:grpChg>
+        <pc:graphicFrameChg chg="add del">
+          <ac:chgData name="Hannah Brydon" userId="6f4757451dcd9793" providerId="LiveId" clId="{03710B1F-F19B-48EF-9105-15A64D6CBB25}" dt="2019-04-06T23:57:39.204" v="845" actId="26606"/>
+          <ac:graphicFrameMkLst>
+            <pc:docMk/>
+            <pc:sldMk cId="2384012713" sldId="259"/>
+            <ac:graphicFrameMk id="8" creationId="{3CADB95F-9EB9-4836-B970-4149A240595F}"/>
+          </ac:graphicFrameMkLst>
+        </pc:graphicFrameChg>
+        <pc:graphicFrameChg chg="add del">
+          <ac:chgData name="Hannah Brydon" userId="6f4757451dcd9793" providerId="LiveId" clId="{03710B1F-F19B-48EF-9105-15A64D6CBB25}" dt="2019-04-06T23:57:42.459" v="847" actId="26606"/>
+          <ac:graphicFrameMkLst>
+            <pc:docMk/>
+            <pc:sldMk cId="2384012713" sldId="259"/>
+            <ac:graphicFrameMk id="17" creationId="{827554D8-6CA4-4E90-8327-775DAC10FF7A}"/>
+          </ac:graphicFrameMkLst>
+        </pc:graphicFrameChg>
+        <pc:picChg chg="add del">
+          <ac:chgData name="Hannah Brydon" userId="6f4757451dcd9793" providerId="LiveId" clId="{03710B1F-F19B-48EF-9105-15A64D6CBB25}" dt="2019-04-06T23:57:47.922" v="851" actId="26606"/>
+          <ac:picMkLst>
+            <pc:docMk/>
+            <pc:sldMk cId="2384012713" sldId="259"/>
+            <ac:picMk id="10" creationId="{F844C251-8278-4E29-BED1-044E1C495768}"/>
+          </ac:picMkLst>
+        </pc:picChg>
+        <pc:picChg chg="add del">
+          <ac:chgData name="Hannah Brydon" userId="6f4757451dcd9793" providerId="LiveId" clId="{03710B1F-F19B-48EF-9105-15A64D6CBB25}" dt="2019-04-06T23:57:39.204" v="845" actId="26606"/>
+          <ac:picMkLst>
+            <pc:docMk/>
+            <pc:sldMk cId="2384012713" sldId="259"/>
+            <ac:picMk id="15" creationId="{02DD2BC0-6F29-4B4F-8D61-2DCF6D2E8E73}"/>
+          </ac:picMkLst>
+        </pc:picChg>
+        <pc:picChg chg="add del">
+          <ac:chgData name="Hannah Brydon" userId="6f4757451dcd9793" providerId="LiveId" clId="{03710B1F-F19B-48EF-9105-15A64D6CBB25}" dt="2019-04-06T23:57:47.922" v="851" actId="26606"/>
+          <ac:picMkLst>
+            <pc:docMk/>
+            <pc:sldMk cId="2384012713" sldId="259"/>
+            <ac:picMk id="24" creationId="{07CF545F-9C2E-4446-97CD-AD92990C2B68}"/>
+          </ac:picMkLst>
+        </pc:picChg>
+        <pc:picChg chg="add">
+          <ac:chgData name="Hannah Brydon" userId="6f4757451dcd9793" providerId="LiveId" clId="{03710B1F-F19B-48EF-9105-15A64D6CBB25}" dt="2019-04-06T23:57:47.956" v="852" actId="26606"/>
+          <ac:picMkLst>
+            <pc:docMk/>
+            <pc:sldMk cId="2384012713" sldId="259"/>
+            <ac:picMk id="29" creationId="{07CF545F-9C2E-4446-97CD-AD92990C2B68}"/>
+          </ac:picMkLst>
+        </pc:picChg>
+        <pc:picChg chg="add">
+          <ac:chgData name="Hannah Brydon" userId="6f4757451dcd9793" providerId="LiveId" clId="{03710B1F-F19B-48EF-9105-15A64D6CBB25}" dt="2019-04-06T23:57:47.956" v="852" actId="26606"/>
+          <ac:picMkLst>
+            <pc:docMk/>
+            <pc:sldMk cId="2384012713" sldId="259"/>
+            <ac:picMk id="31" creationId="{7232BDB4-DA58-4685-839F-998B98F230CF}"/>
+          </ac:picMkLst>
+        </pc:picChg>
+      </pc:sldChg>
+      <pc:sldChg chg="addSp delSp modSp mod setBg">
+        <pc:chgData name="Hannah Brydon" userId="6f4757451dcd9793" providerId="LiveId" clId="{03710B1F-F19B-48EF-9105-15A64D6CBB25}" dt="2019-04-07T02:06:41.284" v="2316"/>
+        <pc:sldMkLst>
+          <pc:docMk/>
+          <pc:sldMk cId="1138243039" sldId="261"/>
+        </pc:sldMkLst>
+        <pc:spChg chg="del mod">
+          <ac:chgData name="Hannah Brydon" userId="6f4757451dcd9793" providerId="LiveId" clId="{03710B1F-F19B-48EF-9105-15A64D6CBB25}" dt="2019-04-07T02:04:43.671" v="2306" actId="478"/>
+          <ac:spMkLst>
+            <pc:docMk/>
+            <pc:sldMk cId="1138243039" sldId="261"/>
+            <ac:spMk id="2" creationId="{47F5F4B8-5ADE-4C84-AD5E-9F2C53D9485E}"/>
+          </ac:spMkLst>
+        </pc:spChg>
+        <pc:spChg chg="add del mod">
+          <ac:chgData name="Hannah Brydon" userId="6f4757451dcd9793" providerId="LiveId" clId="{03710B1F-F19B-48EF-9105-15A64D6CBB25}" dt="2019-04-07T02:06:41.284" v="2316"/>
+          <ac:spMkLst>
+            <pc:docMk/>
+            <pc:sldMk cId="1138243039" sldId="261"/>
+            <ac:spMk id="3" creationId="{48CFD0BA-0399-45AC-BEB8-4B391A7D57AD}"/>
+          </ac:spMkLst>
+        </pc:spChg>
+        <pc:spChg chg="add del mod">
+          <ac:chgData name="Hannah Brydon" userId="6f4757451dcd9793" providerId="LiveId" clId="{03710B1F-F19B-48EF-9105-15A64D6CBB25}" dt="2019-04-07T02:06:41.284" v="2316"/>
+          <ac:spMkLst>
+            <pc:docMk/>
+            <pc:sldMk cId="1138243039" sldId="261"/>
+            <ac:spMk id="4" creationId="{34DFFE9E-14D7-47AD-8882-96918BF5225A}"/>
+          </ac:spMkLst>
+        </pc:spChg>
+        <pc:spChg chg="add del mod">
+          <ac:chgData name="Hannah Brydon" userId="6f4757451dcd9793" providerId="LiveId" clId="{03710B1F-F19B-48EF-9105-15A64D6CBB25}" dt="2019-04-07T02:06:41.284" v="2316"/>
+          <ac:spMkLst>
+            <pc:docMk/>
+            <pc:sldMk cId="1138243039" sldId="261"/>
+            <ac:spMk id="5" creationId="{99111D06-987A-4D84-A89F-BB401D07BF99}"/>
+          </ac:spMkLst>
+        </pc:spChg>
+        <pc:spChg chg="del mod">
+          <ac:chgData name="Hannah Brydon" userId="6f4757451dcd9793" providerId="LiveId" clId="{03710B1F-F19B-48EF-9105-15A64D6CBB25}" dt="2019-04-07T02:04:55.853" v="2307" actId="26606"/>
+          <ac:spMkLst>
+            <pc:docMk/>
+            <pc:sldMk cId="1138243039" sldId="261"/>
+            <ac:spMk id="6" creationId="{2DB104B0-6971-4635-8A28-928A296C16A2}"/>
+          </ac:spMkLst>
+        </pc:spChg>
+        <pc:spChg chg="add">
+          <ac:chgData name="Hannah Brydon" userId="6f4757451dcd9793" providerId="LiveId" clId="{03710B1F-F19B-48EF-9105-15A64D6CBB25}" dt="2019-04-07T02:04:55.853" v="2307" actId="26606"/>
+          <ac:spMkLst>
+            <pc:docMk/>
+            <pc:sldMk cId="1138243039" sldId="261"/>
+            <ac:spMk id="13" creationId="{46C2E80F-49A6-4372-B103-219D417A55ED}"/>
+          </ac:spMkLst>
+        </pc:spChg>
+        <pc:graphicFrameChg chg="add del">
+          <ac:chgData name="Hannah Brydon" userId="6f4757451dcd9793" providerId="LiveId" clId="{03710B1F-F19B-48EF-9105-15A64D6CBB25}" dt="2019-04-07T02:06:41.284" v="2316"/>
+          <ac:graphicFrameMkLst>
+            <pc:docMk/>
+            <pc:sldMk cId="1138243039" sldId="261"/>
+            <ac:graphicFrameMk id="8" creationId="{AB99ED22-4E2E-416C-9766-911FA9333488}"/>
+          </ac:graphicFrameMkLst>
+        </pc:graphicFrameChg>
+      </pc:sldChg>
+      <pc:sldChg chg="addSp delSp modSp">
+        <pc:chgData name="Hannah Brydon" userId="6f4757451dcd9793" providerId="LiveId" clId="{03710B1F-F19B-48EF-9105-15A64D6CBB25}" dt="2019-04-07T02:13:57.324" v="2318"/>
+        <pc:sldMkLst>
+          <pc:docMk/>
+          <pc:sldMk cId="2507617006" sldId="263"/>
+        </pc:sldMkLst>
+        <pc:spChg chg="del mod">
+          <ac:chgData name="Hannah Brydon" userId="6f4757451dcd9793" providerId="LiveId" clId="{03710B1F-F19B-48EF-9105-15A64D6CBB25}" dt="2019-04-07T02:13:57.324" v="2318"/>
+          <ac:spMkLst>
+            <pc:docMk/>
+            <pc:sldMk cId="2507617006" sldId="263"/>
+            <ac:spMk id="6" creationId="{2DB104B0-6971-4635-8A28-928A296C16A2}"/>
+          </ac:spMkLst>
+        </pc:spChg>
+        <pc:picChg chg="add mod">
+          <ac:chgData name="Hannah Brydon" userId="6f4757451dcd9793" providerId="LiveId" clId="{03710B1F-F19B-48EF-9105-15A64D6CBB25}" dt="2019-04-07T02:13:57.324" v="2318"/>
+          <ac:picMkLst>
+            <pc:docMk/>
+            <pc:sldMk cId="2507617006" sldId="263"/>
+            <ac:picMk id="2" creationId="{FFBE50B4-4BF5-43F1-A159-2FFB4CBDA168}"/>
+          </ac:picMkLst>
+        </pc:picChg>
+      </pc:sldChg>
+    </pc:docChg>
+  </pc:docChgLst>
+</pc:chgInfo>
+</file>
+
+<file path=ppt/diagrams/colors1.xml><?xml version="1.0" encoding="utf-8"?>
+<dgm:colorsDef xmlns:dgm="http://schemas.openxmlformats.org/drawingml/2006/diagram" xmlns:a="http://schemas.openxmlformats.org/drawingml/2006/main" uniqueId="urn:microsoft.com/office/officeart/2018/5/colors/Iconchunking_neutralicontext_colorful1">
+  <dgm:title val=""/>
+  <dgm:desc val=""/>
+  <dgm:catLst>
+    <dgm:cat type="colorful" pri="10100"/>
+  </dgm:catLst>
+  <dgm:styleLbl name="node0">
+    <dgm:fillClrLst meth="repeat">
+      <a:schemeClr val="accent1"/>
+    </dgm:fillClrLst>
+    <dgm:linClrLst meth="repeat">
+      <a:schemeClr val="lt1"/>
+    </dgm:linClrLst>
+    <dgm:effectClrLst/>
+    <dgm:txLinClrLst/>
+    <dgm:txFillClrLst/>
+    <dgm:txEffectClrLst/>
+  </dgm:styleLbl>
+  <dgm:styleLbl name="node1">
+    <dgm:fillClrLst meth="repeat">
+      <a:schemeClr val="bg1"/>
+    </dgm:fillClrLst>
+    <dgm:linClrLst meth="repeat">
+      <a:schemeClr val="lt1">
+        <a:alpha val="0"/>
+      </a:schemeClr>
+    </dgm:linClrLst>
+    <dgm:effectClrLst/>
+    <dgm:txLinClrLst/>
+    <dgm:txFillClrLst meth="repeat">
+      <a:schemeClr val="dk1"/>
+    </dgm:txFillClrLst>
+    <dgm:txEffectClrLst/>
+  </dgm:styleLbl>
+  <dgm:styleLbl name="alignNode1">
+    <dgm:fillClrLst meth="repeat">
+      <a:schemeClr val="accent2"/>
+      <a:schemeClr val="accent3"/>
+      <a:schemeClr val="accent4"/>
+      <a:schemeClr val="accent5"/>
+      <a:schemeClr val="accent6"/>
+    </dgm:fillClrLst>
+    <dgm:linClrLst meth="repeat">
+      <a:schemeClr val="accent2"/>
+      <a:schemeClr val="accent3"/>
+      <a:schemeClr val="accent4"/>
+      <a:schemeClr val="accent5"/>
+      <a:schemeClr val="accent6"/>
+    </dgm:linClrLst>
+    <dgm:effectClrLst/>
+    <dgm:txLinClrLst/>
+    <dgm:txFillClrLst/>
+    <dgm:txEffectClrLst/>
+  </dgm:styleLbl>
+  <dgm:styleLbl name="lnNode1">
+    <dgm:fillClrLst meth="repeat">
+      <a:schemeClr val="accent2"/>
+      <a:schemeClr val="accent3"/>
+      <a:schemeClr val="accent4"/>
+      <a:schemeClr val="accent5"/>
+      <a:schemeClr val="accent6"/>
+    </dgm:fillClrLst>
+    <dgm:linClrLst meth="repeat">
+      <a:schemeClr val="lt1"/>
+    </dgm:linClrLst>
+    <dgm:effectClrLst/>
+    <dgm:txLinClrLst/>
+    <dgm:txFillClrLst/>
+    <dgm:txEffectClrLst/>
+  </dgm:styleLbl>
+  <dgm:styleLbl name="vennNode1">
+    <dgm:fillClrLst meth="repeat">
+      <a:schemeClr val="accent2">
+        <a:alpha val="50000"/>
+      </a:schemeClr>
+      <a:schemeClr val="accent3">
+        <a:alpha val="50000"/>
+      </a:schemeClr>
+      <a:schemeClr val="accent4">
+        <a:alpha val="50000"/>
+      </a:schemeClr>
+      <a:schemeClr val="accent5">
+        <a:alpha val="50000"/>
+      </a:schemeClr>
+      <a:schemeClr val="accent6">
+        <a:alpha val="50000"/>
+      </a:schemeClr>
+    </dgm:fillClrLst>
+    <dgm:linClrLst meth="repeat">
+      <a:schemeClr val="lt1"/>
+    </dgm:linClrLst>
+    <dgm:effectClrLst/>
+    <dgm:txLinClrLst/>
+    <dgm:txFillClrLst/>
+    <dgm:txEffectClrLst/>
+  </dgm:styleLbl>
+  <dgm:styleLbl name="node2">
+    <dgm:fillClrLst>
+      <a:schemeClr val="accent2"/>
+    </dgm:fillClrLst>
+    <dgm:linClrLst meth="repeat">
+      <a:schemeClr val="lt1"/>
+    </dgm:linClrLst>
+    <dgm:effectClrLst/>
+    <dgm:txLinClrLst/>
+    <dgm:txFillClrLst/>
+    <dgm:txEffectClrLst/>
+  </dgm:styleLbl>
+  <dgm:styleLbl name="node3">
+    <dgm:fillClrLst>
+      <a:schemeClr val="accent3"/>
+    </dgm:fillClrLst>
+    <dgm:linClrLst meth="repeat">
+      <a:schemeClr val="lt1"/>
+    </dgm:linClrLst>
+    <dgm:effectClrLst/>
+    <dgm:txLinClrLst/>
+    <dgm:txFillClrLst/>
+    <dgm:txEffectClrLst/>
+  </dgm:styleLbl>
+  <dgm:styleLbl name="node4">
+    <dgm:fillClrLst>
+      <a:schemeClr val="accent4"/>
+    </dgm:fillClrLst>
+    <dgm:linClrLst meth="repeat">
+      <a:schemeClr val="lt1"/>
+    </dgm:linClrLst>
+    <dgm:effectClrLst/>
+    <dgm:txLinClrLst/>
+    <dgm:txFillClrLst/>
+    <dgm:txEffectClrLst/>
+  </dgm:styleLbl>
+  <dgm:styleLbl name="fgImgPlace1">
+    <dgm:fillClrLst meth="repeat">
+      <a:schemeClr val="accent2">
+        <a:tint val="50000"/>
+      </a:schemeClr>
+      <a:schemeClr val="accent3">
+        <a:tint val="50000"/>
+      </a:schemeClr>
+      <a:schemeClr val="accent4">
+        <a:tint val="50000"/>
+      </a:schemeClr>
+      <a:schemeClr val="accent5">
+        <a:tint val="50000"/>
+      </a:schemeClr>
+      <a:schemeClr val="accent6">
+        <a:tint val="50000"/>
+      </a:schemeClr>
+    </dgm:fillClrLst>
+    <dgm:linClrLst meth="repeat">
+      <a:schemeClr val="lt1"/>
+    </dgm:linClrLst>
+    <dgm:effectClrLst/>
+    <dgm:txLinClrLst/>
+    <dgm:txFillClrLst meth="repeat">
+      <a:schemeClr val="lt1"/>
+    </dgm:txFillClrLst>
+    <dgm:txEffectClrLst/>
+  </dgm:styleLbl>
+  <dgm:styleLbl name="alignImgPlace1">
+    <dgm:fillClrLst>
+      <a:schemeClr val="accent1">
+        <a:tint val="50000"/>
+      </a:schemeClr>
+      <a:schemeClr val="accent2">
+        <a:tint val="20000"/>
+      </a:schemeClr>
+    </dgm:fillClrLst>
+    <dgm:linClrLst meth="repeat">
+      <a:schemeClr val="lt1"/>
+    </dgm:linClrLst>
+    <dgm:effectClrLst/>
+    <dgm:txLinClrLst/>
+    <dgm:txFillClrLst meth="repeat">
+      <a:schemeClr val="lt1"/>
+    </dgm:txFillClrLst>
+    <dgm:txEffectClrLst/>
+  </dgm:styleLbl>
+  <dgm:styleLbl name="bgImgPlace1">
+    <dgm:fillClrLst>
+      <a:schemeClr val="accent1">
+        <a:tint val="50000"/>
+      </a:schemeClr>
+      <a:schemeClr val="accent2">
+        <a:tint val="20000"/>
+      </a:schemeClr>
+    </dgm:fillClrLst>
+    <dgm:linClrLst meth="repeat">
+      <a:schemeClr val="lt1"/>
+    </dgm:linClrLst>
+    <dgm:effectClrLst/>
+    <dgm:txLinClrLst/>
+    <dgm:txFillClrLst meth="repeat">
+      <a:schemeClr val="lt1"/>
+    </dgm:txFillClrLst>
+    <dgm:txEffectClrLst/>
+  </dgm:styleLbl>
+  <dgm:styleLbl name="sibTrans2D1">
+    <dgm:fillClrLst meth="repeat">
+      <a:schemeClr val="accent2"/>
+      <a:schemeClr val="accent3"/>
+      <a:schemeClr val="accent4"/>
+      <a:schemeClr val="accent5"/>
+      <a:schemeClr val="accent6"/>
+    </dgm:fillClrLst>
+    <dgm:linClrLst meth="cycle">
+      <a:schemeClr val="lt1"/>
+    </dgm:linClrLst>
+    <dgm:effectClrLst/>
+    <dgm:txLinClrLst/>
+    <dgm:txFillClrLst/>
+    <dgm:txEffectClrLst/>
+  </dgm:styleLbl>
+  <dgm:styleLbl name="fgSibTrans2D1">
+    <dgm:fillClrLst meth="repeat">
+      <a:schemeClr val="accent2"/>
+      <a:schemeClr val="accent3"/>
+      <a:schemeClr val="accent4"/>
+      <a:schemeClr val="accent5"/>
+      <a:schemeClr val="accent6"/>
+    </dgm:fillClrLst>
+    <dgm:linClrLst meth="cycle">
+      <a:schemeClr val="lt1"/>
+    </dgm:linClrLst>
+    <dgm:effectClrLst/>
+    <dgm:txLinClrLst/>
+    <dgm:txFillClrLst meth="repeat">
+      <a:schemeClr val="lt1"/>
+    </dgm:txFillClrLst>
+    <dgm:txEffectClrLst/>
+  </dgm:styleLbl>
+  <dgm:styleLbl name="bgSibTrans2D1">
+    <dgm:fillClrLst meth="repeat">
+      <a:schemeClr val="accent2"/>
+      <a:schemeClr val="accent3"/>
+      <a:schemeClr val="accent4"/>
+      <a:schemeClr val="accent5"/>
+      <a:schemeClr val="accent6"/>
+    </dgm:fillClrLst>
+    <dgm:linClrLst meth="cycle">
+      <a:schemeClr val="lt1"/>
+    </dgm:linClrLst>
+    <dgm:effectClrLst/>
+    <dgm:txLinClrLst/>
+    <dgm:txFillClrLst meth="repeat">
+      <a:schemeClr val="lt1"/>
+    </dgm:txFillClrLst>
+    <dgm:txEffectClrLst/>
+  </dgm:styleLbl>
+  <dgm:styleLbl name="sibTrans1D1">
+    <dgm:fillClrLst meth="repeat">
+      <a:schemeClr val="accent2"/>
+      <a:schemeClr val="accent3"/>
+      <a:schemeClr val="accent4"/>
+      <a:schemeClr val="accent5"/>
+      <a:schemeClr val="accent6"/>
+    </dgm:fillClrLst>
+    <dgm:linClrLst meth="repeat">
+      <a:schemeClr val="accent2"/>
+      <a:schemeClr val="accent3"/>
+      <a:schemeClr val="accent4"/>
+      <a:schemeClr val="accent5"/>
+      <a:schemeClr val="accent6"/>
+    </dgm:linClrLst>
+    <dgm:effectClrLst/>
+    <dgm:txLinClrLst/>
+    <dgm:txFillClrLst meth="repeat">
+      <a:schemeClr val="tx1"/>
+    </dgm:txFillClrLst>
+    <dgm:txEffectClrLst/>
+  </dgm:styleLbl>
+  <dgm:styleLbl name="callout">
+    <dgm:fillClrLst meth="repeat">
+      <a:schemeClr val="accent2"/>
+    </dgm:fillClrLst>
+    <dgm:linClrLst meth="repeat">
+      <a:schemeClr val="accent2">
+        <a:tint val="50000"/>
+      </a:schemeClr>
+    </dgm:linClrLst>
+    <dgm:effectClrLst/>
+    <dgm:txLinClrLst/>
+    <dgm:txFillClrLst meth="repeat">
+      <a:schemeClr val="tx1"/>
+    </dgm:txFillClrLst>
+    <dgm:txEffectClrLst/>
+  </dgm:styleLbl>
+  <dgm:styleLbl name="asst0">
+    <dgm:fillClrLst meth="repeat">
+      <a:schemeClr val="accent1"/>
+    </dgm:fillClrLst>
+    <dgm:linClrLst meth="repeat">
+      <a:schemeClr val="lt1"/>
+    </dgm:linClrLst>
+    <dgm:effectClrLst/>
+    <dgm:txLinClrLst/>
+    <dgm:txFillClrLst/>
+    <dgm:txEffectClrLst/>
+  </dgm:styleLbl>
+  <dgm:styleLbl name="asst1">
+    <dgm:fillClrLst meth="repeat">
+      <a:schemeClr val="accent2"/>
+    </dgm:fillClrLst>
+    <dgm:linClrLst meth="repeat">
+      <a:schemeClr val="lt1"/>
+    </dgm:linClrLst>
+    <dgm:effectClrLst/>
+    <dgm:txLinClrLst/>
+    <dgm:txFillClrLst/>
+    <dgm:txEffectClrLst/>
+  </dgm:styleLbl>
+  <dgm:styleLbl name="asst2">
+    <dgm:fillClrLst>
+      <a:schemeClr val="accent3"/>
+    </dgm:fillClrLst>
+    <dgm:linClrLst meth="repeat">
+      <a:schemeClr val="lt1"/>
+    </dgm:linClrLst>
+    <dgm:effectClrLst/>
+    <dgm:txLinClrLst/>
+    <dgm:txFillClrLst/>
+    <dgm:txEffectClrLst/>
+  </dgm:styleLbl>
+  <dgm:styleLbl name="asst3">
+    <dgm:fillClrLst>
+      <a:schemeClr val="accent4"/>
+    </dgm:fillClrLst>
+    <dgm:linClrLst meth="repeat">
+      <a:schemeClr val="lt1"/>
+    </dgm:linClrLst>
+    <dgm:effectClrLst/>
+    <dgm:txLinClrLst/>
+    <dgm:txFillClrLst/>
+    <dgm:txEffectClrLst/>
+  </dgm:styleLbl>
+  <dgm:styleLbl name="asst4">
+    <dgm:fillClrLst>
+      <a:schemeClr val="accent5"/>
+    </dgm:fillClrLst>
+    <dgm:linClrLst meth="repeat">
+      <a:schemeClr val="lt1"/>
+    </dgm:linClrLst>
+    <dgm:effectClrLst/>
+    <dgm:txLinClrLst/>
+    <dgm:txFillClrLst/>
+    <dgm:txEffectClrLst/>
+  </dgm:styleLbl>
+  <dgm:styleLbl name="parChTrans2D1">
+    <dgm:fillClrLst meth="repeat">
+      <a:schemeClr val="accent2"/>
+    </dgm:fillClrLst>
+    <dgm:linClrLst meth="repeat">
+      <a:schemeClr val="lt1"/>
+    </dgm:linClrLst>
+    <dgm:effectClrLst/>
+    <dgm:txLinClrLst/>
+    <dgm:txFillClrLst meth="repeat">
+      <a:schemeClr val="lt1"/>
+    </dgm:txFillClrLst>
+    <dgm:txEffectClrLst/>
+  </dgm:styleLbl>
+  <dgm:styleLbl name="parChTrans2D2">
+    <dgm:fillClrLst meth="repeat">
+      <a:schemeClr val="accent3"/>
+    </dgm:fillClrLst>
+    <dgm:linClrLst meth="repeat">
+      <a:schemeClr val="lt1"/>
+    </dgm:linClrLst>
+    <dgm:effectClrLst/>
+    <dgm:txLinClrLst/>
+    <dgm:txFillClrLst/>
+    <dgm:txEffectClrLst/>
+  </dgm:styleLbl>
+  <dgm:styleLbl name="parChTrans2D3">
+    <dgm:fillClrLst meth="repeat">
+      <a:schemeClr val="accent4"/>
+    </dgm:fillClrLst>
+    <dgm:linClrLst meth="repeat">
+      <a:schemeClr val="lt1"/>
+    </dgm:linClrLst>
+    <dgm:effectClrLst/>
+    <dgm:txLinClrLst/>
+    <dgm:txFillClrLst/>
+    <dgm:txEffectClrLst/>
+  </dgm:styleLbl>
+  <dgm:styleLbl name="parChTrans2D4">
+    <dgm:fillClrLst meth="repeat">
+      <a:schemeClr val="accent5"/>
+    </dgm:fillClrLst>
+    <dgm:linClrLst meth="repeat">
+      <a:schemeClr val="lt1"/>
+    </dgm:linClrLst>
+    <dgm:effectClrLst/>
+    <dgm:txLinClrLst/>
+    <dgm:txFillClrLst meth="repeat">
+      <a:schemeClr val="lt1"/>
+    </dgm:txFillClrLst>
+    <dgm:txEffectClrLst/>
+  </dgm:styleLbl>
+  <dgm:styleLbl name="parChTrans1D1">
+    <dgm:fillClrLst meth="repeat">
+      <a:schemeClr val="accent2"/>
+    </dgm:fillClrLst>
+    <dgm:linClrLst meth="repeat">
+      <a:schemeClr val="accent1"/>
+    </dgm:linClrLst>
+    <dgm:effectClrLst/>
+    <dgm:txLinClrLst/>
+    <dgm:txFillClrLst meth="repeat">
+      <a:schemeClr val="tx1"/>
+    </dgm:txFillClrLst>
+    <dgm:txEffectClrLst/>
+  </dgm:styleLbl>
+  <dgm:styleLbl name="parChTrans1D2">
+    <dgm:fillClrLst meth="repeat">
+      <a:schemeClr val="accent3">
+        <a:tint val="90000"/>
+      </a:schemeClr>
+    </dgm:fillClrLst>
+    <dgm:linClrLst meth="repeat">
+      <a:schemeClr val="accent2"/>
+    </dgm:linClrLst>
+    <dgm:effectClrLst/>
+    <dgm:txLinClrLst/>
+    <dgm:txFillClrLst meth="repeat">
+      <a:schemeClr val="tx1"/>
+    </dgm:txFillClrLst>
+    <dgm:txEffectClrLst/>
+  </dgm:styleLbl>
+  <dgm:styleLbl name="parChTrans1D3">
+    <dgm:fillClrLst meth="repeat">
+      <a:schemeClr val="accent4">
+        <a:tint val="70000"/>
+      </a:schemeClr>
+    </dgm:fillClrLst>
+    <dgm:linClrLst meth="repeat">
+      <a:schemeClr val="accent3"/>
+    </dgm:linClrLst>
+    <dgm:effectClrLst/>
+    <dgm:txLinClrLst/>
+    <dgm:txFillClrLst meth="repeat">
+      <a:schemeClr val="tx1"/>
+    </dgm:txFillClrLst>
+    <dgm:txEffectClrLst/>
+  </dgm:styleLbl>
+  <dgm:styleLbl name="parChTrans1D4">
+    <dgm:fillClrLst meth="repeat">
+      <a:schemeClr val="accent5">
+        <a:tint val="50000"/>
+      </a:schemeClr>
+    </dgm:fillClrLst>
+    <dgm:linClrLst meth="repeat">
+      <a:schemeClr val="accent4"/>
+    </dgm:linClrLst>
+    <dgm:effectClrLst/>
+    <dgm:txLinClrLst/>
+    <dgm:txFillClrLst meth="repeat">
+      <a:schemeClr val="tx1"/>
+    </dgm:txFillClrLst>
+    <dgm:txEffectClrLst/>
+  </dgm:styleLbl>
+  <dgm:styleLbl name="fgAcc1">
+    <dgm:fillClrLst meth="repeat">
+      <a:schemeClr val="lt1">
+        <a:alpha val="90000"/>
+      </a:schemeClr>
+    </dgm:fillClrLst>
+    <dgm:linClrLst meth="repeat">
+      <a:schemeClr val="accent2"/>
+      <a:schemeClr val="accent3"/>
+      <a:schemeClr val="accent4"/>
+      <a:schemeClr val="accent5"/>
+      <a:schemeClr val="accent6"/>
+    </dgm:linClrLst>
+    <dgm:effectClrLst/>
+    <dgm:txLinClrLst/>
+    <dgm:txFillClrLst meth="repeat">
+      <a:schemeClr val="dk1"/>
+    </dgm:txFillClrLst>
+    <dgm:txEffectClrLst/>
+  </dgm:styleLbl>
+  <dgm:styleLbl name="conFgAcc1">
+    <dgm:fillClrLst meth="repeat">
+      <a:schemeClr val="lt1">
+        <a:alpha val="90000"/>
+      </a:schemeClr>
+    </dgm:fillClrLst>
+    <dgm:linClrLst meth="repeat">
+      <a:schemeClr val="accent2"/>
+      <a:schemeClr val="accent3"/>
+      <a:schemeClr val="accent4"/>
+      <a:schemeClr val="accent5"/>
+      <a:schemeClr val="accent6"/>
+    </dgm:linClrLst>
+    <dgm:effectClrLst/>
+    <dgm:txLinClrLst/>
+    <dgm:txFillClrLst meth="repeat">
+      <a:schemeClr val="dk1"/>
+    </dgm:txFillClrLst>
+    <dgm:txEffectClrLst/>
+  </dgm:styleLbl>
+  <dgm:styleLbl name="alignAcc1">
+    <dgm:fillClrLst meth="repeat">
+      <a:schemeClr val="lt1">
+        <a:alpha val="90000"/>
+      </a:schemeClr>
+    </dgm:fillClrLst>
+    <dgm:linClrLst meth="repeat">
+      <a:schemeClr val="accent2"/>
+      <a:schemeClr val="accent3"/>
+      <a:schemeClr val="accent4"/>
+      <a:schemeClr val="accent5"/>
+      <a:schemeClr val="accent6"/>
+    </dgm:linClrLst>
+    <dgm:effectClrLst/>
+    <dgm:txLinClrLst/>
+    <dgm:txFillClrLst meth="repeat">
+      <a:schemeClr val="dk1"/>
+    </dgm:txFillClrLst>
+    <dgm:txEffectClrLst/>
+  </dgm:styleLbl>
+  <dgm:styleLbl name="trAlignAcc1">
+    <dgm:fillClrLst meth="repeat">
+      <a:schemeClr val="lt1">
+        <a:alpha val="40000"/>
+      </a:schemeClr>
+    </dgm:fillClrLst>
+    <dgm:linClrLst meth="repeat">
+      <a:schemeClr val="accent1"/>
+    </dgm:linClrLst>
+    <dgm:effectClrLst/>
+    <dgm:txLinClrLst/>
+    <dgm:txFillClrLst meth="repeat">
+      <a:schemeClr val="dk1"/>
+    </dgm:txFillClrLst>
+    <dgm:txEffectClrLst/>
+  </dgm:styleLbl>
+  <dgm:styleLbl name="bgAcc1">
+    <dgm:fillClrLst meth="repeat">
+      <a:schemeClr val="lt1">
+        <a:alpha val="90000"/>
+      </a:schemeClr>
+    </dgm:fillClrLst>
+    <dgm:linClrLst meth="repeat">
+      <a:schemeClr val="accent2"/>
+      <a:schemeClr val="accent3"/>
+      <a:schemeClr val="accent4"/>
+      <a:schemeClr val="accent5"/>
+      <a:schemeClr val="accent6"/>
+    </dgm:linClrLst>
+    <dgm:effectClrLst/>
+    <dgm:txLinClrLst/>
+    <dgm:txFillClrLst meth="repeat">
+      <a:schemeClr val="dk1"/>
+    </dgm:txFillClrLst>
+    <dgm:txEffectClrLst/>
+  </dgm:styleLbl>
+  <dgm:styleLbl name="solidFgAcc1">
+    <dgm:fillClrLst meth="repeat">
+      <a:schemeClr val="lt1"/>
+    </dgm:fillClrLst>
+    <dgm:linClrLst meth="repeat">
+      <a:schemeClr val="accent2"/>
+      <a:schemeClr val="accent3"/>
+      <a:schemeClr val="accent4"/>
+      <a:schemeClr val="accent5"/>
+      <a:schemeClr val="accent6"/>
+    </dgm:linClrLst>
+    <dgm:effectClrLst/>
+    <dgm:txLinClrLst/>
+    <dgm:txFillClrLst meth="repeat">
+      <a:schemeClr val="dk1"/>
+    </dgm:txFillClrLst>
+    <dgm:txEffectClrLst/>
+  </dgm:styleLbl>
+  <dgm:styleLbl name="solidAlignAcc1">
+    <dgm:fillClrLst meth="repeat">
+      <a:schemeClr val="lt1"/>
+    </dgm:fillClrLst>
+    <dgm:linClrLst meth="repeat">
+      <a:schemeClr val="accent2"/>
+      <a:schemeClr val="accent3"/>
+      <a:schemeClr val="accent4"/>
+      <a:schemeClr val="accent5"/>
+      <a:schemeClr val="accent6"/>
+    </dgm:linClrLst>
+    <dgm:effectClrLst/>
+    <dgm:txLinClrLst/>
+    <dgm:txFillClrLst meth="repeat">
+      <a:schemeClr val="dk1"/>
+    </dgm:txFillClrLst>
+    <dgm:txEffectClrLst/>
+  </dgm:styleLbl>
+  <dgm:styleLbl name="solidBgAcc1">
+    <dgm:fillClrLst meth="repeat">
+      <a:schemeClr val="lt1"/>
+    </dgm:fillClrLst>
+    <dgm:linClrLst meth="repeat">
+      <a:schemeClr val="accent2"/>
+      <a:schemeClr val="accent3"/>
+      <a:schemeClr val="accent4"/>
+      <a:schemeClr val="accent5"/>
+      <a:schemeClr val="accent6"/>
+    </dgm:linClrLst>
+    <dgm:effectClrLst/>
+    <dgm:txLinClrLst/>
+    <dgm:txFillClrLst meth="repeat">
+      <a:schemeClr val="dk1"/>
+    </dgm:txFillClrLst>
+    <dgm:txEffectClrLst/>
+  </dgm:styleLbl>
+  <dgm:styleLbl name="fgAccFollowNode1">
+    <dgm:fillClrLst meth="repeat">
+      <a:schemeClr val="accent2">
+        <a:tint val="40000"/>
+        <a:alpha val="90000"/>
+      </a:schemeClr>
+      <a:schemeClr val="accent3">
+        <a:tint val="40000"/>
+        <a:alpha val="90000"/>
+      </a:schemeClr>
+      <a:schemeClr val="accent4">
+        <a:tint val="40000"/>
+        <a:alpha val="90000"/>
+      </a:schemeClr>
+      <a:schemeClr val="accent5">
+        <a:tint val="40000"/>
+        <a:alpha val="90000"/>
+      </a:schemeClr>
+      <a:schemeClr val="accent6">
+        <a:tint val="40000"/>
+        <a:alpha val="90000"/>
+      </a:schemeClr>
+    </dgm:fillClrLst>
+    <dgm:linClrLst meth="repeat">
+      <a:schemeClr val="accent2">
+        <a:tint val="40000"/>
+        <a:alpha val="90000"/>
+      </a:schemeClr>
+      <a:schemeClr val="accent3">
+        <a:tint val="40000"/>
+        <a:alpha val="90000"/>
+      </a:schemeClr>
+      <a:schemeClr val="accent4">
+        <a:tint val="40000"/>
+        <a:alpha val="90000"/>
+      </a:schemeClr>
+      <a:schemeClr val="accent5">
+        <a:tint val="40000"/>
+        <a:alpha val="90000"/>
+      </a:schemeClr>
+      <a:schemeClr val="accent6">
+        <a:tint val="40000"/>
+        <a:alpha val="90000"/>
+      </a:schemeClr>
+    </dgm:linClrLst>
+    <dgm:effectClrLst/>
+    <dgm:txLinClrLst/>
+    <dgm:txFillClrLst meth="repeat">
+      <a:schemeClr val="dk1"/>
+    </dgm:txFillClrLst>
+    <dgm:txEffectClrLst/>
+  </dgm:styleLbl>
+  <dgm:styleLbl name="alignAccFollowNode1">
+    <dgm:fillClrLst meth="repeat">
+      <a:schemeClr val="accent2">
+        <a:tint val="40000"/>
+        <a:alpha val="90000"/>
+      </a:schemeClr>
+      <a:schemeClr val="accent3">
+        <a:tint val="40000"/>
+        <a:alpha val="90000"/>
+      </a:schemeClr>
+      <a:schemeClr val="accent4">
+        <a:tint val="40000"/>
+        <a:alpha val="90000"/>
+      </a:schemeClr>
+      <a:schemeClr val="accent5">
+        <a:tint val="40000"/>
+        <a:alpha val="90000"/>
+      </a:schemeClr>
+      <a:schemeClr val="accent6">
+        <a:tint val="40000"/>
+        <a:alpha val="90000"/>
+      </a:schemeClr>
+    </dgm:fillClrLst>
+    <dgm:linClrLst meth="repeat">
+      <a:schemeClr val="accent2">
+        <a:tint val="40000"/>
+        <a:alpha val="90000"/>
+      </a:schemeClr>
+      <a:schemeClr val="accent3">
+        <a:tint val="40000"/>
+        <a:alpha val="90000"/>
+      </a:schemeClr>
+      <a:schemeClr val="accent4">
+        <a:tint val="40000"/>
+        <a:alpha val="90000"/>
+      </a:schemeClr>
+      <a:schemeClr val="accent5">
+        <a:tint val="40000"/>
+        <a:alpha val="90000"/>
+      </a:schemeClr>
+      <a:schemeClr val="accent6">
+        <a:tint val="40000"/>
+        <a:alpha val="90000"/>
+      </a:schemeClr>
+    </dgm:linClrLst>
+    <dgm:effectClrLst/>
+    <dgm:txLinClrLst/>
+    <dgm:txFillClrLst meth="repeat">
+      <a:schemeClr val="dk1"/>
+    </dgm:txFillClrLst>
+    <dgm:txEffectClrLst/>
+  </dgm:styleLbl>
+  <dgm:styleLbl name="bgAccFollowNode1">
+    <dgm:fillClrLst meth="repeat">
+      <a:schemeClr val="accent2">
+        <a:tint val="40000"/>
+        <a:alpha val="90000"/>
+      </a:schemeClr>
+      <a:schemeClr val="accent3">
+        <a:tint val="40000"/>
+        <a:alpha val="90000"/>
+      </a:schemeClr>
+      <a:schemeClr val="accent4">
+        <a:tint val="40000"/>
+        <a:alpha val="90000"/>
+      </a:schemeClr>
+      <a:schemeClr val="accent5">
+        <a:tint val="40000"/>
+        <a:alpha val="90000"/>
+      </a:schemeClr>
+      <a:schemeClr val="accent6">
+        <a:tint val="40000"/>
+        <a:alpha val="90000"/>
+      </a:schemeClr>
+    </dgm:fillClrLst>
+    <dgm:linClrLst meth="repeat">
+      <a:schemeClr val="accent2">
+        <a:tint val="40000"/>
+        <a:alpha val="90000"/>
+      </a:schemeClr>
+      <a:schemeClr val="accent3">
+        <a:tint val="40000"/>
+        <a:alpha val="90000"/>
+      </a:schemeClr>
+      <a:schemeClr val="accent4">
+        <a:tint val="40000"/>
+        <a:alpha val="90000"/>
+      </a:schemeClr>
+      <a:schemeClr val="accent5">
+        <a:tint val="40000"/>
+        <a:alpha val="90000"/>
+      </a:schemeClr>
+      <a:schemeClr val="accent6">
+        <a:tint val="40000"/>
+        <a:alpha val="90000"/>
+      </a:schemeClr>
+    </dgm:linClrLst>
+    <dgm:effectClrLst/>
+    <dgm:txLinClrLst/>
+    <dgm:txFillClrLst meth="repeat">
+      <a:schemeClr val="dk1"/>
+    </dgm:txFillClrLst>
+    <dgm:txEffectClrLst/>
+  </dgm:styleLbl>
+  <dgm:styleLbl name="fgAcc0">
+    <dgm:fillClrLst meth="repeat">
+      <a:schemeClr val="lt1">
+        <a:alpha val="90000"/>
+      </a:schemeClr>
+    </dgm:fillClrLst>
+    <dgm:linClrLst>
+      <a:schemeClr val="accent1"/>
+    </dgm:linClrLst>
+    <dgm:effectClrLst/>
+    <dgm:txLinClrLst/>
+    <dgm:txFillClrLst meth="repeat">
+      <a:schemeClr val="dk1"/>
+    </dgm:txFillClrLst>
+    <dgm:txEffectClrLst/>
+  </dgm:styleLbl>
+  <dgm:styleLbl name="fgAcc2">
+    <dgm:fillClrLst meth="repeat">
+      <a:schemeClr val="lt1">
+        <a:alpha val="90000"/>
+      </a:schemeClr>
+    </dgm:fillClrLst>
+    <dgm:linClrLst>
+      <a:schemeClr val="accent2"/>
+    </dgm:linClrLst>
+    <dgm:effectClrLst/>
+    <dgm:txLinClrLst/>
+    <dgm:txFillClrLst meth="repeat">
+      <a:schemeClr val="dk1"/>
+    </dgm:txFillClrLst>
+    <dgm:txEffectClrLst/>
+  </dgm:styleLbl>
+  <dgm:styleLbl name="fgAcc3">
+    <dgm:fillClrLst meth="repeat">
+      <a:schemeClr val="lt1">
+        <a:alpha val="90000"/>
+      </a:schemeClr>
+    </dgm:fillClrLst>
+    <dgm:linClrLst>
+      <a:schemeClr val="accent3"/>
+    </dgm:linClrLst>
+    <dgm:effectClrLst/>
+    <dgm:txLinClrLst/>
+    <dgm:txFillClrLst meth="repeat">
+      <a:schemeClr val="dk1"/>
+    </dgm:txFillClrLst>
+    <dgm:txEffectClrLst/>
+  </dgm:styleLbl>
+  <dgm:styleLbl name="fgAcc4">
+    <dgm:fillClrLst meth="repeat">
+      <a:schemeClr val="lt1">
+        <a:alpha val="90000"/>
+      </a:schemeClr>
+    </dgm:fillClrLst>
+    <dgm:linClrLst>
+      <a:schemeClr val="accent4"/>
+    </dgm:linClrLst>
+    <dgm:effectClrLst/>
+    <dgm:txLinClrLst/>
+    <dgm:txFillClrLst meth="repeat">
+      <a:schemeClr val="dk1"/>
+    </dgm:txFillClrLst>
+    <dgm:txEffectClrLst/>
+  </dgm:styleLbl>
+  <dgm:styleLbl name="bgShp">
+    <dgm:fillClrLst meth="repeat">
+      <a:schemeClr val="accent2"/>
+      <a:schemeClr val="accent3"/>
+      <a:schemeClr val="accent4"/>
+      <a:schemeClr val="accent5"/>
+      <a:schemeClr val="accent6"/>
+    </dgm:fillClrLst>
+    <dgm:linClrLst meth="repeat">
+      <a:schemeClr val="lt1">
+        <a:alpha val="0"/>
+      </a:schemeClr>
+    </dgm:linClrLst>
+    <dgm:effectClrLst/>
+    <dgm:txLinClrLst/>
+    <dgm:txFillClrLst/>
+    <dgm:txEffectClrLst/>
+  </dgm:styleLbl>
+  <dgm:styleLbl name="dkBgShp">
+    <dgm:fillClrLst meth="repeat">
+      <a:schemeClr val="accent2">
+        <a:shade val="90000"/>
+      </a:schemeClr>
+    </dgm:fillClrLst>
+    <dgm:linClrLst meth="repeat">
+      <a:schemeClr val="dk1"/>
+    </dgm:linClrLst>
+    <dgm:effectClrLst/>
+    <dgm:txLinClrLst/>
+    <dgm:txFillClrLst meth="repeat">
+      <a:schemeClr val="lt1"/>
+    </dgm:txFillClrLst>
+    <dgm:txEffectClrLst/>
+  </dgm:styleLbl>
+  <dgm:styleLbl name="trBgShp">
+    <dgm:fillClrLst meth="repeat">
+      <a:schemeClr val="accent1">
+        <a:tint val="50000"/>
+        <a:alpha val="40000"/>
+      </a:schemeClr>
+    </dgm:fillClrLst>
+    <dgm:linClrLst meth="repeat">
+      <a:schemeClr val="accent2"/>
+    </dgm:linClrLst>
+    <dgm:effectClrLst/>
+    <dgm:txLinClrLst/>
+    <dgm:txFillClrLst meth="repeat">
+      <a:schemeClr val="lt1"/>
+    </dgm:txFillClrLst>
+    <dgm:txEffectClrLst/>
+  </dgm:styleLbl>
+  <dgm:styleLbl name="fgShp">
+    <dgm:fillClrLst meth="repeat">
+      <a:schemeClr val="accent2">
+        <a:tint val="40000"/>
+      </a:schemeClr>
+    </dgm:fillClrLst>
+    <dgm:linClrLst meth="repeat">
+      <a:schemeClr val="lt1"/>
+    </dgm:linClrLst>
+    <dgm:effectClrLst/>
+    <dgm:txLinClrLst/>
+    <dgm:txFillClrLst meth="repeat">
+      <a:schemeClr val="dk1"/>
+    </dgm:txFillClrLst>
+    <dgm:txEffectClrLst/>
+  </dgm:styleLbl>
+  <dgm:styleLbl name="revTx">
+    <dgm:fillClrLst meth="repeat">
+      <a:schemeClr val="lt1">
+        <a:alpha val="0"/>
+      </a:schemeClr>
+    </dgm:fillClrLst>
+    <dgm:linClrLst meth="repeat">
+      <a:schemeClr val="dk1">
+        <a:alpha val="0"/>
+      </a:schemeClr>
+    </dgm:linClrLst>
+    <dgm:effectClrLst/>
+    <dgm:txLinClrLst/>
+    <dgm:txFillClrLst meth="repeat">
+      <a:schemeClr val="bg1"/>
+    </dgm:txFillClrLst>
+    <dgm:txEffectClrLst/>
+  </dgm:styleLbl>
+</dgm:colorsDef>
+</file>
+
+<file path=ppt/diagrams/data1.xml><?xml version="1.0" encoding="utf-8"?>
+<dgm:dataModel xmlns:dgm="http://schemas.openxmlformats.org/drawingml/2006/diagram" xmlns:a="http://schemas.openxmlformats.org/drawingml/2006/main">
+  <dgm:ptLst>
+    <dgm:pt modelId="{B0B82C56-A2C7-4CB7-A909-F2A27C15F485}" type="doc">
+      <dgm:prSet loTypeId="urn:microsoft.com/office/officeart/2018/2/layout/IconVerticalSolidList" loCatId="icon" qsTypeId="urn:microsoft.com/office/officeart/2005/8/quickstyle/simple1" qsCatId="simple" csTypeId="urn:microsoft.com/office/officeart/2018/5/colors/Iconchunking_neutralicontext_colorful1" csCatId="colorful" phldr="1"/>
+      <dgm:spPr/>
+      <dgm:t>
+        <a:bodyPr/>
+        <a:lstStyle/>
+        <a:p>
+          <a:endParaRPr lang="en-US"/>
+        </a:p>
+      </dgm:t>
+    </dgm:pt>
+    <dgm:pt modelId="{D9D873DC-7E74-4884-8E36-60F56922D034}">
+      <dgm:prSet/>
+      <dgm:spPr/>
+      <dgm:t>
+        <a:bodyPr/>
+        <a:lstStyle/>
+        <a:p>
+          <a:r>
+            <a:rPr lang="en-NZ"/>
+            <a:t>Consumers have simple calculations </a:t>
+          </a:r>
+          <a:endParaRPr lang="en-US"/>
+        </a:p>
+      </dgm:t>
+    </dgm:pt>
+    <dgm:pt modelId="{6BE78508-9340-4AAD-9070-A37AE722F873}" type="parTrans" cxnId="{8A50233C-8B27-46A3-AB52-05E220EEF97C}">
+      <dgm:prSet/>
+      <dgm:spPr/>
+      <dgm:t>
+        <a:bodyPr/>
+        <a:lstStyle/>
+        <a:p>
+          <a:endParaRPr lang="en-US"/>
+        </a:p>
+      </dgm:t>
+    </dgm:pt>
+    <dgm:pt modelId="{6C106F50-2603-4861-AFF0-0250DB6DB233}" type="sibTrans" cxnId="{8A50233C-8B27-46A3-AB52-05E220EEF97C}">
+      <dgm:prSet/>
+      <dgm:spPr/>
+      <dgm:t>
+        <a:bodyPr/>
+        <a:lstStyle/>
+        <a:p>
+          <a:endParaRPr lang="en-US"/>
+        </a:p>
+      </dgm:t>
+    </dgm:pt>
+    <dgm:pt modelId="{BE21CD6C-B1AD-44E9-A834-2A6160483C61}">
+      <dgm:prSet/>
+      <dgm:spPr/>
+      <dgm:t>
+        <a:bodyPr/>
+        <a:lstStyle/>
+        <a:p>
+          <a:r>
+            <a:rPr lang="en-NZ"/>
+            <a:t>We add more variables</a:t>
+          </a:r>
+          <a:endParaRPr lang="en-US"/>
+        </a:p>
+      </dgm:t>
+    </dgm:pt>
+    <dgm:pt modelId="{2C8928F2-63C5-46B8-987B-2FCFF795123E}" type="parTrans" cxnId="{E6080BEE-7F5A-477E-B37D-2CB09042DFB8}">
+      <dgm:prSet/>
+      <dgm:spPr/>
+      <dgm:t>
+        <a:bodyPr/>
+        <a:lstStyle/>
+        <a:p>
+          <a:endParaRPr lang="en-US"/>
+        </a:p>
+      </dgm:t>
+    </dgm:pt>
+    <dgm:pt modelId="{C83D1C1E-7D2E-4764-AAEE-B7DA7DBB4FFB}" type="sibTrans" cxnId="{E6080BEE-7F5A-477E-B37D-2CB09042DFB8}">
+      <dgm:prSet/>
+      <dgm:spPr/>
+      <dgm:t>
+        <a:bodyPr/>
+        <a:lstStyle/>
+        <a:p>
+          <a:endParaRPr lang="en-US"/>
+        </a:p>
+      </dgm:t>
+    </dgm:pt>
+    <dgm:pt modelId="{493D683A-BB8B-4B8A-AFE9-E8BA00E3140B}">
+      <dgm:prSet/>
+      <dgm:spPr/>
+      <dgm:t>
+        <a:bodyPr/>
+        <a:lstStyle/>
+        <a:p>
+          <a:r>
+            <a:rPr lang="en-NZ"/>
+            <a:t>Companies have real-time evaluation </a:t>
+          </a:r>
+          <a:endParaRPr lang="en-US"/>
+        </a:p>
+      </dgm:t>
+    </dgm:pt>
+    <dgm:pt modelId="{CBA4BD63-2917-4194-BF70-68957879321E}" type="parTrans" cxnId="{12EBD912-7AC0-4C99-B69E-7CC70B3F09F2}">
+      <dgm:prSet/>
+      <dgm:spPr/>
+      <dgm:t>
+        <a:bodyPr/>
+        <a:lstStyle/>
+        <a:p>
+          <a:endParaRPr lang="en-US"/>
+        </a:p>
+      </dgm:t>
+    </dgm:pt>
+    <dgm:pt modelId="{99912800-F559-4FEF-8930-F4B9BDD81FA1}" type="sibTrans" cxnId="{12EBD912-7AC0-4C99-B69E-7CC70B3F09F2}">
+      <dgm:prSet/>
+      <dgm:spPr/>
+      <dgm:t>
+        <a:bodyPr/>
+        <a:lstStyle/>
+        <a:p>
+          <a:endParaRPr lang="en-US"/>
+        </a:p>
+      </dgm:t>
+    </dgm:pt>
+    <dgm:pt modelId="{79F0D491-C20D-4F1C-9C68-3BC4262142ED}">
+      <dgm:prSet/>
+      <dgm:spPr/>
+      <dgm:t>
+        <a:bodyPr/>
+        <a:lstStyle/>
+        <a:p>
+          <a:r>
+            <a:rPr lang="en-NZ"/>
+            <a:t>Partnerships with flight aggregators </a:t>
+          </a:r>
+          <a:endParaRPr lang="en-US"/>
+        </a:p>
+      </dgm:t>
+    </dgm:pt>
+    <dgm:pt modelId="{1B5BAD64-DD89-484D-AD0D-F3067DB96A9D}" type="parTrans" cxnId="{EB451CFF-417D-4D13-8169-8471C44B3B8B}">
+      <dgm:prSet/>
+      <dgm:spPr/>
+      <dgm:t>
+        <a:bodyPr/>
+        <a:lstStyle/>
+        <a:p>
+          <a:endParaRPr lang="en-US"/>
+        </a:p>
+      </dgm:t>
+    </dgm:pt>
+    <dgm:pt modelId="{DF55C2BF-BE0E-44B3-BBEC-48F1DC603BE9}" type="sibTrans" cxnId="{EB451CFF-417D-4D13-8169-8471C44B3B8B}">
+      <dgm:prSet/>
+      <dgm:spPr/>
+      <dgm:t>
+        <a:bodyPr/>
+        <a:lstStyle/>
+        <a:p>
+          <a:endParaRPr lang="en-US"/>
+        </a:p>
+      </dgm:t>
+    </dgm:pt>
+    <dgm:pt modelId="{BA698AA6-1F28-4BD0-90F2-62C957DDA4D1}">
+      <dgm:prSet/>
+      <dgm:spPr/>
+      <dgm:t>
+        <a:bodyPr/>
+        <a:lstStyle/>
+        <a:p>
+          <a:r>
+            <a:rPr lang="en-NZ"/>
+            <a:t>Cost of labour, data</a:t>
+          </a:r>
+          <a:endParaRPr lang="en-US"/>
+        </a:p>
+      </dgm:t>
+    </dgm:pt>
+    <dgm:pt modelId="{CA826E70-B56B-4AE5-8FD7-956BB952DA94}" type="parTrans" cxnId="{2572718D-B948-47DC-9C51-74C03802659E}">
+      <dgm:prSet/>
+      <dgm:spPr/>
+      <dgm:t>
+        <a:bodyPr/>
+        <a:lstStyle/>
+        <a:p>
+          <a:endParaRPr lang="en-US"/>
+        </a:p>
+      </dgm:t>
+    </dgm:pt>
+    <dgm:pt modelId="{6ED73E24-6807-4F51-9B54-F49003908FDC}" type="sibTrans" cxnId="{2572718D-B948-47DC-9C51-74C03802659E}">
+      <dgm:prSet/>
+      <dgm:spPr/>
+      <dgm:t>
+        <a:bodyPr/>
+        <a:lstStyle/>
+        <a:p>
+          <a:endParaRPr lang="en-US"/>
+        </a:p>
+      </dgm:t>
+    </dgm:pt>
+    <dgm:pt modelId="{9B30B42C-F4E7-44DC-AA50-CED0024C12B0}" type="pres">
+      <dgm:prSet presAssocID="{B0B82C56-A2C7-4CB7-A909-F2A27C15F485}" presName="root" presStyleCnt="0">
+        <dgm:presLayoutVars>
+          <dgm:dir/>
+          <dgm:resizeHandles val="exact"/>
+        </dgm:presLayoutVars>
+      </dgm:prSet>
+      <dgm:spPr/>
+    </dgm:pt>
+    <dgm:pt modelId="{CAFFF490-C2A9-47FF-9C44-D0BDF6BB2C26}" type="pres">
+      <dgm:prSet presAssocID="{D9D873DC-7E74-4884-8E36-60F56922D034}" presName="compNode" presStyleCnt="0"/>
+      <dgm:spPr/>
+    </dgm:pt>
+    <dgm:pt modelId="{05AAC78B-EA1E-40F5-9E52-932F5C7AC1D6}" type="pres">
+      <dgm:prSet presAssocID="{D9D873DC-7E74-4884-8E36-60F56922D034}" presName="bgRect" presStyleLbl="bgShp" presStyleIdx="0" presStyleCnt="5"/>
+      <dgm:spPr/>
+    </dgm:pt>
+    <dgm:pt modelId="{733F0999-9FCB-4484-A16E-BF7A76981EE0}" type="pres">
+      <dgm:prSet presAssocID="{D9D873DC-7E74-4884-8E36-60F56922D034}" presName="iconRect" presStyleLbl="node1" presStyleIdx="0" presStyleCnt="5"/>
+      <dgm:spPr>
+        <a:blipFill>
+          <a:blip xmlns:r="http://schemas.openxmlformats.org/officeDocument/2006/relationships" r:embed="rId1">
+            <a:extLst>
+              <a:ext uri="{28A0092B-C50C-407E-A947-70E740481C1C}">
+                <a14:useLocalDpi xmlns:a14="http://schemas.microsoft.com/office/drawing/2010/main" val="0"/>
+              </a:ext>
+              <a:ext uri="{96DAC541-7B7A-43D3-8B79-37D633B846F1}">
+                <asvg:svgBlip xmlns:asvg="http://schemas.microsoft.com/office/drawing/2016/SVG/main" r:embed="rId2"/>
+              </a:ext>
+            </a:extLst>
+          </a:blip>
+          <a:stretch>
+            <a:fillRect/>
+          </a:stretch>
+        </a:blipFill>
+        <a:ln>
+          <a:noFill/>
+        </a:ln>
+      </dgm:spPr>
+      <dgm:extLst>
+        <a:ext uri="{E40237B7-FDA0-4F09-8148-C483321AD2D9}">
+          <dgm14:cNvPr xmlns:dgm14="http://schemas.microsoft.com/office/drawing/2010/diagram" id="0" name="" descr="Calculator"/>
+        </a:ext>
+      </dgm:extLst>
+    </dgm:pt>
+    <dgm:pt modelId="{B53497D0-DCA5-490E-8E6E-6255BC0CFA05}" type="pres">
+      <dgm:prSet presAssocID="{D9D873DC-7E74-4884-8E36-60F56922D034}" presName="spaceRect" presStyleCnt="0"/>
+      <dgm:spPr/>
+    </dgm:pt>
+    <dgm:pt modelId="{0743B937-74C3-4185-8EDC-A1B9D71435B2}" type="pres">
+      <dgm:prSet presAssocID="{D9D873DC-7E74-4884-8E36-60F56922D034}" presName="parTx" presStyleLbl="revTx" presStyleIdx="0" presStyleCnt="5">
+        <dgm:presLayoutVars>
+          <dgm:chMax val="0"/>
+          <dgm:chPref val="0"/>
+        </dgm:presLayoutVars>
+      </dgm:prSet>
+      <dgm:spPr/>
+    </dgm:pt>
+    <dgm:pt modelId="{FF4255B6-EA29-460B-8B2A-011DC0795992}" type="pres">
+      <dgm:prSet presAssocID="{6C106F50-2603-4861-AFF0-0250DB6DB233}" presName="sibTrans" presStyleCnt="0"/>
+      <dgm:spPr/>
+    </dgm:pt>
+    <dgm:pt modelId="{428C19D1-5F29-4A5C-A5FF-C06D41C54ED1}" type="pres">
+      <dgm:prSet presAssocID="{BE21CD6C-B1AD-44E9-A834-2A6160483C61}" presName="compNode" presStyleCnt="0"/>
+      <dgm:spPr/>
+    </dgm:pt>
+    <dgm:pt modelId="{E7479D93-0382-4FE9-8711-6175760E653F}" type="pres">
+      <dgm:prSet presAssocID="{BE21CD6C-B1AD-44E9-A834-2A6160483C61}" presName="bgRect" presStyleLbl="bgShp" presStyleIdx="1" presStyleCnt="5"/>
+      <dgm:spPr/>
+    </dgm:pt>
+    <dgm:pt modelId="{960A2756-05C9-4CDA-AD2B-B1E60EBC0D6C}" type="pres">
+      <dgm:prSet presAssocID="{BE21CD6C-B1AD-44E9-A834-2A6160483C61}" presName="iconRect" presStyleLbl="node1" presStyleIdx="1" presStyleCnt="5"/>
+      <dgm:spPr>
+        <a:blipFill>
+          <a:blip xmlns:r="http://schemas.openxmlformats.org/officeDocument/2006/relationships" r:embed="rId3">
+            <a:extLst>
+              <a:ext uri="{28A0092B-C50C-407E-A947-70E740481C1C}">
+                <a14:useLocalDpi xmlns:a14="http://schemas.microsoft.com/office/drawing/2010/main" val="0"/>
+              </a:ext>
+              <a:ext uri="{96DAC541-7B7A-43D3-8B79-37D633B846F1}">
+                <asvg:svgBlip xmlns:asvg="http://schemas.microsoft.com/office/drawing/2016/SVG/main" r:embed="rId4"/>
+              </a:ext>
+            </a:extLst>
+          </a:blip>
+          <a:stretch>
+            <a:fillRect/>
+          </a:stretch>
+        </a:blipFill>
+        <a:ln>
+          <a:noFill/>
+        </a:ln>
+      </dgm:spPr>
+      <dgm:extLst>
+        <a:ext uri="{E40237B7-FDA0-4F09-8148-C483321AD2D9}">
+          <dgm14:cNvPr xmlns:dgm14="http://schemas.microsoft.com/office/drawing/2010/diagram" id="0" name="" descr="Add"/>
+        </a:ext>
+      </dgm:extLst>
+    </dgm:pt>
+    <dgm:pt modelId="{D237EDD0-5402-4B39-9246-AEB078B809D1}" type="pres">
+      <dgm:prSet presAssocID="{BE21CD6C-B1AD-44E9-A834-2A6160483C61}" presName="spaceRect" presStyleCnt="0"/>
+      <dgm:spPr/>
+    </dgm:pt>
+    <dgm:pt modelId="{A927FAF1-C4C3-4B67-A58F-1783FD06B5A7}" type="pres">
+      <dgm:prSet presAssocID="{BE21CD6C-B1AD-44E9-A834-2A6160483C61}" presName="parTx" presStyleLbl="revTx" presStyleIdx="1" presStyleCnt="5">
+        <dgm:presLayoutVars>
+          <dgm:chMax val="0"/>
+          <dgm:chPref val="0"/>
+        </dgm:presLayoutVars>
+      </dgm:prSet>
+      <dgm:spPr/>
+    </dgm:pt>
+    <dgm:pt modelId="{EFAF6D72-43D3-4723-9925-0376717442A2}" type="pres">
+      <dgm:prSet presAssocID="{C83D1C1E-7D2E-4764-AAEE-B7DA7DBB4FFB}" presName="sibTrans" presStyleCnt="0"/>
+      <dgm:spPr/>
+    </dgm:pt>
+    <dgm:pt modelId="{D72B8B07-827F-497F-8014-AC48B964E3B2}" type="pres">
+      <dgm:prSet presAssocID="{493D683A-BB8B-4B8A-AFE9-E8BA00E3140B}" presName="compNode" presStyleCnt="0"/>
+      <dgm:spPr/>
+    </dgm:pt>
+    <dgm:pt modelId="{CD175182-8BE4-43F9-A430-DA343875168A}" type="pres">
+      <dgm:prSet presAssocID="{493D683A-BB8B-4B8A-AFE9-E8BA00E3140B}" presName="bgRect" presStyleLbl="bgShp" presStyleIdx="2" presStyleCnt="5"/>
+      <dgm:spPr/>
+    </dgm:pt>
+    <dgm:pt modelId="{860EB447-AE2A-4C9D-8EB4-49BEB5F570A0}" type="pres">
+      <dgm:prSet presAssocID="{493D683A-BB8B-4B8A-AFE9-E8BA00E3140B}" presName="iconRect" presStyleLbl="node1" presStyleIdx="2" presStyleCnt="5"/>
+      <dgm:spPr>
+        <a:blipFill>
+          <a:blip xmlns:r="http://schemas.openxmlformats.org/officeDocument/2006/relationships" r:embed="rId5">
+            <a:extLst>
+              <a:ext uri="{28A0092B-C50C-407E-A947-70E740481C1C}">
+                <a14:useLocalDpi xmlns:a14="http://schemas.microsoft.com/office/drawing/2010/main" val="0"/>
+              </a:ext>
+              <a:ext uri="{96DAC541-7B7A-43D3-8B79-37D633B846F1}">
+                <asvg:svgBlip xmlns:asvg="http://schemas.microsoft.com/office/drawing/2016/SVG/main" r:embed="rId6"/>
+              </a:ext>
+            </a:extLst>
+          </a:blip>
+          <a:stretch>
+            <a:fillRect/>
+          </a:stretch>
+        </a:blipFill>
+        <a:ln>
+          <a:noFill/>
+        </a:ln>
+      </dgm:spPr>
+      <dgm:extLst>
+        <a:ext uri="{E40237B7-FDA0-4F09-8148-C483321AD2D9}">
+          <dgm14:cNvPr xmlns:dgm14="http://schemas.microsoft.com/office/drawing/2010/diagram" id="0" name="" descr="Stopwatch"/>
+        </a:ext>
+      </dgm:extLst>
+    </dgm:pt>
+    <dgm:pt modelId="{C085D59A-03A2-470D-9C91-997F1BE1970C}" type="pres">
+      <dgm:prSet presAssocID="{493D683A-BB8B-4B8A-AFE9-E8BA00E3140B}" presName="spaceRect" presStyleCnt="0"/>
+      <dgm:spPr/>
+    </dgm:pt>
+    <dgm:pt modelId="{7173161C-1E25-4016-97C2-E10692A698C1}" type="pres">
+      <dgm:prSet presAssocID="{493D683A-BB8B-4B8A-AFE9-E8BA00E3140B}" presName="parTx" presStyleLbl="revTx" presStyleIdx="2" presStyleCnt="5">
+        <dgm:presLayoutVars>
+          <dgm:chMax val="0"/>
+          <dgm:chPref val="0"/>
+        </dgm:presLayoutVars>
+      </dgm:prSet>
+      <dgm:spPr/>
+    </dgm:pt>
+    <dgm:pt modelId="{4F5241FB-2331-4B60-B7E5-4A4A381C9286}" type="pres">
+      <dgm:prSet presAssocID="{99912800-F559-4FEF-8930-F4B9BDD81FA1}" presName="sibTrans" presStyleCnt="0"/>
+      <dgm:spPr/>
+    </dgm:pt>
+    <dgm:pt modelId="{D6EF6BAE-1C44-49CA-A805-DCA8F31FE7E3}" type="pres">
+      <dgm:prSet presAssocID="{79F0D491-C20D-4F1C-9C68-3BC4262142ED}" presName="compNode" presStyleCnt="0"/>
+      <dgm:spPr/>
+    </dgm:pt>
+    <dgm:pt modelId="{B4CB0B25-FBA4-400E-9A3C-57EE8FEAF029}" type="pres">
+      <dgm:prSet presAssocID="{79F0D491-C20D-4F1C-9C68-3BC4262142ED}" presName="bgRect" presStyleLbl="bgShp" presStyleIdx="3" presStyleCnt="5"/>
+      <dgm:spPr/>
+    </dgm:pt>
+    <dgm:pt modelId="{06F4AA30-AFBA-4554-840D-BDB6592700E7}" type="pres">
+      <dgm:prSet presAssocID="{79F0D491-C20D-4F1C-9C68-3BC4262142ED}" presName="iconRect" presStyleLbl="node1" presStyleIdx="3" presStyleCnt="5"/>
+      <dgm:spPr>
+        <a:blipFill>
+          <a:blip xmlns:r="http://schemas.openxmlformats.org/officeDocument/2006/relationships" r:embed="rId7">
+            <a:extLst>
+              <a:ext uri="{28A0092B-C50C-407E-A947-70E740481C1C}">
+                <a14:useLocalDpi xmlns:a14="http://schemas.microsoft.com/office/drawing/2010/main" val="0"/>
+              </a:ext>
+              <a:ext uri="{96DAC541-7B7A-43D3-8B79-37D633B846F1}">
+                <asvg:svgBlip xmlns:asvg="http://schemas.microsoft.com/office/drawing/2016/SVG/main" r:embed="rId8"/>
+              </a:ext>
+            </a:extLst>
+          </a:blip>
+          <a:stretch>
+            <a:fillRect/>
+          </a:stretch>
+        </a:blipFill>
+        <a:ln>
+          <a:noFill/>
+        </a:ln>
+      </dgm:spPr>
+      <dgm:extLst>
+        <a:ext uri="{E40237B7-FDA0-4F09-8148-C483321AD2D9}">
+          <dgm14:cNvPr xmlns:dgm14="http://schemas.microsoft.com/office/drawing/2010/diagram" id="0" name="" descr="Airplane"/>
+        </a:ext>
+      </dgm:extLst>
+    </dgm:pt>
+    <dgm:pt modelId="{3DFC2449-AE8B-4247-80DA-A1EECAC5FE76}" type="pres">
+      <dgm:prSet presAssocID="{79F0D491-C20D-4F1C-9C68-3BC4262142ED}" presName="spaceRect" presStyleCnt="0"/>
+      <dgm:spPr/>
+    </dgm:pt>
+    <dgm:pt modelId="{5BF0E3CE-7637-4580-BD65-5706D5D6DA63}" type="pres">
+      <dgm:prSet presAssocID="{79F0D491-C20D-4F1C-9C68-3BC4262142ED}" presName="parTx" presStyleLbl="revTx" presStyleIdx="3" presStyleCnt="5">
+        <dgm:presLayoutVars>
+          <dgm:chMax val="0"/>
+          <dgm:chPref val="0"/>
+        </dgm:presLayoutVars>
+      </dgm:prSet>
+      <dgm:spPr/>
+    </dgm:pt>
+    <dgm:pt modelId="{A51C20A5-996B-4C33-86E5-789B457EF506}" type="pres">
+      <dgm:prSet presAssocID="{DF55C2BF-BE0E-44B3-BBEC-48F1DC603BE9}" presName="sibTrans" presStyleCnt="0"/>
+      <dgm:spPr/>
+    </dgm:pt>
+    <dgm:pt modelId="{84DD734E-2D57-430B-81BD-7CBEAAD2405A}" type="pres">
+      <dgm:prSet presAssocID="{BA698AA6-1F28-4BD0-90F2-62C957DDA4D1}" presName="compNode" presStyleCnt="0"/>
+      <dgm:spPr/>
+    </dgm:pt>
+    <dgm:pt modelId="{480999FC-0941-4257-8D93-831B74E7F3B3}" type="pres">
+      <dgm:prSet presAssocID="{BA698AA6-1F28-4BD0-90F2-62C957DDA4D1}" presName="bgRect" presStyleLbl="bgShp" presStyleIdx="4" presStyleCnt="5"/>
+      <dgm:spPr/>
+    </dgm:pt>
+    <dgm:pt modelId="{98845166-5E84-42E5-A536-09E816194408}" type="pres">
+      <dgm:prSet presAssocID="{BA698AA6-1F28-4BD0-90F2-62C957DDA4D1}" presName="iconRect" presStyleLbl="node1" presStyleIdx="4" presStyleCnt="5"/>
+      <dgm:spPr>
+        <a:blipFill>
+          <a:blip xmlns:r="http://schemas.openxmlformats.org/officeDocument/2006/relationships" r:embed="rId9">
+            <a:extLst>
+              <a:ext uri="{28A0092B-C50C-407E-A947-70E740481C1C}">
+                <a14:useLocalDpi xmlns:a14="http://schemas.microsoft.com/office/drawing/2010/main" val="0"/>
+              </a:ext>
+              <a:ext uri="{96DAC541-7B7A-43D3-8B79-37D633B846F1}">
+                <asvg:svgBlip xmlns:asvg="http://schemas.microsoft.com/office/drawing/2016/SVG/main" r:embed="rId10"/>
+              </a:ext>
+            </a:extLst>
+          </a:blip>
+          <a:stretch>
+            <a:fillRect/>
+          </a:stretch>
+        </a:blipFill>
+        <a:ln>
+          <a:noFill/>
+        </a:ln>
+      </dgm:spPr>
+      <dgm:extLst>
+        <a:ext uri="{E40237B7-FDA0-4F09-8148-C483321AD2D9}">
+          <dgm14:cNvPr xmlns:dgm14="http://schemas.microsoft.com/office/drawing/2010/diagram" id="0" name="" descr="Upward trend"/>
+        </a:ext>
+      </dgm:extLst>
+    </dgm:pt>
+    <dgm:pt modelId="{D3213B29-0999-4821-9A73-0F8B34B74BD4}" type="pres">
+      <dgm:prSet presAssocID="{BA698AA6-1F28-4BD0-90F2-62C957DDA4D1}" presName="spaceRect" presStyleCnt="0"/>
+      <dgm:spPr/>
+    </dgm:pt>
+    <dgm:pt modelId="{6B3D74C1-B065-41AD-90F4-FBF5652CB5AD}" type="pres">
+      <dgm:prSet presAssocID="{BA698AA6-1F28-4BD0-90F2-62C957DDA4D1}" presName="parTx" presStyleLbl="revTx" presStyleIdx="4" presStyleCnt="5">
+        <dgm:presLayoutVars>
+          <dgm:chMax val="0"/>
+          <dgm:chPref val="0"/>
+        </dgm:presLayoutVars>
+      </dgm:prSet>
+      <dgm:spPr/>
+    </dgm:pt>
+  </dgm:ptLst>
+  <dgm:cxnLst>
+    <dgm:cxn modelId="{987E5B01-77C3-4490-BA7B-AD071F666936}" type="presOf" srcId="{79F0D491-C20D-4F1C-9C68-3BC4262142ED}" destId="{5BF0E3CE-7637-4580-BD65-5706D5D6DA63}" srcOrd="0" destOrd="0" presId="urn:microsoft.com/office/officeart/2018/2/layout/IconVerticalSolidList"/>
+    <dgm:cxn modelId="{F5B47F12-DCC3-4380-B2B7-7678AB302D6B}" type="presOf" srcId="{B0B82C56-A2C7-4CB7-A909-F2A27C15F485}" destId="{9B30B42C-F4E7-44DC-AA50-CED0024C12B0}" srcOrd="0" destOrd="0" presId="urn:microsoft.com/office/officeart/2018/2/layout/IconVerticalSolidList"/>
+    <dgm:cxn modelId="{12EBD912-7AC0-4C99-B69E-7CC70B3F09F2}" srcId="{B0B82C56-A2C7-4CB7-A909-F2A27C15F485}" destId="{493D683A-BB8B-4B8A-AFE9-E8BA00E3140B}" srcOrd="2" destOrd="0" parTransId="{CBA4BD63-2917-4194-BF70-68957879321E}" sibTransId="{99912800-F559-4FEF-8930-F4B9BDD81FA1}"/>
+    <dgm:cxn modelId="{8A50233C-8B27-46A3-AB52-05E220EEF97C}" srcId="{B0B82C56-A2C7-4CB7-A909-F2A27C15F485}" destId="{D9D873DC-7E74-4884-8E36-60F56922D034}" srcOrd="0" destOrd="0" parTransId="{6BE78508-9340-4AAD-9070-A37AE722F873}" sibTransId="{6C106F50-2603-4861-AFF0-0250DB6DB233}"/>
+    <dgm:cxn modelId="{DBB0915C-2C5D-49D2-AA27-6A52AAB6392A}" type="presOf" srcId="{493D683A-BB8B-4B8A-AFE9-E8BA00E3140B}" destId="{7173161C-1E25-4016-97C2-E10692A698C1}" srcOrd="0" destOrd="0" presId="urn:microsoft.com/office/officeart/2018/2/layout/IconVerticalSolidList"/>
+    <dgm:cxn modelId="{C9415862-2DDD-4155-9D4D-5C3A43FC3086}" type="presOf" srcId="{BE21CD6C-B1AD-44E9-A834-2A6160483C61}" destId="{A927FAF1-C4C3-4B67-A58F-1783FD06B5A7}" srcOrd="0" destOrd="0" presId="urn:microsoft.com/office/officeart/2018/2/layout/IconVerticalSolidList"/>
+    <dgm:cxn modelId="{2572718D-B948-47DC-9C51-74C03802659E}" srcId="{B0B82C56-A2C7-4CB7-A909-F2A27C15F485}" destId="{BA698AA6-1F28-4BD0-90F2-62C957DDA4D1}" srcOrd="4" destOrd="0" parTransId="{CA826E70-B56B-4AE5-8FD7-956BB952DA94}" sibTransId="{6ED73E24-6807-4F51-9B54-F49003908FDC}"/>
+    <dgm:cxn modelId="{196677BF-1C3D-4B1E-B66D-1347E60B767F}" type="presOf" srcId="{BA698AA6-1F28-4BD0-90F2-62C957DDA4D1}" destId="{6B3D74C1-B065-41AD-90F4-FBF5652CB5AD}" srcOrd="0" destOrd="0" presId="urn:microsoft.com/office/officeart/2018/2/layout/IconVerticalSolidList"/>
+    <dgm:cxn modelId="{EF8B78D3-3E9E-417E-A20C-C373D1349FF9}" type="presOf" srcId="{D9D873DC-7E74-4884-8E36-60F56922D034}" destId="{0743B937-74C3-4185-8EDC-A1B9D71435B2}" srcOrd="0" destOrd="0" presId="urn:microsoft.com/office/officeart/2018/2/layout/IconVerticalSolidList"/>
+    <dgm:cxn modelId="{E6080BEE-7F5A-477E-B37D-2CB09042DFB8}" srcId="{B0B82C56-A2C7-4CB7-A909-F2A27C15F485}" destId="{BE21CD6C-B1AD-44E9-A834-2A6160483C61}" srcOrd="1" destOrd="0" parTransId="{2C8928F2-63C5-46B8-987B-2FCFF795123E}" sibTransId="{C83D1C1E-7D2E-4764-AAEE-B7DA7DBB4FFB}"/>
+    <dgm:cxn modelId="{EB451CFF-417D-4D13-8169-8471C44B3B8B}" srcId="{B0B82C56-A2C7-4CB7-A909-F2A27C15F485}" destId="{79F0D491-C20D-4F1C-9C68-3BC4262142ED}" srcOrd="3" destOrd="0" parTransId="{1B5BAD64-DD89-484D-AD0D-F3067DB96A9D}" sibTransId="{DF55C2BF-BE0E-44B3-BBEC-48F1DC603BE9}"/>
+    <dgm:cxn modelId="{2EFBAEDA-1150-4095-AC09-8FB5823DF4CB}" type="presParOf" srcId="{9B30B42C-F4E7-44DC-AA50-CED0024C12B0}" destId="{CAFFF490-C2A9-47FF-9C44-D0BDF6BB2C26}" srcOrd="0" destOrd="0" presId="urn:microsoft.com/office/officeart/2018/2/layout/IconVerticalSolidList"/>
+    <dgm:cxn modelId="{5153D150-BBD5-4444-A27F-460123A46257}" type="presParOf" srcId="{CAFFF490-C2A9-47FF-9C44-D0BDF6BB2C26}" destId="{05AAC78B-EA1E-40F5-9E52-932F5C7AC1D6}" srcOrd="0" destOrd="0" presId="urn:microsoft.com/office/officeart/2018/2/layout/IconVerticalSolidList"/>
+    <dgm:cxn modelId="{734767AF-5314-4BD9-A762-4CC07BA1D893}" type="presParOf" srcId="{CAFFF490-C2A9-47FF-9C44-D0BDF6BB2C26}" destId="{733F0999-9FCB-4484-A16E-BF7A76981EE0}" srcOrd="1" destOrd="0" presId="urn:microsoft.com/office/officeart/2018/2/layout/IconVerticalSolidList"/>
+    <dgm:cxn modelId="{BCBB0D7B-B903-474A-8AA7-44F1A387D1E0}" type="presParOf" srcId="{CAFFF490-C2A9-47FF-9C44-D0BDF6BB2C26}" destId="{B53497D0-DCA5-490E-8E6E-6255BC0CFA05}" srcOrd="2" destOrd="0" presId="urn:microsoft.com/office/officeart/2018/2/layout/IconVerticalSolidList"/>
+    <dgm:cxn modelId="{9847D3AB-5034-43FF-B5A2-429685CFB167}" type="presParOf" srcId="{CAFFF490-C2A9-47FF-9C44-D0BDF6BB2C26}" destId="{0743B937-74C3-4185-8EDC-A1B9D71435B2}" srcOrd="3" destOrd="0" presId="urn:microsoft.com/office/officeart/2018/2/layout/IconVerticalSolidList"/>
+    <dgm:cxn modelId="{A1E34725-365A-4C22-BB06-DCCD4F95EB75}" type="presParOf" srcId="{9B30B42C-F4E7-44DC-AA50-CED0024C12B0}" destId="{FF4255B6-EA29-460B-8B2A-011DC0795992}" srcOrd="1" destOrd="0" presId="urn:microsoft.com/office/officeart/2018/2/layout/IconVerticalSolidList"/>
+    <dgm:cxn modelId="{867B6503-642C-49B3-857F-43E77EA157DF}" type="presParOf" srcId="{9B30B42C-F4E7-44DC-AA50-CED0024C12B0}" destId="{428C19D1-5F29-4A5C-A5FF-C06D41C54ED1}" srcOrd="2" destOrd="0" presId="urn:microsoft.com/office/officeart/2018/2/layout/IconVerticalSolidList"/>
+    <dgm:cxn modelId="{DA0A7BAB-FD63-48E6-891E-A5BD0E568544}" type="presParOf" srcId="{428C19D1-5F29-4A5C-A5FF-C06D41C54ED1}" destId="{E7479D93-0382-4FE9-8711-6175760E653F}" srcOrd="0" destOrd="0" presId="urn:microsoft.com/office/officeart/2018/2/layout/IconVerticalSolidList"/>
+    <dgm:cxn modelId="{0FBC21CD-1E38-4F90-829D-8D0B0F274B20}" type="presParOf" srcId="{428C19D1-5F29-4A5C-A5FF-C06D41C54ED1}" destId="{960A2756-05C9-4CDA-AD2B-B1E60EBC0D6C}" srcOrd="1" destOrd="0" presId="urn:microsoft.com/office/officeart/2018/2/layout/IconVerticalSolidList"/>
+    <dgm:cxn modelId="{477BFD0E-6A7F-436D-A3C0-B520B0FADB40}" type="presParOf" srcId="{428C19D1-5F29-4A5C-A5FF-C06D41C54ED1}" destId="{D237EDD0-5402-4B39-9246-AEB078B809D1}" srcOrd="2" destOrd="0" presId="urn:microsoft.com/office/officeart/2018/2/layout/IconVerticalSolidList"/>
+    <dgm:cxn modelId="{156036E0-E491-477E-B6D6-806FD32C938D}" type="presParOf" srcId="{428C19D1-5F29-4A5C-A5FF-C06D41C54ED1}" destId="{A927FAF1-C4C3-4B67-A58F-1783FD06B5A7}" srcOrd="3" destOrd="0" presId="urn:microsoft.com/office/officeart/2018/2/layout/IconVerticalSolidList"/>
+    <dgm:cxn modelId="{E24CDFFF-FBC0-4F88-85F5-AE4E2B1F846C}" type="presParOf" srcId="{9B30B42C-F4E7-44DC-AA50-CED0024C12B0}" destId="{EFAF6D72-43D3-4723-9925-0376717442A2}" srcOrd="3" destOrd="0" presId="urn:microsoft.com/office/officeart/2018/2/layout/IconVerticalSolidList"/>
+    <dgm:cxn modelId="{85DBD8DF-9047-47B9-B561-B9F2D5F750F3}" type="presParOf" srcId="{9B30B42C-F4E7-44DC-AA50-CED0024C12B0}" destId="{D72B8B07-827F-497F-8014-AC48B964E3B2}" srcOrd="4" destOrd="0" presId="urn:microsoft.com/office/officeart/2018/2/layout/IconVerticalSolidList"/>
+    <dgm:cxn modelId="{C53304B5-48AA-482D-9AB7-18A3FDDA8DEB}" type="presParOf" srcId="{D72B8B07-827F-497F-8014-AC48B964E3B2}" destId="{CD175182-8BE4-43F9-A430-DA343875168A}" srcOrd="0" destOrd="0" presId="urn:microsoft.com/office/officeart/2018/2/layout/IconVerticalSolidList"/>
+    <dgm:cxn modelId="{CBDAFDB1-0B8D-4585-B4B3-9A6BF2DD1813}" type="presParOf" srcId="{D72B8B07-827F-497F-8014-AC48B964E3B2}" destId="{860EB447-AE2A-4C9D-8EB4-49BEB5F570A0}" srcOrd="1" destOrd="0" presId="urn:microsoft.com/office/officeart/2018/2/layout/IconVerticalSolidList"/>
+    <dgm:cxn modelId="{EF5A54DC-E53F-4342-B5F0-488543218F1D}" type="presParOf" srcId="{D72B8B07-827F-497F-8014-AC48B964E3B2}" destId="{C085D59A-03A2-470D-9C91-997F1BE1970C}" srcOrd="2" destOrd="0" presId="urn:microsoft.com/office/officeart/2018/2/layout/IconVerticalSolidList"/>
+    <dgm:cxn modelId="{BD0A08B7-05A2-4B90-82C3-BA46D53FA880}" type="presParOf" srcId="{D72B8B07-827F-497F-8014-AC48B964E3B2}" destId="{7173161C-1E25-4016-97C2-E10692A698C1}" srcOrd="3" destOrd="0" presId="urn:microsoft.com/office/officeart/2018/2/layout/IconVerticalSolidList"/>
+    <dgm:cxn modelId="{683BB9BC-A77F-4C36-A469-ED9E89D1CEBE}" type="presParOf" srcId="{9B30B42C-F4E7-44DC-AA50-CED0024C12B0}" destId="{4F5241FB-2331-4B60-B7E5-4A4A381C9286}" srcOrd="5" destOrd="0" presId="urn:microsoft.com/office/officeart/2018/2/layout/IconVerticalSolidList"/>
+    <dgm:cxn modelId="{0B31C499-D96D-4C6B-AF9F-2F30111556A6}" type="presParOf" srcId="{9B30B42C-F4E7-44DC-AA50-CED0024C12B0}" destId="{D6EF6BAE-1C44-49CA-A805-DCA8F31FE7E3}" srcOrd="6" destOrd="0" presId="urn:microsoft.com/office/officeart/2018/2/layout/IconVerticalSolidList"/>
+    <dgm:cxn modelId="{ECC33D32-26C4-4145-88D8-A9D5BA75B534}" type="presParOf" srcId="{D6EF6BAE-1C44-49CA-A805-DCA8F31FE7E3}" destId="{B4CB0B25-FBA4-400E-9A3C-57EE8FEAF029}" srcOrd="0" destOrd="0" presId="urn:microsoft.com/office/officeart/2018/2/layout/IconVerticalSolidList"/>
+    <dgm:cxn modelId="{DFCCC1E5-FBA9-4E95-8ACA-ADFF6FFBCF3F}" type="presParOf" srcId="{D6EF6BAE-1C44-49CA-A805-DCA8F31FE7E3}" destId="{06F4AA30-AFBA-4554-840D-BDB6592700E7}" srcOrd="1" destOrd="0" presId="urn:microsoft.com/office/officeart/2018/2/layout/IconVerticalSolidList"/>
+    <dgm:cxn modelId="{0594BAC7-C13F-44A4-9C41-EF1E2DA7F4B9}" type="presParOf" srcId="{D6EF6BAE-1C44-49CA-A805-DCA8F31FE7E3}" destId="{3DFC2449-AE8B-4247-80DA-A1EECAC5FE76}" srcOrd="2" destOrd="0" presId="urn:microsoft.com/office/officeart/2018/2/layout/IconVerticalSolidList"/>
+    <dgm:cxn modelId="{6041B586-FD72-4A6F-8EF7-3FEB7228557C}" type="presParOf" srcId="{D6EF6BAE-1C44-49CA-A805-DCA8F31FE7E3}" destId="{5BF0E3CE-7637-4580-BD65-5706D5D6DA63}" srcOrd="3" destOrd="0" presId="urn:microsoft.com/office/officeart/2018/2/layout/IconVerticalSolidList"/>
+    <dgm:cxn modelId="{345384DE-2AE3-4C5E-AE2F-B3177B3CD7B0}" type="presParOf" srcId="{9B30B42C-F4E7-44DC-AA50-CED0024C12B0}" destId="{A51C20A5-996B-4C33-86E5-789B457EF506}" srcOrd="7" destOrd="0" presId="urn:microsoft.com/office/officeart/2018/2/layout/IconVerticalSolidList"/>
+    <dgm:cxn modelId="{CB2B13B4-75D3-4E5D-B0FB-0E8D96BEA693}" type="presParOf" srcId="{9B30B42C-F4E7-44DC-AA50-CED0024C12B0}" destId="{84DD734E-2D57-430B-81BD-7CBEAAD2405A}" srcOrd="8" destOrd="0" presId="urn:microsoft.com/office/officeart/2018/2/layout/IconVerticalSolidList"/>
+    <dgm:cxn modelId="{367E6EEE-1F07-4EF5-B2BA-5848CBDAF232}" type="presParOf" srcId="{84DD734E-2D57-430B-81BD-7CBEAAD2405A}" destId="{480999FC-0941-4257-8D93-831B74E7F3B3}" srcOrd="0" destOrd="0" presId="urn:microsoft.com/office/officeart/2018/2/layout/IconVerticalSolidList"/>
+    <dgm:cxn modelId="{4D4DED52-25E5-4629-910A-3A2EBA200707}" type="presParOf" srcId="{84DD734E-2D57-430B-81BD-7CBEAAD2405A}" destId="{98845166-5E84-42E5-A536-09E816194408}" srcOrd="1" destOrd="0" presId="urn:microsoft.com/office/officeart/2018/2/layout/IconVerticalSolidList"/>
+    <dgm:cxn modelId="{24BEBE3E-F5F9-4368-B516-345E0E05B0BE}" type="presParOf" srcId="{84DD734E-2D57-430B-81BD-7CBEAAD2405A}" destId="{D3213B29-0999-4821-9A73-0F8B34B74BD4}" srcOrd="2" destOrd="0" presId="urn:microsoft.com/office/officeart/2018/2/layout/IconVerticalSolidList"/>
+    <dgm:cxn modelId="{C8CAD10C-07FD-4054-B74C-011BF96DCFBB}" type="presParOf" srcId="{84DD734E-2D57-430B-81BD-7CBEAAD2405A}" destId="{6B3D74C1-B065-41AD-90F4-FBF5652CB5AD}" srcOrd="3" destOrd="0" presId="urn:microsoft.com/office/officeart/2018/2/layout/IconVerticalSolidList"/>
+  </dgm:cxnLst>
+  <dgm:bg/>
+  <dgm:whole/>
+  <dgm:extLst>
+    <a:ext uri="http://schemas.microsoft.com/office/drawing/2008/diagram">
+      <dsp:dataModelExt xmlns:dsp="http://schemas.microsoft.com/office/drawing/2008/diagram" relId="rId7" minVer="http://schemas.openxmlformats.org/drawingml/2006/diagram"/>
+    </a:ext>
+  </dgm:extLst>
+</dgm:dataModel>
+</file>
+
+<file path=ppt/diagrams/drawing1.xml><?xml version="1.0" encoding="utf-8"?>
+<dsp:drawing xmlns:dgm="http://schemas.openxmlformats.org/drawingml/2006/diagram" xmlns:dsp="http://schemas.microsoft.com/office/drawing/2008/diagram" xmlns:a="http://schemas.openxmlformats.org/drawingml/2006/main">
+  <dsp:spTree>
+    <dsp:nvGrpSpPr>
+      <dsp:cNvPr id="0" name=""/>
+      <dsp:cNvGrpSpPr/>
+    </dsp:nvGrpSpPr>
+    <dsp:grpSpPr/>
+    <dsp:sp modelId="{05AAC78B-EA1E-40F5-9E52-932F5C7AC1D6}">
+      <dsp:nvSpPr>
+        <dsp:cNvPr id="0" name=""/>
+        <dsp:cNvSpPr/>
+      </dsp:nvSpPr>
+      <dsp:spPr>
+        <a:xfrm>
+          <a:off x="0" y="4597"/>
+          <a:ext cx="6513603" cy="979371"/>
+        </a:xfrm>
+        <a:prstGeom prst="roundRect">
+          <a:avLst>
+            <a:gd name="adj" fmla="val 10000"/>
+          </a:avLst>
+        </a:prstGeom>
+        <a:solidFill>
+          <a:schemeClr val="accent2">
+            <a:hueOff val="0"/>
+            <a:satOff val="0"/>
+            <a:lumOff val="0"/>
+            <a:alphaOff val="0"/>
+          </a:schemeClr>
+        </a:solidFill>
+        <a:ln>
+          <a:noFill/>
+        </a:ln>
+        <a:effectLst/>
+      </dsp:spPr>
+      <dsp:style>
+        <a:lnRef idx="0">
+          <a:scrgbClr r="0" g="0" b="0"/>
+        </a:lnRef>
+        <a:fillRef idx="1">
+          <a:scrgbClr r="0" g="0" b="0"/>
+        </a:fillRef>
+        <a:effectRef idx="0">
+          <a:scrgbClr r="0" g="0" b="0"/>
+        </a:effectRef>
+        <a:fontRef idx="minor"/>
+      </dsp:style>
+    </dsp:sp>
+    <dsp:sp modelId="{733F0999-9FCB-4484-A16E-BF7A76981EE0}">
+      <dsp:nvSpPr>
+        <dsp:cNvPr id="0" name=""/>
+        <dsp:cNvSpPr/>
+      </dsp:nvSpPr>
+      <dsp:spPr>
+        <a:xfrm>
+          <a:off x="296259" y="224956"/>
+          <a:ext cx="538654" cy="538654"/>
+        </a:xfrm>
+        <a:prstGeom prst="rect">
+          <a:avLst/>
+        </a:prstGeom>
+        <a:blipFill>
+          <a:blip xmlns:r="http://schemas.openxmlformats.org/officeDocument/2006/relationships" r:embed="rId1">
+            <a:extLst>
+              <a:ext uri="{28A0092B-C50C-407E-A947-70E740481C1C}">
+                <a14:useLocalDpi xmlns:a14="http://schemas.microsoft.com/office/drawing/2010/main" val="0"/>
+              </a:ext>
+              <a:ext uri="{96DAC541-7B7A-43D3-8B79-37D633B846F1}">
+                <asvg:svgBlip xmlns:asvg="http://schemas.microsoft.com/office/drawing/2016/SVG/main" r:embed="rId2"/>
+              </a:ext>
+            </a:extLst>
+          </a:blip>
+          <a:stretch>
+            <a:fillRect/>
+          </a:stretch>
+        </a:blipFill>
+        <a:ln w="12700" cap="flat" cmpd="sng" algn="ctr">
+          <a:noFill/>
+          <a:prstDash val="solid"/>
+          <a:miter lim="800000"/>
+        </a:ln>
+        <a:effectLst/>
+      </dsp:spPr>
+      <dsp:style>
+        <a:lnRef idx="2">
+          <a:scrgbClr r="0" g="0" b="0"/>
+        </a:lnRef>
+        <a:fillRef idx="1">
+          <a:scrgbClr r="0" g="0" b="0"/>
+        </a:fillRef>
+        <a:effectRef idx="0">
+          <a:scrgbClr r="0" g="0" b="0"/>
+        </a:effectRef>
+        <a:fontRef idx="minor">
+          <a:schemeClr val="lt1"/>
+        </a:fontRef>
+      </dsp:style>
+    </dsp:sp>
+    <dsp:sp modelId="{0743B937-74C3-4185-8EDC-A1B9D71435B2}">
+      <dsp:nvSpPr>
+        <dsp:cNvPr id="0" name=""/>
+        <dsp:cNvSpPr/>
+      </dsp:nvSpPr>
+      <dsp:spPr>
+        <a:xfrm>
+          <a:off x="1131174" y="4597"/>
+          <a:ext cx="5382429" cy="979371"/>
+        </a:xfrm>
+        <a:prstGeom prst="rect">
+          <a:avLst/>
+        </a:prstGeom>
+        <a:noFill/>
+        <a:ln>
+          <a:noFill/>
+        </a:ln>
+        <a:effectLst/>
+      </dsp:spPr>
+      <dsp:style>
+        <a:lnRef idx="0">
+          <a:scrgbClr r="0" g="0" b="0"/>
+        </a:lnRef>
+        <a:fillRef idx="0">
+          <a:scrgbClr r="0" g="0" b="0"/>
+        </a:fillRef>
+        <a:effectRef idx="0">
+          <a:scrgbClr r="0" g="0" b="0"/>
+        </a:effectRef>
+        <a:fontRef idx="minor"/>
+      </dsp:style>
+      <dsp:txBody>
+        <a:bodyPr spcFirstLastPara="0" vert="horz" wrap="square" lIns="103650" tIns="103650" rIns="103650" bIns="103650" numCol="1" spcCol="1270" anchor="ctr" anchorCtr="0">
+          <a:noAutofit/>
+        </a:bodyPr>
+        <a:lstStyle/>
+        <a:p>
+          <a:pPr marL="0" lvl="0" indent="0" algn="l" defTabSz="844550">
+            <a:lnSpc>
+              <a:spcPct val="90000"/>
+            </a:lnSpc>
+            <a:spcBef>
+              <a:spcPct val="0"/>
+            </a:spcBef>
+            <a:spcAft>
+              <a:spcPct val="35000"/>
+            </a:spcAft>
+            <a:buNone/>
+          </a:pPr>
+          <a:r>
+            <a:rPr lang="en-NZ" sz="1900" kern="1200"/>
+            <a:t>Consumers have simple calculations </a:t>
+          </a:r>
+          <a:endParaRPr lang="en-US" sz="1900" kern="1200"/>
+        </a:p>
+      </dsp:txBody>
+      <dsp:txXfrm>
+        <a:off x="1131174" y="4597"/>
+        <a:ext cx="5382429" cy="979371"/>
+      </dsp:txXfrm>
+    </dsp:sp>
+    <dsp:sp modelId="{E7479D93-0382-4FE9-8711-6175760E653F}">
+      <dsp:nvSpPr>
+        <dsp:cNvPr id="0" name=""/>
+        <dsp:cNvSpPr/>
+      </dsp:nvSpPr>
+      <dsp:spPr>
+        <a:xfrm>
+          <a:off x="0" y="1228812"/>
+          <a:ext cx="6513603" cy="979371"/>
+        </a:xfrm>
+        <a:prstGeom prst="roundRect">
+          <a:avLst>
+            <a:gd name="adj" fmla="val 10000"/>
+          </a:avLst>
+        </a:prstGeom>
+        <a:solidFill>
+          <a:schemeClr val="accent3">
+            <a:hueOff val="0"/>
+            <a:satOff val="0"/>
+            <a:lumOff val="0"/>
+            <a:alphaOff val="0"/>
+          </a:schemeClr>
+        </a:solidFill>
+        <a:ln>
+          <a:noFill/>
+        </a:ln>
+        <a:effectLst/>
+      </dsp:spPr>
+      <dsp:style>
+        <a:lnRef idx="0">
+          <a:scrgbClr r="0" g="0" b="0"/>
+        </a:lnRef>
+        <a:fillRef idx="1">
+          <a:scrgbClr r="0" g="0" b="0"/>
+        </a:fillRef>
+        <a:effectRef idx="0">
+          <a:scrgbClr r="0" g="0" b="0"/>
+        </a:effectRef>
+        <a:fontRef idx="minor"/>
+      </dsp:style>
+    </dsp:sp>
+    <dsp:sp modelId="{960A2756-05C9-4CDA-AD2B-B1E60EBC0D6C}">
+      <dsp:nvSpPr>
+        <dsp:cNvPr id="0" name=""/>
+        <dsp:cNvSpPr/>
+      </dsp:nvSpPr>
+      <dsp:spPr>
+        <a:xfrm>
+          <a:off x="296259" y="1449171"/>
+          <a:ext cx="538654" cy="538654"/>
+        </a:xfrm>
+        <a:prstGeom prst="rect">
+          <a:avLst/>
+        </a:prstGeom>
+        <a:blipFill>
+          <a:blip xmlns:r="http://schemas.openxmlformats.org/officeDocument/2006/relationships" r:embed="rId3">
+            <a:extLst>
+              <a:ext uri="{28A0092B-C50C-407E-A947-70E740481C1C}">
+                <a14:useLocalDpi xmlns:a14="http://schemas.microsoft.com/office/drawing/2010/main" val="0"/>
+              </a:ext>
+              <a:ext uri="{96DAC541-7B7A-43D3-8B79-37D633B846F1}">
+                <asvg:svgBlip xmlns:asvg="http://schemas.microsoft.com/office/drawing/2016/SVG/main" r:embed="rId4"/>
+              </a:ext>
+            </a:extLst>
+          </a:blip>
+          <a:stretch>
+            <a:fillRect/>
+          </a:stretch>
+        </a:blipFill>
+        <a:ln w="12700" cap="flat" cmpd="sng" algn="ctr">
+          <a:noFill/>
+          <a:prstDash val="solid"/>
+          <a:miter lim="800000"/>
+        </a:ln>
+        <a:effectLst/>
+      </dsp:spPr>
+      <dsp:style>
+        <a:lnRef idx="2">
+          <a:scrgbClr r="0" g="0" b="0"/>
+        </a:lnRef>
+        <a:fillRef idx="1">
+          <a:scrgbClr r="0" g="0" b="0"/>
+        </a:fillRef>
+        <a:effectRef idx="0">
+          <a:scrgbClr r="0" g="0" b="0"/>
+        </a:effectRef>
+        <a:fontRef idx="minor">
+          <a:schemeClr val="lt1"/>
+        </a:fontRef>
+      </dsp:style>
+    </dsp:sp>
+    <dsp:sp modelId="{A927FAF1-C4C3-4B67-A58F-1783FD06B5A7}">
+      <dsp:nvSpPr>
+        <dsp:cNvPr id="0" name=""/>
+        <dsp:cNvSpPr/>
+      </dsp:nvSpPr>
+      <dsp:spPr>
+        <a:xfrm>
+          <a:off x="1131174" y="1228812"/>
+          <a:ext cx="5382429" cy="979371"/>
+        </a:xfrm>
+        <a:prstGeom prst="rect">
+          <a:avLst/>
+        </a:prstGeom>
+        <a:noFill/>
+        <a:ln>
+          <a:noFill/>
+        </a:ln>
+        <a:effectLst/>
+      </dsp:spPr>
+      <dsp:style>
+        <a:lnRef idx="0">
+          <a:scrgbClr r="0" g="0" b="0"/>
+        </a:lnRef>
+        <a:fillRef idx="0">
+          <a:scrgbClr r="0" g="0" b="0"/>
+        </a:fillRef>
+        <a:effectRef idx="0">
+          <a:scrgbClr r="0" g="0" b="0"/>
+        </a:effectRef>
+        <a:fontRef idx="minor"/>
+      </dsp:style>
+      <dsp:txBody>
+        <a:bodyPr spcFirstLastPara="0" vert="horz" wrap="square" lIns="103650" tIns="103650" rIns="103650" bIns="103650" numCol="1" spcCol="1270" anchor="ctr" anchorCtr="0">
+          <a:noAutofit/>
+        </a:bodyPr>
+        <a:lstStyle/>
+        <a:p>
+          <a:pPr marL="0" lvl="0" indent="0" algn="l" defTabSz="844550">
+            <a:lnSpc>
+              <a:spcPct val="90000"/>
+            </a:lnSpc>
+            <a:spcBef>
+              <a:spcPct val="0"/>
+            </a:spcBef>
+            <a:spcAft>
+              <a:spcPct val="35000"/>
+            </a:spcAft>
+            <a:buNone/>
+          </a:pPr>
+          <a:r>
+            <a:rPr lang="en-NZ" sz="1900" kern="1200"/>
+            <a:t>We add more variables</a:t>
+          </a:r>
+          <a:endParaRPr lang="en-US" sz="1900" kern="1200"/>
+        </a:p>
+      </dsp:txBody>
+      <dsp:txXfrm>
+        <a:off x="1131174" y="1228812"/>
+        <a:ext cx="5382429" cy="979371"/>
+      </dsp:txXfrm>
+    </dsp:sp>
+    <dsp:sp modelId="{CD175182-8BE4-43F9-A430-DA343875168A}">
+      <dsp:nvSpPr>
+        <dsp:cNvPr id="0" name=""/>
+        <dsp:cNvSpPr/>
+      </dsp:nvSpPr>
+      <dsp:spPr>
+        <a:xfrm>
+          <a:off x="0" y="2453027"/>
+          <a:ext cx="6513603" cy="979371"/>
+        </a:xfrm>
+        <a:prstGeom prst="roundRect">
+          <a:avLst>
+            <a:gd name="adj" fmla="val 10000"/>
+          </a:avLst>
+        </a:prstGeom>
+        <a:solidFill>
+          <a:schemeClr val="accent4">
+            <a:hueOff val="0"/>
+            <a:satOff val="0"/>
+            <a:lumOff val="0"/>
+            <a:alphaOff val="0"/>
+          </a:schemeClr>
+        </a:solidFill>
+        <a:ln>
+          <a:noFill/>
+        </a:ln>
+        <a:effectLst/>
+      </dsp:spPr>
+      <dsp:style>
+        <a:lnRef idx="0">
+          <a:scrgbClr r="0" g="0" b="0"/>
+        </a:lnRef>
+        <a:fillRef idx="1">
+          <a:scrgbClr r="0" g="0" b="0"/>
+        </a:fillRef>
+        <a:effectRef idx="0">
+          <a:scrgbClr r="0" g="0" b="0"/>
+        </a:effectRef>
+        <a:fontRef idx="minor"/>
+      </dsp:style>
+    </dsp:sp>
+    <dsp:sp modelId="{860EB447-AE2A-4C9D-8EB4-49BEB5F570A0}">
+      <dsp:nvSpPr>
+        <dsp:cNvPr id="0" name=""/>
+        <dsp:cNvSpPr/>
+      </dsp:nvSpPr>
+      <dsp:spPr>
+        <a:xfrm>
+          <a:off x="296259" y="2673385"/>
+          <a:ext cx="538654" cy="538654"/>
+        </a:xfrm>
+        <a:prstGeom prst="rect">
+          <a:avLst/>
+        </a:prstGeom>
+        <a:blipFill>
+          <a:blip xmlns:r="http://schemas.openxmlformats.org/officeDocument/2006/relationships" r:embed="rId5">
+            <a:extLst>
+              <a:ext uri="{28A0092B-C50C-407E-A947-70E740481C1C}">
+                <a14:useLocalDpi xmlns:a14="http://schemas.microsoft.com/office/drawing/2010/main" val="0"/>
+              </a:ext>
+              <a:ext uri="{96DAC541-7B7A-43D3-8B79-37D633B846F1}">
+                <asvg:svgBlip xmlns:asvg="http://schemas.microsoft.com/office/drawing/2016/SVG/main" r:embed="rId6"/>
+              </a:ext>
+            </a:extLst>
+          </a:blip>
+          <a:stretch>
+            <a:fillRect/>
+          </a:stretch>
+        </a:blipFill>
+        <a:ln w="12700" cap="flat" cmpd="sng" algn="ctr">
+          <a:noFill/>
+          <a:prstDash val="solid"/>
+          <a:miter lim="800000"/>
+        </a:ln>
+        <a:effectLst/>
+      </dsp:spPr>
+      <dsp:style>
+        <a:lnRef idx="2">
+          <a:scrgbClr r="0" g="0" b="0"/>
+        </a:lnRef>
+        <a:fillRef idx="1">
+          <a:scrgbClr r="0" g="0" b="0"/>
+        </a:fillRef>
+        <a:effectRef idx="0">
+          <a:scrgbClr r="0" g="0" b="0"/>
+        </a:effectRef>
+        <a:fontRef idx="minor">
+          <a:schemeClr val="lt1"/>
+        </a:fontRef>
+      </dsp:style>
+    </dsp:sp>
+    <dsp:sp modelId="{7173161C-1E25-4016-97C2-E10692A698C1}">
+      <dsp:nvSpPr>
+        <dsp:cNvPr id="0" name=""/>
+        <dsp:cNvSpPr/>
+      </dsp:nvSpPr>
+      <dsp:spPr>
+        <a:xfrm>
+          <a:off x="1131174" y="2453027"/>
+          <a:ext cx="5382429" cy="979371"/>
+        </a:xfrm>
+        <a:prstGeom prst="rect">
+          <a:avLst/>
+        </a:prstGeom>
+        <a:noFill/>
+        <a:ln>
+          <a:noFill/>
+        </a:ln>
+        <a:effectLst/>
+      </dsp:spPr>
+      <dsp:style>
+        <a:lnRef idx="0">
+          <a:scrgbClr r="0" g="0" b="0"/>
+        </a:lnRef>
+        <a:fillRef idx="0">
+          <a:scrgbClr r="0" g="0" b="0"/>
+        </a:fillRef>
+        <a:effectRef idx="0">
+          <a:scrgbClr r="0" g="0" b="0"/>
+        </a:effectRef>
+        <a:fontRef idx="minor"/>
+      </dsp:style>
+      <dsp:txBody>
+        <a:bodyPr spcFirstLastPara="0" vert="horz" wrap="square" lIns="103650" tIns="103650" rIns="103650" bIns="103650" numCol="1" spcCol="1270" anchor="ctr" anchorCtr="0">
+          <a:noAutofit/>
+        </a:bodyPr>
+        <a:lstStyle/>
+        <a:p>
+          <a:pPr marL="0" lvl="0" indent="0" algn="l" defTabSz="844550">
+            <a:lnSpc>
+              <a:spcPct val="90000"/>
+            </a:lnSpc>
+            <a:spcBef>
+              <a:spcPct val="0"/>
+            </a:spcBef>
+            <a:spcAft>
+              <a:spcPct val="35000"/>
+            </a:spcAft>
+            <a:buNone/>
+          </a:pPr>
+          <a:r>
+            <a:rPr lang="en-NZ" sz="1900" kern="1200"/>
+            <a:t>Companies have real-time evaluation </a:t>
+          </a:r>
+          <a:endParaRPr lang="en-US" sz="1900" kern="1200"/>
+        </a:p>
+      </dsp:txBody>
+      <dsp:txXfrm>
+        <a:off x="1131174" y="2453027"/>
+        <a:ext cx="5382429" cy="979371"/>
+      </dsp:txXfrm>
+    </dsp:sp>
+    <dsp:sp modelId="{B4CB0B25-FBA4-400E-9A3C-57EE8FEAF029}">
+      <dsp:nvSpPr>
+        <dsp:cNvPr id="0" name=""/>
+        <dsp:cNvSpPr/>
+      </dsp:nvSpPr>
+      <dsp:spPr>
+        <a:xfrm>
+          <a:off x="0" y="3677241"/>
+          <a:ext cx="6513603" cy="979371"/>
+        </a:xfrm>
+        <a:prstGeom prst="roundRect">
+          <a:avLst>
+            <a:gd name="adj" fmla="val 10000"/>
+          </a:avLst>
+        </a:prstGeom>
+        <a:solidFill>
+          <a:schemeClr val="accent5">
+            <a:hueOff val="0"/>
+            <a:satOff val="0"/>
+            <a:lumOff val="0"/>
+            <a:alphaOff val="0"/>
+          </a:schemeClr>
+        </a:solidFill>
+        <a:ln>
+          <a:noFill/>
+        </a:ln>
+        <a:effectLst/>
+      </dsp:spPr>
+      <dsp:style>
+        <a:lnRef idx="0">
+          <a:scrgbClr r="0" g="0" b="0"/>
+        </a:lnRef>
+        <a:fillRef idx="1">
+          <a:scrgbClr r="0" g="0" b="0"/>
+        </a:fillRef>
+        <a:effectRef idx="0">
+          <a:scrgbClr r="0" g="0" b="0"/>
+        </a:effectRef>
+        <a:fontRef idx="minor"/>
+      </dsp:style>
+    </dsp:sp>
+    <dsp:sp modelId="{06F4AA30-AFBA-4554-840D-BDB6592700E7}">
+      <dsp:nvSpPr>
+        <dsp:cNvPr id="0" name=""/>
+        <dsp:cNvSpPr/>
+      </dsp:nvSpPr>
+      <dsp:spPr>
+        <a:xfrm>
+          <a:off x="296259" y="3897600"/>
+          <a:ext cx="538654" cy="538654"/>
+        </a:xfrm>
+        <a:prstGeom prst="rect">
+          <a:avLst/>
+        </a:prstGeom>
+        <a:blipFill>
+          <a:blip xmlns:r="http://schemas.openxmlformats.org/officeDocument/2006/relationships" r:embed="rId7">
+            <a:extLst>
+              <a:ext uri="{28A0092B-C50C-407E-A947-70E740481C1C}">
+                <a14:useLocalDpi xmlns:a14="http://schemas.microsoft.com/office/drawing/2010/main" val="0"/>
+              </a:ext>
+              <a:ext uri="{96DAC541-7B7A-43D3-8B79-37D633B846F1}">
+                <asvg:svgBlip xmlns:asvg="http://schemas.microsoft.com/office/drawing/2016/SVG/main" r:embed="rId8"/>
+              </a:ext>
+            </a:extLst>
+          </a:blip>
+          <a:stretch>
+            <a:fillRect/>
+          </a:stretch>
+        </a:blipFill>
+        <a:ln w="12700" cap="flat" cmpd="sng" algn="ctr">
+          <a:noFill/>
+          <a:prstDash val="solid"/>
+          <a:miter lim="800000"/>
+        </a:ln>
+        <a:effectLst/>
+      </dsp:spPr>
+      <dsp:style>
+        <a:lnRef idx="2">
+          <a:scrgbClr r="0" g="0" b="0"/>
+        </a:lnRef>
+        <a:fillRef idx="1">
+          <a:scrgbClr r="0" g="0" b="0"/>
+        </a:fillRef>
+        <a:effectRef idx="0">
+          <a:scrgbClr r="0" g="0" b="0"/>
+        </a:effectRef>
+        <a:fontRef idx="minor">
+          <a:schemeClr val="lt1"/>
+        </a:fontRef>
+      </dsp:style>
+    </dsp:sp>
+    <dsp:sp modelId="{5BF0E3CE-7637-4580-BD65-5706D5D6DA63}">
+      <dsp:nvSpPr>
+        <dsp:cNvPr id="0" name=""/>
+        <dsp:cNvSpPr/>
+      </dsp:nvSpPr>
+      <dsp:spPr>
+        <a:xfrm>
+          <a:off x="1131174" y="3677241"/>
+          <a:ext cx="5382429" cy="979371"/>
+        </a:xfrm>
+        <a:prstGeom prst="rect">
+          <a:avLst/>
+        </a:prstGeom>
+        <a:noFill/>
+        <a:ln>
+          <a:noFill/>
+        </a:ln>
+        <a:effectLst/>
+      </dsp:spPr>
+      <dsp:style>
+        <a:lnRef idx="0">
+          <a:scrgbClr r="0" g="0" b="0"/>
+        </a:lnRef>
+        <a:fillRef idx="0">
+          <a:scrgbClr r="0" g="0" b="0"/>
+        </a:fillRef>
+        <a:effectRef idx="0">
+          <a:scrgbClr r="0" g="0" b="0"/>
+        </a:effectRef>
+        <a:fontRef idx="minor"/>
+      </dsp:style>
+      <dsp:txBody>
+        <a:bodyPr spcFirstLastPara="0" vert="horz" wrap="square" lIns="103650" tIns="103650" rIns="103650" bIns="103650" numCol="1" spcCol="1270" anchor="ctr" anchorCtr="0">
+          <a:noAutofit/>
+        </a:bodyPr>
+        <a:lstStyle/>
+        <a:p>
+          <a:pPr marL="0" lvl="0" indent="0" algn="l" defTabSz="844550">
+            <a:lnSpc>
+              <a:spcPct val="90000"/>
+            </a:lnSpc>
+            <a:spcBef>
+              <a:spcPct val="0"/>
+            </a:spcBef>
+            <a:spcAft>
+              <a:spcPct val="35000"/>
+            </a:spcAft>
+            <a:buNone/>
+          </a:pPr>
+          <a:r>
+            <a:rPr lang="en-NZ" sz="1900" kern="1200"/>
+            <a:t>Partnerships with flight aggregators </a:t>
+          </a:r>
+          <a:endParaRPr lang="en-US" sz="1900" kern="1200"/>
+        </a:p>
+      </dsp:txBody>
+      <dsp:txXfrm>
+        <a:off x="1131174" y="3677241"/>
+        <a:ext cx="5382429" cy="979371"/>
+      </dsp:txXfrm>
+    </dsp:sp>
+    <dsp:sp modelId="{480999FC-0941-4257-8D93-831B74E7F3B3}">
+      <dsp:nvSpPr>
+        <dsp:cNvPr id="0" name=""/>
+        <dsp:cNvSpPr/>
+      </dsp:nvSpPr>
+      <dsp:spPr>
+        <a:xfrm>
+          <a:off x="0" y="4901456"/>
+          <a:ext cx="6513603" cy="979371"/>
+        </a:xfrm>
+        <a:prstGeom prst="roundRect">
+          <a:avLst>
+            <a:gd name="adj" fmla="val 10000"/>
+          </a:avLst>
+        </a:prstGeom>
+        <a:solidFill>
+          <a:schemeClr val="accent6">
+            <a:hueOff val="0"/>
+            <a:satOff val="0"/>
+            <a:lumOff val="0"/>
+            <a:alphaOff val="0"/>
+          </a:schemeClr>
+        </a:solidFill>
+        <a:ln>
+          <a:noFill/>
+        </a:ln>
+        <a:effectLst/>
+      </dsp:spPr>
+      <dsp:style>
+        <a:lnRef idx="0">
+          <a:scrgbClr r="0" g="0" b="0"/>
+        </a:lnRef>
+        <a:fillRef idx="1">
+          <a:scrgbClr r="0" g="0" b="0"/>
+        </a:fillRef>
+        <a:effectRef idx="0">
+          <a:scrgbClr r="0" g="0" b="0"/>
+        </a:effectRef>
+        <a:fontRef idx="minor"/>
+      </dsp:style>
+    </dsp:sp>
+    <dsp:sp modelId="{98845166-5E84-42E5-A536-09E816194408}">
+      <dsp:nvSpPr>
+        <dsp:cNvPr id="0" name=""/>
+        <dsp:cNvSpPr/>
+      </dsp:nvSpPr>
+      <dsp:spPr>
+        <a:xfrm>
+          <a:off x="296259" y="5121814"/>
+          <a:ext cx="538654" cy="538654"/>
+        </a:xfrm>
+        <a:prstGeom prst="rect">
+          <a:avLst/>
+        </a:prstGeom>
+        <a:blipFill>
+          <a:blip xmlns:r="http://schemas.openxmlformats.org/officeDocument/2006/relationships" r:embed="rId9">
+            <a:extLst>
+              <a:ext uri="{28A0092B-C50C-407E-A947-70E740481C1C}">
+                <a14:useLocalDpi xmlns:a14="http://schemas.microsoft.com/office/drawing/2010/main" val="0"/>
+              </a:ext>
+              <a:ext uri="{96DAC541-7B7A-43D3-8B79-37D633B846F1}">
+                <asvg:svgBlip xmlns:asvg="http://schemas.microsoft.com/office/drawing/2016/SVG/main" r:embed="rId10"/>
+              </a:ext>
+            </a:extLst>
+          </a:blip>
+          <a:stretch>
+            <a:fillRect/>
+          </a:stretch>
+        </a:blipFill>
+        <a:ln w="12700" cap="flat" cmpd="sng" algn="ctr">
+          <a:noFill/>
+          <a:prstDash val="solid"/>
+          <a:miter lim="800000"/>
+        </a:ln>
+        <a:effectLst/>
+      </dsp:spPr>
+      <dsp:style>
+        <a:lnRef idx="2">
+          <a:scrgbClr r="0" g="0" b="0"/>
+        </a:lnRef>
+        <a:fillRef idx="1">
+          <a:scrgbClr r="0" g="0" b="0"/>
+        </a:fillRef>
+        <a:effectRef idx="0">
+          <a:scrgbClr r="0" g="0" b="0"/>
+        </a:effectRef>
+        <a:fontRef idx="minor">
+          <a:schemeClr val="lt1"/>
+        </a:fontRef>
+      </dsp:style>
+    </dsp:sp>
+    <dsp:sp modelId="{6B3D74C1-B065-41AD-90F4-FBF5652CB5AD}">
+      <dsp:nvSpPr>
+        <dsp:cNvPr id="0" name=""/>
+        <dsp:cNvSpPr/>
+      </dsp:nvSpPr>
+      <dsp:spPr>
+        <a:xfrm>
+          <a:off x="1131174" y="4901456"/>
+          <a:ext cx="5382429" cy="979371"/>
+        </a:xfrm>
+        <a:prstGeom prst="rect">
+          <a:avLst/>
+        </a:prstGeom>
+        <a:noFill/>
+        <a:ln>
+          <a:noFill/>
+        </a:ln>
+        <a:effectLst/>
+      </dsp:spPr>
+      <dsp:style>
+        <a:lnRef idx="0">
+          <a:scrgbClr r="0" g="0" b="0"/>
+        </a:lnRef>
+        <a:fillRef idx="0">
+          <a:scrgbClr r="0" g="0" b="0"/>
+        </a:fillRef>
+        <a:effectRef idx="0">
+          <a:scrgbClr r="0" g="0" b="0"/>
+        </a:effectRef>
+        <a:fontRef idx="minor"/>
+      </dsp:style>
+      <dsp:txBody>
+        <a:bodyPr spcFirstLastPara="0" vert="horz" wrap="square" lIns="103650" tIns="103650" rIns="103650" bIns="103650" numCol="1" spcCol="1270" anchor="ctr" anchorCtr="0">
+          <a:noAutofit/>
+        </a:bodyPr>
+        <a:lstStyle/>
+        <a:p>
+          <a:pPr marL="0" lvl="0" indent="0" algn="l" defTabSz="844550">
+            <a:lnSpc>
+              <a:spcPct val="90000"/>
+            </a:lnSpc>
+            <a:spcBef>
+              <a:spcPct val="0"/>
+            </a:spcBef>
+            <a:spcAft>
+              <a:spcPct val="35000"/>
+            </a:spcAft>
+            <a:buNone/>
+          </a:pPr>
+          <a:r>
+            <a:rPr lang="en-NZ" sz="1900" kern="1200"/>
+            <a:t>Cost of labour, data</a:t>
+          </a:r>
+          <a:endParaRPr lang="en-US" sz="1900" kern="1200"/>
+        </a:p>
+      </dsp:txBody>
+      <dsp:txXfrm>
+        <a:off x="1131174" y="4901456"/>
+        <a:ext cx="5382429" cy="979371"/>
+      </dsp:txXfrm>
+    </dsp:sp>
+  </dsp:spTree>
+</dsp:drawing>
+</file>
+
+<file path=ppt/diagrams/layout1.xml><?xml version="1.0" encoding="utf-8"?>
+<dgm:layoutDef xmlns:dgm="http://schemas.openxmlformats.org/drawingml/2006/diagram" xmlns:a="http://schemas.openxmlformats.org/drawingml/2006/main" uniqueId="urn:microsoft.com/office/officeart/2018/2/layout/IconVerticalSolidList">
+  <dgm:title val="Icon Vertical Solid List"/>
+  <dgm:desc val="Use to show a series of visuals from top to bottom with Level 1 or Level 1 and Level 2 text grouped in a shape. Works best with icons or small pictures with lengthier descriptions."/>
+  <dgm:catLst>
+    <dgm:cat type="icon" pri="500"/>
+  </dgm:catLst>
+  <dgm:sampData useDef="1">
+    <dgm:dataModel>
+      <dgm:ptLst/>
+      <dgm:bg/>
+      <dgm:whole/>
+    </dgm:dataModel>
+  </dgm:sampData>
+  <dgm:styleData useDef="1">
+    <dgm:dataModel>
+      <dgm:ptLst/>
+      <dgm:bg/>
+      <dgm:whole/>
+    </dgm:dataModel>
+  </dgm:styleData>
+  <dgm:clrData useDef="1">
+    <dgm:dataModel>
+      <dgm:ptLst/>
+      <dgm:bg/>
+      <dgm:whole/>
+    </dgm:dataModel>
+  </dgm:clrData>
+  <dgm:layoutNode name="root">
+    <dgm:varLst>
+      <dgm:dir/>
+      <dgm:resizeHandles val="exact"/>
+    </dgm:varLst>
+    <dgm:choose name="Name0">
+      <dgm:if name="Name1" axis="self" func="var" arg="dir" op="equ" val="norm">
+        <dgm:alg type="lin">
+          <dgm:param type="linDir" val="fromT"/>
+          <dgm:param type="nodeHorzAlign" val="l"/>
+        </dgm:alg>
+      </dgm:if>
+      <dgm:else name="Name2">
+        <dgm:alg type="lin">
+          <dgm:param type="linDir" val="fromT"/>
+          <dgm:param type="nodeHorzAlign" val="r"/>
+        </dgm:alg>
+      </dgm:else>
+    </dgm:choose>
+    <dgm:shape xmlns:r="http://schemas.openxmlformats.org/officeDocument/2006/relationships" r:blip="">
+      <dgm:adjLst/>
+    </dgm:shape>
+    <dgm:presOf/>
+    <dgm:choose name="Name3">
+      <dgm:if name="Name4" axis="ch" ptType="node" func="cnt" op="lte" val="3">
+        <dgm:constrLst>
+          <dgm:constr type="h" for="ch" forName="compNode" refType="h" fact="0.3"/>
+          <dgm:constr type="w" for="ch" forName="compNode" refType="w"/>
+          <dgm:constr type="h" for="ch" forName="sibTrans" refType="h" refFor="ch" refForName="compNode" fact="0.25"/>
+          <dgm:constr type="primFontSz" for="des" forName="parTx" val="25"/>
+          <dgm:constr type="primFontSz" for="des" forName="desTx" refType="primFontSz" refFor="des" refForName="parTx" op="lte" fact="0.75"/>
+          <dgm:constr type="h" for="des" forName="compNode" op="equ"/>
+          <dgm:constr type="h" for="des" forName="bgRect" op="equ"/>
+          <dgm:constr type="h" for="des" forName="iconRect" op="equ"/>
+          <dgm:constr type="w" for="des" forName="iconRect" op="equ"/>
+          <dgm:constr type="h" for="des" forName="spaceRect" op="equ"/>
+          <dgm:constr type="h" for="des" forName="parTx" op="equ"/>
+          <dgm:constr type="h" for="des" forName="desTx" op="equ"/>
+        </dgm:constrLst>
+      </dgm:if>
+      <dgm:if name="Name5" axis="ch" ptType="node" func="cnt" op="lte" val="4">
+        <dgm:constrLst>
+          <dgm:constr type="h" for="ch" forName="compNode" refType="h" fact="0.3"/>
+          <dgm:constr type="w" for="ch" forName="compNode" refType="w"/>
+          <dgm:constr type="h" for="ch" forName="sibTrans" refType="h" refFor="ch" refForName="compNode" fact="0.25"/>
+          <dgm:constr type="primFontSz" for="des" forName="parTx" val="22"/>
+          <dgm:constr type="primFontSz" for="des" forName="desTx" refType="primFontSz" refFor="des" refForName="parTx" op="lte" fact="0.75"/>
+          <dgm:constr type="h" for="des" forName="compNode" op="equ"/>
+          <dgm:constr type="h" for="des" forName="bgRect" op="equ"/>
+          <dgm:constr type="h" for="des" forName="iconRect" op="equ"/>
+          <dgm:constr type="w" for="des" forName="iconRect" op="equ"/>
+          <dgm:constr type="h" for="des" forName="spaceRect" op="equ"/>
+          <dgm:constr type="h" for="des" forName="parTx" op="equ"/>
+          <dgm:constr type="h" for="des" forName="desTx" op="equ"/>
+        </dgm:constrLst>
+      </dgm:if>
+      <dgm:if name="Name6" axis="ch" ptType="node" func="cnt" op="lte" val="6">
+        <dgm:constrLst>
+          <dgm:constr type="h" for="ch" forName="compNode" refType="h" fact="0.3"/>
+          <dgm:constr type="w" for="ch" forName="compNode" refType="w"/>
+          <dgm:constr type="h" for="ch" forName="sibTrans" refType="h" refFor="ch" refForName="compNode" fact="0.25"/>
+          <dgm:constr type="primFontSz" for="des" forName="parTx" val="19"/>
+          <dgm:constr type="primFontSz" for="des" forName="desTx" refType="primFontSz" refFor="des" refForName="parTx" op="lte" fact="0.75"/>
+          <dgm:constr type="h" for="des" forName="compNode" op="equ"/>
+          <dgm:constr type="h" for="des" forName="bgRect" op="equ"/>
+          <dgm:constr type="h" for="des" forName="iconRect" op="equ"/>
+          <dgm:constr type="w" for="des" forName="iconRect" op="equ"/>
+          <dgm:constr type="h" for="des" forName="spaceRect" op="equ"/>
+          <dgm:constr type="h" for="des" forName="parTx" op="equ"/>
+          <dgm:constr type="h" for="des" forName="desTx" op="equ"/>
+        </dgm:constrLst>
+      </dgm:if>
+      <dgm:else name="Name7">
+        <dgm:constrLst>
+          <dgm:constr type="h" for="ch" forName="compNode" refType="h" fact="0.3"/>
+          <dgm:constr type="w" for="ch" forName="compNode" refType="w"/>
+          <dgm:constr type="h" for="ch" forName="sibTrans" refType="h" refFor="ch" refForName="compNode" fact="0.25"/>
+          <dgm:constr type="primFontSz" for="des" forName="parTx" val="16"/>
+          <dgm:constr type="primFontSz" for="des" forName="desTx" refType="primFontSz" refFor="des" refForName="parTx" op="lte" fact="0.75"/>
+          <dgm:constr type="h" for="des" forName="compNode" op="equ"/>
+          <dgm:constr type="h" for="des" forName="bgRect" op="equ"/>
+          <dgm:constr type="h" for="des" forName="iconRect" op="equ"/>
+          <dgm:constr type="w" for="des" forName="iconRect" op="equ"/>
+          <dgm:constr type="h" for="des" forName="spaceRect" op="equ"/>
+          <dgm:constr type="h" for="des" forName="parTx" op="equ"/>
+          <dgm:constr type="h" for="des" forName="desTx" op="equ"/>
+        </dgm:constrLst>
+      </dgm:else>
+    </dgm:choose>
+    <dgm:ruleLst>
+      <dgm:rule type="h" for="ch" forName="compNode" val="0" fact="NaN" max="NaN"/>
+    </dgm:ruleLst>
+    <dgm:forEach name="Name8" axis="ch" ptType="node">
+      <dgm:layoutNode name="compNode">
+        <dgm:alg type="composite"/>
+        <dgm:shape xmlns:r="http://schemas.openxmlformats.org/officeDocument/2006/relationships" r:blip="">
+          <dgm:adjLst/>
+        </dgm:shape>
+        <dgm:presOf axis="self"/>
+        <dgm:choose name="Name9">
+          <dgm:if name="Name10" axis="ch" ptType="node" func="cnt" op="gte" val="1">
+            <dgm:constrLst>
+              <dgm:constr type="w" for="ch" forName="bgRect" refType="w"/>
+              <dgm:constr type="h" for="ch" forName="bgRect" refType="h"/>
+              <dgm:constr type="l" for="ch" forName="bgRect"/>
+              <dgm:constr type="t" for="ch" forName="bgRect"/>
+              <dgm:constr type="h" for="ch" forName="iconRect" refType="h" fact="0.55"/>
+              <dgm:constr type="w" for="ch" forName="iconRect" refType="h" refFor="ch" refForName="iconRect"/>
+              <dgm:constr type="l" for="ch" forName="iconRect" refType="h" refFor="ch" refForName="iconRect" fact="0.55"/>
+              <dgm:constr type="ctrY" for="ch" forName="iconRect" refType="ctrY" refFor="ch" refForName="bgRect"/>
+              <dgm:constr type="w" for="ch" forName="spaceRect" refType="l" refFor="ch" refForName="iconRect"/>
+              <dgm:constr type="h" for="ch" forName="spaceRect" refType="h"/>
+              <dgm:constr type="l" for="ch" forName="spaceRect" refType="r" refFor="ch" refForName="iconRect"/>
+              <dgm:constr type="t" for="ch" forName="spaceRect"/>
+              <dgm:constr type="w" for="ch" forName="parTx" refType="w" fact="0.45"/>
+              <dgm:constr type="h" for="ch" forName="parTx" refType="h"/>
+              <dgm:constr type="l" for="ch" forName="parTx" refType="r" refFor="ch" refForName="spaceRect"/>
+              <dgm:constr type="t" for="ch" forName="parTx"/>
+              <dgm:constr type="h" for="ch" forName="desTx" refType="h"/>
+              <dgm:constr type="l" for="ch" forName="desTx" refType="r" refFor="ch" refForName="parTx"/>
+              <dgm:constr type="t" for="ch" forName="desTx"/>
+            </dgm:constrLst>
+          </dgm:if>
+          <dgm:else name="Name11">
+            <dgm:constrLst>
+              <dgm:constr type="w" for="ch" forName="bgRect" refType="w"/>
+              <dgm:constr type="h" for="ch" forName="bgRect" refType="h"/>
+              <dgm:constr type="l" for="ch" forName="bgRect"/>
+              <dgm:constr type="t" for="ch" forName="bgRect"/>
+              <dgm:constr type="h" for="ch" forName="iconRect" refType="h" fact="0.55"/>
+              <dgm:constr type="w" for="ch" forName="iconRect" refType="h" refFor="ch" refForName="iconRect"/>
+              <dgm:constr type="l" for="ch" forName="iconRect" refType="h" refFor="ch" refForName="iconRect" fact="0.55"/>
+              <dgm:constr type="ctrY" for="ch" forName="iconRect" refType="ctrY" refFor="ch" refForName="bgRect"/>
+              <dgm:constr type="w" for="ch" forName="spaceRect" refType="l" refFor="ch" refForName="iconRect"/>
+              <dgm:constr type="h" for="ch" forName="spaceRect" refType="h"/>
+              <dgm:constr type="l" for="ch" forName="spaceRect" refType="r" refFor="ch" refForName="iconRect"/>
+              <dgm:constr type="t" for="ch" forName="spaceRect"/>
+              <dgm:constr type="h" for="ch" forName="parTx" refType="h"/>
+              <dgm:constr type="l" for="ch" forName="parTx" refType="r" refFor="ch" refForName="spaceRect"/>
+              <dgm:constr type="t" for="ch" forName="parTx"/>
+            </dgm:constrLst>
+          </dgm:else>
+        </dgm:choose>
+        <dgm:ruleLst>
+          <dgm:rule type="h" val="INF" fact="NaN" max="NaN"/>
+        </dgm:ruleLst>
+        <dgm:layoutNode name="bgRect" styleLbl="bgShp">
+          <dgm:alg type="sp"/>
+          <dgm:shape xmlns:r="http://schemas.openxmlformats.org/officeDocument/2006/relationships" type="roundRect" r:blip="">
+            <dgm:adjLst>
+              <dgm:adj idx="1" val="0.1"/>
+            </dgm:adjLst>
+          </dgm:shape>
+          <dgm:presOf/>
+          <dgm:constrLst/>
+          <dgm:ruleLst/>
+        </dgm:layoutNode>
+        <dgm:layoutNode name="iconRect" styleLbl="node1">
+          <dgm:alg type="sp"/>
+          <dgm:shape xmlns:r="http://schemas.openxmlformats.org/officeDocument/2006/relationships" type="rect" r:blip="" blipPhldr="1">
+            <dgm:adjLst/>
+          </dgm:shape>
+          <dgm:presOf/>
+          <dgm:constrLst/>
+          <dgm:ruleLst/>
+        </dgm:layoutNode>
+        <dgm:layoutNode name="spaceRect">
+          <dgm:alg type="sp"/>
+          <dgm:shape xmlns:r="http://schemas.openxmlformats.org/officeDocument/2006/relationships" r:blip="">
+            <dgm:adjLst/>
+          </dgm:shape>
+          <dgm:presOf/>
+          <dgm:constrLst/>
+          <dgm:ruleLst/>
+        </dgm:layoutNode>
+        <dgm:layoutNode name="parTx" styleLbl="revTx">
+          <dgm:varLst>
+            <dgm:chMax val="0"/>
+            <dgm:chPref val="0"/>
+          </dgm:varLst>
+          <dgm:alg type="tx">
+            <dgm:param type="txAnchorVert" val="mid"/>
+            <dgm:param type="parTxLTRAlign" val="l"/>
+            <dgm:param type="shpTxLTRAlignCh" val="l"/>
+            <dgm:param type="parTxRTLAlign" val="r"/>
+            <dgm:param type="shpTxRTLAlignCh" val="r"/>
+          </dgm:alg>
+          <dgm:shape xmlns:r="http://schemas.openxmlformats.org/officeDocument/2006/relationships" type="rect" r:blip="">
+            <dgm:adjLst/>
+          </dgm:shape>
+          <dgm:presOf axis="self" ptType="node"/>
+          <dgm:constrLst>
+            <dgm:constr type="lMarg" refType="h" fact="0.3"/>
+            <dgm:constr type="rMarg" refType="h" fact="0.3"/>
+            <dgm:constr type="tMarg" refType="h" fact="0.3"/>
+            <dgm:constr type="bMarg" refType="h" fact="0.3"/>
+          </dgm:constrLst>
+          <dgm:ruleLst>
+            <dgm:rule type="primFontSz" val="14" fact="NaN" max="NaN"/>
+            <dgm:rule type="h" val="INF" fact="NaN" max="NaN"/>
+          </dgm:ruleLst>
+        </dgm:layoutNode>
+        <dgm:choose name="Name12">
+          <dgm:if name="Name13" axis="ch" ptType="node" func="cnt" op="gte" val="1">
+            <dgm:layoutNode name="desTx" styleLbl="revTx">
+              <dgm:varLst/>
+              <dgm:alg type="tx">
+                <dgm:param type="txAnchorVertCh" val="mid"/>
+                <dgm:param type="parTxLTRAlign" val="l"/>
+                <dgm:param type="shpTxLTRAlignCh" val="l"/>
+                <dgm:param type="parTxRTLAlign" val="r"/>
+                <dgm:param type="shpTxRTLAlignCh" val="r"/>
+                <dgm:param type="stBulletLvl" val="0"/>
+              </dgm:alg>
+              <dgm:shape xmlns:r="http://schemas.openxmlformats.org/officeDocument/2006/relationships" type="rect" r:blip="">
+                <dgm:adjLst/>
+              </dgm:shape>
+              <dgm:presOf axis="des" ptType="node"/>
+              <dgm:constrLst>
+                <dgm:constr type="primFontSz" val="18"/>
+                <dgm:constr type="secFontSz" refType="primFontSz"/>
+                <dgm:constr type="lMarg" refType="h" fact="0.3"/>
+                <dgm:constr type="rMarg" refType="h" fact="0.3"/>
+                <dgm:constr type="tMarg" refType="h" fact="0.3"/>
+                <dgm:constr type="bMarg" refType="h" fact="0.3"/>
+              </dgm:constrLst>
+              <dgm:ruleLst>
+                <dgm:rule type="primFontSz" val="11" fact="NaN" max="NaN"/>
+              </dgm:ruleLst>
+            </dgm:layoutNode>
+          </dgm:if>
+          <dgm:else name="Name14"/>
+        </dgm:choose>
+      </dgm:layoutNode>
+      <dgm:forEach name="Name15" axis="followSib" ptType="sibTrans" cnt="1">
+        <dgm:layoutNode name="sibTrans">
+          <dgm:alg type="sp"/>
+          <dgm:shape xmlns:r="http://schemas.openxmlformats.org/officeDocument/2006/relationships" r:blip="">
+            <dgm:adjLst/>
+          </dgm:shape>
+          <dgm:presOf axis="self"/>
+          <dgm:constrLst/>
+          <dgm:ruleLst/>
+        </dgm:layoutNode>
+      </dgm:forEach>
+    </dgm:forEach>
+  </dgm:layoutNode>
+  <dgm:extLst>
+    <a:ext uri="{68A01E43-0DF5-4B5B-8FA6-DAF915123BFB}">
+      <dgm1612:lstStyle xmlns:dgm1612="http://schemas.microsoft.com/office/drawing/2016/12/diagram">
+        <a:lvl1pPr>
+          <a:lnSpc>
+            <a:spcPct val="100000"/>
+          </a:lnSpc>
+        </a:lvl1pPr>
+        <a:lvl2pPr>
+          <a:lnSpc>
+            <a:spcPct val="100000"/>
+          </a:lnSpc>
+        </a:lvl2pPr>
+      </dgm1612:lstStyle>
+    </a:ext>
+  </dgm:extLst>
+</dgm:layoutDef>
+</file>
+
+<file path=ppt/diagrams/quickStyle1.xml><?xml version="1.0" encoding="utf-8"?>
+<dgm:styleDef xmlns:dgm="http://schemas.openxmlformats.org/drawingml/2006/diagram" xmlns:a="http://schemas.openxmlformats.org/drawingml/2006/main" uniqueId="urn:microsoft.com/office/officeart/2005/8/quickstyle/simple1">
+  <dgm:title val=""/>
+  <dgm:desc val=""/>
+  <dgm:catLst>
+    <dgm:cat type="simple" pri="10100"/>
+  </dgm:catLst>
+  <dgm:scene3d>
+    <a:camera prst="orthographicFront"/>
+    <a:lightRig rig="threePt" dir="t"/>
+  </dgm:scene3d>
+  <dgm:styleLbl name="node0">
+    <dgm:scene3d>
+      <a:camera prst="orthographicFront"/>
+      <a:lightRig rig="threePt" dir="t"/>
+    </dgm:scene3d>
+    <dgm:sp3d/>
+    <dgm:txPr/>
+    <dgm:style>
+      <a:lnRef idx="2">
+        <a:scrgbClr r="0" g="0" b="0"/>
+      </a:lnRef>
+      <a:fillRef idx="1">
+        <a:scrgbClr r="0" g="0" b="0"/>
+      </a:fillRef>
+      <a:effectRef idx="0">
+        <a:scrgbClr r="0" g="0" b="0"/>
+      </a:effectRef>
+      <a:fontRef idx="minor">
+        <a:schemeClr val="lt1"/>
+      </a:fontRef>
+    </dgm:style>
+  </dgm:styleLbl>
+  <dgm:styleLbl name="lnNode1">
+    <dgm:scene3d>
+      <a:camera prst="orthographicFront"/>
+      <a:lightRig rig="threePt" dir="t"/>
+    </dgm:scene3d>
+    <dgm:sp3d/>
+    <dgm:txPr/>
+    <dgm:style>
+      <a:lnRef idx="2">
+        <a:scrgbClr r="0" g="0" b="0"/>
+      </a:lnRef>
+      <a:fillRef idx="1">
+        <a:scrgbClr r="0" g="0" b="0"/>
+      </a:fillRef>
+      <a:effectRef idx="0">
+        <a:scrgbClr r="0" g="0" b="0"/>
+      </a:effectRef>
+      <a:fontRef idx="minor">
+        <a:schemeClr val="lt1"/>
+      </a:fontRef>
+    </dgm:style>
+  </dgm:styleLbl>
+  <dgm:styleLbl name="vennNode1">
+    <dgm:scene3d>
+      <a:camera prst="orthographicFront"/>
+      <a:lightRig rig="threePt" dir="t"/>
+    </dgm:scene3d>
+    <dgm:sp3d/>
+    <dgm:txPr/>
+    <dgm:style>
+      <a:lnRef idx="2">
+        <a:scrgbClr r="0" g="0" b="0"/>
+      </a:lnRef>
+      <a:fillRef idx="1">
+        <a:scrgbClr r="0" g="0" b="0"/>
+      </a:fillRef>
+      <a:effectRef idx="0">
+        <a:scrgbClr r="0" g="0" b="0"/>
+      </a:effectRef>
+      <a:fontRef idx="minor">
+        <a:schemeClr val="tx1"/>
+      </a:fontRef>
+    </dgm:style>
+  </dgm:styleLbl>
+  <dgm:styleLbl name="alignNode1">
+    <dgm:scene3d>
+      <a:camera prst="orthographicFront"/>
+      <a:lightRig rig="threePt" dir="t"/>
+    </dgm:scene3d>
+    <dgm:sp3d/>
+    <dgm:txPr/>
+    <dgm:style>
+      <a:lnRef idx="2">
+        <a:scrgbClr r="0" g="0" b="0"/>
+      </a:lnRef>
+      <a:fillRef idx="1">
+        <a:scrgbClr r="0" g="0" b="0"/>
+      </a:fillRef>
+      <a:effectRef idx="0">
+        <a:scrgbClr r="0" g="0" b="0"/>
+      </a:effectRef>
+      <a:fontRef idx="minor">
+        <a:schemeClr val="lt1"/>
+      </a:fontRef>
+    </dgm:style>
+  </dgm:styleLbl>
+  <dgm:styleLbl name="node1">
+    <dgm:scene3d>
+      <a:camera prst="orthographicFront"/>
+      <a:lightRig rig="threePt" dir="t"/>
+    </dgm:scene3d>
+    <dgm:sp3d/>
+    <dgm:txPr/>
+    <dgm:style>
+      <a:lnRef idx="2">
+        <a:scrgbClr r="0" g="0" b="0"/>
+      </a:lnRef>
+      <a:fillRef idx="1">
+        <a:scrgbClr r="0" g="0" b="0"/>
+      </a:fillRef>
+      <a:effectRef idx="0">
+        <a:scrgbClr r="0" g="0" b="0"/>
+      </a:effectRef>
+      <a:fontRef idx="minor">
+        <a:schemeClr val="lt1"/>
+      </a:fontRef>
+    </dgm:style>
+  </dgm:styleLbl>
+  <dgm:styleLbl name="node2">
+    <dgm:scene3d>
+      <a:camera prst="orthographicFront"/>
+      <a:lightRig rig="threePt" dir="t"/>
+    </dgm:scene3d>
+    <dgm:sp3d/>
+    <dgm:txPr/>
+    <dgm:style>
+      <a:lnRef idx="2">
+        <a:scrgbClr r="0" g="0" b="0"/>
+      </a:lnRef>
+      <a:fillRef idx="1">
+        <a:scrgbClr r="0" g="0" b="0"/>
+      </a:fillRef>
+      <a:effectRef idx="0">
+        <a:scrgbClr r="0" g="0" b="0"/>
+      </a:effectRef>
+      <a:fontRef idx="minor">
+        <a:schemeClr val="lt1"/>
+      </a:fontRef>
+    </dgm:style>
+  </dgm:styleLbl>
+  <dgm:styleLbl name="node3">
+    <dgm:scene3d>
+      <a:camera prst="orthographicFront"/>
+      <a:lightRig rig="threePt" dir="t"/>
+    </dgm:scene3d>
+    <dgm:sp3d/>
+    <dgm:txPr/>
+    <dgm:style>
+      <a:lnRef idx="2">
+        <a:scrgbClr r="0" g="0" b="0"/>
+      </a:lnRef>
+      <a:fillRef idx="1">
+        <a:scrgbClr r="0" g="0" b="0"/>
+      </a:fillRef>
+      <a:effectRef idx="0">
+        <a:scrgbClr r="0" g="0" b="0"/>
+      </a:effectRef>
+      <a:fontRef idx="minor">
+        <a:schemeClr val="lt1"/>
+      </a:fontRef>
+    </dgm:style>
+  </dgm:styleLbl>
+  <dgm:styleLbl name="node4">
+    <dgm:scene3d>
+      <a:camera prst="orthographicFront"/>
+      <a:lightRig rig="threePt" dir="t"/>
+    </dgm:scene3d>
+    <dgm:sp3d/>
+    <dgm:txPr/>
+    <dgm:style>
+      <a:lnRef idx="2">
+        <a:scrgbClr r="0" g="0" b="0"/>
+      </a:lnRef>
+      <a:fillRef idx="1">
+        <a:scrgbClr r="0" g="0" b="0"/>
+      </a:fillRef>
+      <a:effectRef idx="0">
+        <a:scrgbClr r="0" g="0" b="0"/>
+      </a:effectRef>
+      <a:fontRef idx="minor">
+        <a:schemeClr val="lt1"/>
+      </a:fontRef>
+    </dgm:style>
+  </dgm:styleLbl>
+  <dgm:styleLbl name="fgImgPlace1">
+    <dgm:scene3d>
+      <a:camera prst="orthographicFront"/>
+      <a:lightRig rig="threePt" dir="t"/>
+    </dgm:scene3d>
+    <dgm:sp3d/>
+    <dgm:txPr/>
+    <dgm:style>
+      <a:lnRef idx="2">
+        <a:scrgbClr r="0" g="0" b="0"/>
+      </a:lnRef>
+      <a:fillRef idx="1">
+        <a:scrgbClr r="0" g="0" b="0"/>
+      </a:fillRef>
+      <a:effectRef idx="0">
+        <a:scrgbClr r="0" g="0" b="0"/>
+      </a:effectRef>
+      <a:fontRef idx="minor"/>
+    </dgm:style>
+  </dgm:styleLbl>
+  <dgm:styleLbl name="alignImgPlace1">
+    <dgm:scene3d>
+      <a:camera prst="orthographicFront"/>
+      <a:lightRig rig="threePt" dir="t"/>
+    </dgm:scene3d>
+    <dgm:sp3d/>
+    <dgm:txPr/>
+    <dgm:style>
+      <a:lnRef idx="2">
+        <a:scrgbClr r="0" g="0" b="0"/>
+      </a:lnRef>
+      <a:fillRef idx="1">
+        <a:scrgbClr r="0" g="0" b="0"/>
+      </a:fillRef>
+      <a:effectRef idx="0">
+        <a:scrgbClr r="0" g="0" b="0"/>
+      </a:effectRef>
+      <a:fontRef idx="minor"/>
+    </dgm:style>
+  </dgm:styleLbl>
+  <dgm:styleLbl name="bgImgPlace1">
+    <dgm:scene3d>
+      <a:camera prst="orthographicFront"/>
+      <a:lightRig rig="threePt" dir="t"/>
+    </dgm:scene3d>
+    <dgm:sp3d/>
+    <dgm:txPr/>
+    <dgm:style>
+      <a:lnRef idx="2">
+        <a:scrgbClr r="0" g="0" b="0"/>
+      </a:lnRef>
+      <a:fillRef idx="1">
+        <a:scrgbClr r="0" g="0" b="0"/>
+      </a:fillRef>
+      <a:effectRef idx="0">
+        <a:scrgbClr r="0" g="0" b="0"/>
+      </a:effectRef>
+      <a:fontRef idx="minor"/>
+    </dgm:style>
+  </dgm:styleLbl>
+  <dgm:styleLbl name="sibTrans2D1">
+    <dgm:scene3d>
+      <a:camera prst="orthographicFront"/>
+      <a:lightRig rig="threePt" dir="t"/>
+    </dgm:scene3d>
+    <dgm:sp3d/>
+    <dgm:txPr/>
+    <dgm:style>
+      <a:lnRef idx="0">
+        <a:scrgbClr r="0" g="0" b="0"/>
+      </a:lnRef>
+      <a:fillRef idx="1">
+        <a:scrgbClr r="0" g="0" b="0"/>
+      </a:fillRef>
+      <a:effectRef idx="0">
+        <a:scrgbClr r="0" g="0" b="0"/>
+      </a:effectRef>
+      <a:fontRef idx="minor">
+        <a:schemeClr val="lt1"/>
+      </a:fontRef>
+    </dgm:style>
+  </dgm:styleLbl>
+  <dgm:styleLbl name="fgSibTrans2D1">
+    <dgm:scene3d>
+      <a:camera prst="orthographicFront"/>
+      <a:lightRig rig="threePt" dir="t"/>
+    </dgm:scene3d>
+    <dgm:sp3d/>
+    <dgm:txPr/>
+    <dgm:style>
+      <a:lnRef idx="0">
+        <a:scrgbClr r="0" g="0" b="0"/>
+      </a:lnRef>
+      <a:fillRef idx="1">
+        <a:scrgbClr r="0" g="0" b="0"/>
+      </a:fillRef>
+      <a:effectRef idx="0">
+        <a:scrgbClr r="0" g="0" b="0"/>
+      </a:effectRef>
+      <a:fontRef idx="minor">
+        <a:schemeClr val="lt1"/>
+      </a:fontRef>
+    </dgm:style>
+  </dgm:styleLbl>
+  <dgm:styleLbl name="bgSibTrans2D1">
+    <dgm:scene3d>
+      <a:camera prst="orthographicFront"/>
+      <a:lightRig rig="threePt" dir="t"/>
+    </dgm:scene3d>
+    <dgm:sp3d/>
+    <dgm:txPr/>
+    <dgm:style>
+      <a:lnRef idx="0">
+        <a:scrgbClr r="0" g="0" b="0"/>
+      </a:lnRef>
+      <a:fillRef idx="1">
+        <a:scrgbClr r="0" g="0" b="0"/>
+      </a:fillRef>
+      <a:effectRef idx="0">
+        <a:scrgbClr r="0" g="0" b="0"/>
+      </a:effectRef>
+      <a:fontRef idx="minor">
+        <a:schemeClr val="lt1"/>
+      </a:fontRef>
+    </dgm:style>
+  </dgm:styleLbl>
+  <dgm:styleLbl name="sibTrans1D1">
+    <dgm:scene3d>
+      <a:camera prst="orthographicFront"/>
+      <a:lightRig rig="threePt" dir="t"/>
+    </dgm:scene3d>
+    <dgm:sp3d/>
+    <dgm:txPr/>
+    <dgm:style>
+      <a:lnRef idx="1">
+        <a:scrgbClr r="0" g="0" b="0"/>
+      </a:lnRef>
+      <a:fillRef idx="0">
+        <a:scrgbClr r="0" g="0" b="0"/>
+      </a:fillRef>
+      <a:effectRef idx="0">
+        <a:scrgbClr r="0" g="0" b="0"/>
+      </a:effectRef>
+      <a:fontRef idx="minor"/>
+    </dgm:style>
+  </dgm:styleLbl>
+  <dgm:styleLbl name="callout">
+    <dgm:scene3d>
+      <a:camera prst="orthographicFront"/>
+      <a:lightRig rig="threePt" dir="t"/>
+    </dgm:scene3d>
+    <dgm:sp3d/>
+    <dgm:txPr/>
+    <dgm:style>
+      <a:lnRef idx="2">
+        <a:scrgbClr r="0" g="0" b="0"/>
+      </a:lnRef>
+      <a:fillRef idx="1">
+        <a:scrgbClr r="0" g="0" b="0"/>
+      </a:fillRef>
+      <a:effectRef idx="0">
+        <a:scrgbClr r="0" g="0" b="0"/>
+      </a:effectRef>
+      <a:fontRef idx="minor"/>
+    </dgm:style>
+  </dgm:styleLbl>
+  <dgm:styleLbl name="asst0">
+    <dgm:scene3d>
+      <a:camera prst="orthographicFront"/>
+      <a:lightRig rig="threePt" dir="t"/>
+    </dgm:scene3d>
+    <dgm:sp3d/>
+    <dgm:txPr/>
+    <dgm:style>
+      <a:lnRef idx="2">
+        <a:scrgbClr r="0" g="0" b="0"/>
+      </a:lnRef>
+      <a:fillRef idx="1">
+        <a:scrgbClr r="0" g="0" b="0"/>
+      </a:fillRef>
+      <a:effectRef idx="0">
+        <a:scrgbClr r="0" g="0" b="0"/>
+      </a:effectRef>
+      <a:fontRef idx="minor">
+        <a:schemeClr val="lt1"/>
+      </a:fontRef>
+    </dgm:style>
+  </dgm:styleLbl>
+  <dgm:styleLbl name="asst1">
+    <dgm:scene3d>
+      <a:camera prst="orthographicFront"/>
+      <a:lightRig rig="threePt" dir="t"/>
+    </dgm:scene3d>
+    <dgm:sp3d/>
+    <dgm:txPr/>
+    <dgm:style>
+      <a:lnRef idx="2">
+        <a:scrgbClr r="0" g="0" b="0"/>
+      </a:lnRef>
+      <a:fillRef idx="1">
+        <a:scrgbClr r="0" g="0" b="0"/>
+      </a:fillRef>
+      <a:effectRef idx="0">
+        <a:scrgbClr r="0" g="0" b="0"/>
+      </a:effectRef>
+      <a:fontRef idx="minor">
+        <a:schemeClr val="lt1"/>
+      </a:fontRef>
+    </dgm:style>
+  </dgm:styleLbl>
+  <dgm:styleLbl name="asst2">
+    <dgm:scene3d>
+      <a:camera prst="orthographicFront"/>
+      <a:lightRig rig="threePt" dir="t"/>
+    </dgm:scene3d>
+    <dgm:sp3d/>
+    <dgm:txPr/>
+    <dgm:style>
+      <a:lnRef idx="2">
+        <a:scrgbClr r="0" g="0" b="0"/>
+      </a:lnRef>
+      <a:fillRef idx="1">
+        <a:scrgbClr r="0" g="0" b="0"/>
+      </a:fillRef>
+      <a:effectRef idx="0">
+        <a:scrgbClr r="0" g="0" b="0"/>
+      </a:effectRef>
+      <a:fontRef idx="minor">
+        <a:schemeClr val="lt1"/>
+      </a:fontRef>
+    </dgm:style>
+  </dgm:styleLbl>
+  <dgm:styleLbl name="asst3">
+    <dgm:scene3d>
+      <a:camera prst="orthographicFront"/>
+      <a:lightRig rig="threePt" dir="t"/>
+    </dgm:scene3d>
+    <dgm:sp3d/>
+    <dgm:txPr/>
+    <dgm:style>
+      <a:lnRef idx="2">
+        <a:scrgbClr r="0" g="0" b="0"/>
+      </a:lnRef>
+      <a:fillRef idx="1">
+        <a:scrgbClr r="0" g="0" b="0"/>
+      </a:fillRef>
+      <a:effectRef idx="0">
+        <a:scrgbClr r="0" g="0" b="0"/>
+      </a:effectRef>
+      <a:fontRef idx="minor">
+        <a:schemeClr val="lt1"/>
+      </a:fontRef>
+    </dgm:style>
+  </dgm:styleLbl>
+  <dgm:styleLbl name="asst4">
+    <dgm:scene3d>
+      <a:camera prst="orthographicFront"/>
+      <a:lightRig rig="threePt" dir="t"/>
+    </dgm:scene3d>
+    <dgm:sp3d/>
+    <dgm:txPr/>
+    <dgm:style>
+      <a:lnRef idx="2">
+        <a:scrgbClr r="0" g="0" b="0"/>
+      </a:lnRef>
+      <a:fillRef idx="1">
+        <a:scrgbClr r="0" g="0" b="0"/>
+      </a:fillRef>
+      <a:effectRef idx="0">
+        <a:scrgbClr r="0" g="0" b="0"/>
+      </a:effectRef>
+      <a:fontRef idx="minor">
+        <a:schemeClr val="lt1"/>
+      </a:fontRef>
+    </dgm:style>
+  </dgm:styleLbl>
+  <dgm:styleLbl name="parChTrans2D1">
+    <dgm:scene3d>
+      <a:camera prst="orthographicFront"/>
+      <a:lightRig rig="threePt" dir="t"/>
+    </dgm:scene3d>
+    <dgm:sp3d/>
+    <dgm:txPr/>
+    <dgm:style>
+      <a:lnRef idx="2">
+        <a:scrgbClr r="0" g="0" b="0"/>
+      </a:lnRef>
+      <a:fillRef idx="1">
+        <a:scrgbClr r="0" g="0" b="0"/>
+      </a:fillRef>
+      <a:effectRef idx="0">
+        <a:scrgbClr r="0" g="0" b="0"/>
+      </a:effectRef>
+      <a:fontRef idx="minor">
+        <a:schemeClr val="lt1"/>
+      </a:fontRef>
+    </dgm:style>
+  </dgm:styleLbl>
+  <dgm:styleLbl name="parChTrans2D2">
+    <dgm:scene3d>
+      <a:camera prst="orthographicFront"/>
+      <a:lightRig rig="threePt" dir="t"/>
+    </dgm:scene3d>
+    <dgm:sp3d/>
+    <dgm:txPr/>
+    <dgm:style>
+      <a:lnRef idx="2">
+        <a:scrgbClr r="0" g="0" b="0"/>
+      </a:lnRef>
+      <a:fillRef idx="1">
+        <a:scrgbClr r="0" g="0" b="0"/>
+      </a:fillRef>
+      <a:effectRef idx="0">
+        <a:scrgbClr r="0" g="0" b="0"/>
+      </a:effectRef>
+      <a:fontRef idx="minor">
+        <a:schemeClr val="lt1"/>
+      </a:fontRef>
+    </dgm:style>
+  </dgm:styleLbl>
+  <dgm:styleLbl name="parChTrans2D3">
+    <dgm:scene3d>
+      <a:camera prst="orthographicFront"/>
+      <a:lightRig rig="threePt" dir="t"/>
+    </dgm:scene3d>
+    <dgm:sp3d/>
+    <dgm:txPr/>
+    <dgm:style>
+      <a:lnRef idx="2">
+        <a:scrgbClr r="0" g="0" b="0"/>
+      </a:lnRef>
+      <a:fillRef idx="1">
+        <a:scrgbClr r="0" g="0" b="0"/>
+      </a:fillRef>
+      <a:effectRef idx="0">
+        <a:scrgbClr r="0" g="0" b="0"/>
+      </a:effectRef>
+      <a:fontRef idx="minor">
+        <a:schemeClr val="lt1"/>
+      </a:fontRef>
+    </dgm:style>
+  </dgm:styleLbl>
+  <dgm:styleLbl name="parChTrans2D4">
+    <dgm:scene3d>
+      <a:camera prst="orthographicFront"/>
+      <a:lightRig rig="threePt" dir="t"/>
+    </dgm:scene3d>
+    <dgm:sp3d/>
+    <dgm:txPr/>
+    <dgm:style>
+      <a:lnRef idx="2">
+        <a:scrgbClr r="0" g="0" b="0"/>
+      </a:lnRef>
+      <a:fillRef idx="1">
+        <a:scrgbClr r="0" g="0" b="0"/>
+      </a:fillRef>
+      <a:effectRef idx="0">
+        <a:scrgbClr r="0" g="0" b="0"/>
+      </a:effectRef>
+      <a:fontRef idx="minor">
+        <a:schemeClr val="lt1"/>
+      </a:fontRef>
+    </dgm:style>
+  </dgm:styleLbl>
+  <dgm:styleLbl name="parChTrans1D1">
+    <dgm:scene3d>
+      <a:camera prst="orthographicFront"/>
+      <a:lightRig rig="threePt" dir="t"/>
+    </dgm:scene3d>
+    <dgm:sp3d/>
+    <dgm:txPr/>
+    <dgm:style>
+      <a:lnRef idx="2">
+        <a:scrgbClr r="0" g="0" b="0"/>
+      </a:lnRef>
+      <a:fillRef idx="0">
+        <a:scrgbClr r="0" g="0" b="0"/>
+      </a:fillRef>
+      <a:effectRef idx="0">
+        <a:scrgbClr r="0" g="0" b="0"/>
+      </a:effectRef>
+      <a:fontRef idx="minor"/>
+    </dgm:style>
+  </dgm:styleLbl>
+  <dgm:styleLbl name="parChTrans1D2">
+    <dgm:scene3d>
+      <a:camera prst="orthographicFront"/>
+      <a:lightRig rig="threePt" dir="t"/>
+    </dgm:scene3d>
+    <dgm:sp3d/>
+    <dgm:txPr/>
+    <dgm:style>
+      <a:lnRef idx="2">
+        <a:scrgbClr r="0" g="0" b="0"/>
+      </a:lnRef>
+      <a:fillRef idx="0">
+        <a:scrgbClr r="0" g="0" b="0"/>
+      </a:fillRef>
+      <a:effectRef idx="0">
+        <a:scrgbClr r="0" g="0" b="0"/>
+      </a:effectRef>
+      <a:fontRef idx="minor"/>
+    </dgm:style>
+  </dgm:styleLbl>
+  <dgm:styleLbl name="parChTrans1D3">
+    <dgm:scene3d>
+      <a:camera prst="orthographicFront"/>
+      <a:lightRig rig="threePt" dir="t"/>
+    </dgm:scene3d>
+    <dgm:sp3d/>
+    <dgm:txPr/>
+    <dgm:style>
+      <a:lnRef idx="2">
+        <a:scrgbClr r="0" g="0" b="0"/>
+      </a:lnRef>
+      <a:fillRef idx="0">
+        <a:scrgbClr r="0" g="0" b="0"/>
+      </a:fillRef>
+      <a:effectRef idx="0">
+        <a:scrgbClr r="0" g="0" b="0"/>
+      </a:effectRef>
+      <a:fontRef idx="minor"/>
+    </dgm:style>
+  </dgm:styleLbl>
+  <dgm:styleLbl name="parChTrans1D4">
+    <dgm:scene3d>
+      <a:camera prst="orthographicFront"/>
+      <a:lightRig rig="threePt" dir="t"/>
+    </dgm:scene3d>
+    <dgm:sp3d/>
+    <dgm:txPr/>
+    <dgm:style>
+      <a:lnRef idx="2">
+        <a:scrgbClr r="0" g="0" b="0"/>
+      </a:lnRef>
+      <a:fillRef idx="0">
+        <a:scrgbClr r="0" g="0" b="0"/>
+      </a:fillRef>
+      <a:effectRef idx="0">
+        <a:scrgbClr r="0" g="0" b="0"/>
+      </a:effectRef>
+      <a:fontRef idx="minor"/>
+    </dgm:style>
+  </dgm:styleLbl>
+  <dgm:styleLbl name="fgAcc1">
+    <dgm:scene3d>
+      <a:camera prst="orthographicFront"/>
+      <a:lightRig rig="threePt" dir="t"/>
+    </dgm:scene3d>
+    <dgm:sp3d/>
+    <dgm:txPr/>
+    <dgm:style>
+      <a:lnRef idx="2">
+        <a:scrgbClr r="0" g="0" b="0"/>
+      </a:lnRef>
+      <a:fillRef idx="1">
+        <a:scrgbClr r="0" g="0" b="0"/>
+      </a:fillRef>
+      <a:effectRef idx="0">
+        <a:scrgbClr r="0" g="0" b="0"/>
+      </a:effectRef>
+      <a:fontRef idx="minor"/>
+    </dgm:style>
+  </dgm:styleLbl>
+  <dgm:styleLbl name="conFgAcc1">
+    <dgm:scene3d>
+      <a:camera prst="orthographicFront"/>
+      <a:lightRig rig="threePt" dir="t"/>
+    </dgm:scene3d>
+    <dgm:sp3d/>
+    <dgm:txPr/>
+    <dgm:style>
+      <a:lnRef idx="2">
+        <a:scrgbClr r="0" g="0" b="0"/>
+      </a:lnRef>
+      <a:fillRef idx="1">
+        <a:scrgbClr r="0" g="0" b="0"/>
+      </a:fillRef>
+      <a:effectRef idx="0">
+        <a:scrgbClr r="0" g="0" b="0"/>
+      </a:effectRef>
+      <a:fontRef idx="minor"/>
+    </dgm:style>
+  </dgm:styleLbl>
+  <dgm:styleLbl name="alignAcc1">
+    <dgm:scene3d>
+      <a:camera prst="orthographicFront"/>
+      <a:lightRig rig="threePt" dir="t"/>
+    </dgm:scene3d>
+    <dgm:sp3d/>
+    <dgm:txPr/>
+    <dgm:style>
+      <a:lnRef idx="2">
+        <a:scrgbClr r="0" g="0" b="0"/>
+      </a:lnRef>
+      <a:fillRef idx="1">
+        <a:scrgbClr r="0" g="0" b="0"/>
+      </a:fillRef>
+      <a:effectRef idx="0">
+        <a:scrgbClr r="0" g="0" b="0"/>
+      </a:effectRef>
+      <a:fontRef idx="minor"/>
+    </dgm:style>
+  </dgm:styleLbl>
+  <dgm:styleLbl name="trAlignAcc1">
+    <dgm:scene3d>
+      <a:camera prst="orthographicFront"/>
+      <a:lightRig rig="threePt" dir="t"/>
+    </dgm:scene3d>
+    <dgm:sp3d/>
+    <dgm:txPr/>
+    <dgm:style>
+      <a:lnRef idx="1">
+        <a:scrgbClr r="0" g="0" b="0"/>
+      </a:lnRef>
+      <a:fillRef idx="1">
+        <a:scrgbClr r="0" g="0" b="0"/>
+      </a:fillRef>
+      <a:effectRef idx="0">
+        <a:scrgbClr r="0" g="0" b="0"/>
+      </a:effectRef>
+      <a:fontRef idx="minor"/>
+    </dgm:style>
+  </dgm:styleLbl>
+  <dgm:styleLbl name="bgAcc1">
+    <dgm:scene3d>
+      <a:camera prst="orthographicFront"/>
+      <a:lightRig rig="threePt" dir="t"/>
+    </dgm:scene3d>
+    <dgm:sp3d/>
+    <dgm:txPr/>
+    <dgm:style>
+      <a:lnRef idx="2">
+        <a:scrgbClr r="0" g="0" b="0"/>
+      </a:lnRef>
+      <a:fillRef idx="1">
+        <a:scrgbClr r="0" g="0" b="0"/>
+      </a:fillRef>
+      <a:effectRef idx="0">
+        <a:scrgbClr r="0" g="0" b="0"/>
+      </a:effectRef>
+      <a:fontRef idx="minor"/>
+    </dgm:style>
+  </dgm:styleLbl>
+  <dgm:styleLbl name="solidFgAcc1">
+    <dgm:scene3d>
+      <a:camera prst="orthographicFront"/>
+      <a:lightRig rig="threePt" dir="t"/>
+    </dgm:scene3d>
+    <dgm:sp3d/>
+    <dgm:txPr/>
+    <dgm:style>
+      <a:lnRef idx="2">
+        <a:scrgbClr r="0" g="0" b="0"/>
+      </a:lnRef>
+      <a:fillRef idx="1">
+        <a:scrgbClr r="0" g="0" b="0"/>
+      </a:fillRef>
+      <a:effectRef idx="0">
+        <a:scrgbClr r="0" g="0" b="0"/>
+      </a:effectRef>
+      <a:fontRef idx="minor"/>
+    </dgm:style>
+  </dgm:styleLbl>
+  <dgm:styleLbl name="solidAlignAcc1">
+    <dgm:scene3d>
+      <a:camera prst="orthographicFront"/>
+      <a:lightRig rig="threePt" dir="t"/>
+    </dgm:scene3d>
+    <dgm:sp3d/>
+    <dgm:txPr/>
+    <dgm:style>
+      <a:lnRef idx="2">
+        <a:scrgbClr r="0" g="0" b="0"/>
+      </a:lnRef>
+      <a:fillRef idx="1">
+        <a:scrgbClr r="0" g="0" b="0"/>
+      </a:fillRef>
+      <a:effectRef idx="0">
+        <a:scrgbClr r="0" g="0" b="0"/>
+      </a:effectRef>
+      <a:fontRef idx="minor"/>
+    </dgm:style>
+  </dgm:styleLbl>
+  <dgm:styleLbl name="solidBgAcc1">
+    <dgm:scene3d>
+      <a:camera prst="orthographicFront"/>
+      <a:lightRig rig="threePt" dir="t"/>
+    </dgm:scene3d>
+    <dgm:sp3d/>
+    <dgm:txPr/>
+    <dgm:style>
+      <a:lnRef idx="2">
+        <a:scrgbClr r="0" g="0" b="0"/>
+      </a:lnRef>
+      <a:fillRef idx="1">
+        <a:scrgbClr r="0" g="0" b="0"/>
+      </a:fillRef>
+      <a:effectRef idx="0">
+        <a:scrgbClr r="0" g="0" b="0"/>
+      </a:effectRef>
+      <a:fontRef idx="minor"/>
+    </dgm:style>
+  </dgm:styleLbl>
+  <dgm:styleLbl name="fgAccFollowNode1">
+    <dgm:scene3d>
+      <a:camera prst="orthographicFront"/>
+      <a:lightRig rig="threePt" dir="t"/>
+    </dgm:scene3d>
+    <dgm:sp3d/>
+    <dgm:txPr/>
+    <dgm:style>
+      <a:lnRef idx="2">
+        <a:scrgbClr r="0" g="0" b="0"/>
+      </a:lnRef>
+      <a:fillRef idx="1">
+        <a:scrgbClr r="0" g="0" b="0"/>
+      </a:fillRef>
+      <a:effectRef idx="0">
+        <a:scrgbClr r="0" g="0" b="0"/>
+      </a:effectRef>
+      <a:fontRef idx="minor"/>
+    </dgm:style>
+  </dgm:styleLbl>
+  <dgm:styleLbl name="alignAccFollowNode1">
+    <dgm:scene3d>
+      <a:camera prst="orthographicFront"/>
+      <a:lightRig rig="threePt" dir="t"/>
+    </dgm:scene3d>
+    <dgm:sp3d/>
+    <dgm:txPr/>
+    <dgm:style>
+      <a:lnRef idx="2">
+        <a:scrgbClr r="0" g="0" b="0"/>
+      </a:lnRef>
+      <a:fillRef idx="1">
+        <a:scrgbClr r="0" g="0" b="0"/>
+      </a:fillRef>
+      <a:effectRef idx="0">
+        <a:scrgbClr r="0" g="0" b="0"/>
+      </a:effectRef>
+      <a:fontRef idx="minor"/>
+    </dgm:style>
+  </dgm:styleLbl>
+  <dgm:styleLbl name="bgAccFollowNode1">
+    <dgm:scene3d>
+      <a:camera prst="orthographicFront"/>
+      <a:lightRig rig="threePt" dir="t"/>
+    </dgm:scene3d>
+    <dgm:sp3d/>
+    <dgm:txPr/>
+    <dgm:style>
+      <a:lnRef idx="2">
+        <a:scrgbClr r="0" g="0" b="0"/>
+      </a:lnRef>
+      <a:fillRef idx="1">
+        <a:scrgbClr r="0" g="0" b="0"/>
+      </a:fillRef>
+      <a:effectRef idx="0">
+        <a:scrgbClr r="0" g="0" b="0"/>
+      </a:effectRef>
+      <a:fontRef idx="minor"/>
+    </dgm:style>
+  </dgm:styleLbl>
+  <dgm:styleLbl name="fgAcc0">
+    <dgm:scene3d>
+      <a:camera prst="orthographicFront"/>
+      <a:lightRig rig="threePt" dir="t"/>
+    </dgm:scene3d>
+    <dgm:sp3d/>
+    <dgm:txPr/>
+    <dgm:style>
+      <a:lnRef idx="2">
+        <a:scrgbClr r="0" g="0" b="0"/>
+      </a:lnRef>
+      <a:fillRef idx="1">
+        <a:scrgbClr r="0" g="0" b="0"/>
+      </a:fillRef>
+      <a:effectRef idx="0">
+        <a:scrgbClr r="0" g="0" b="0"/>
+      </a:effectRef>
+      <a:fontRef idx="minor"/>
+    </dgm:style>
+  </dgm:styleLbl>
+  <dgm:styleLbl name="fgAcc2">
+    <dgm:scene3d>
+      <a:camera prst="orthographicFront"/>
+      <a:lightRig rig="threePt" dir="t"/>
+    </dgm:scene3d>
+    <dgm:sp3d/>
+    <dgm:txPr/>
+    <dgm:style>
+      <a:lnRef idx="2">
+        <a:scrgbClr r="0" g="0" b="0"/>
+      </a:lnRef>
+      <a:fillRef idx="1">
+        <a:scrgbClr r="0" g="0" b="0"/>
+      </a:fillRef>
+      <a:effectRef idx="0">
+        <a:scrgbClr r="0" g="0" b="0"/>
+      </a:effectRef>
+      <a:fontRef idx="minor"/>
+    </dgm:style>
+  </dgm:styleLbl>
+  <dgm:styleLbl name="fgAcc3">
+    <dgm:scene3d>
+      <a:camera prst="orthographicFront"/>
+      <a:lightRig rig="threePt" dir="t"/>
+    </dgm:scene3d>
+    <dgm:sp3d/>
+    <dgm:txPr/>
+    <dgm:style>
+      <a:lnRef idx="2">
+        <a:scrgbClr r="0" g="0" b="0"/>
+      </a:lnRef>
+      <a:fillRef idx="1">
+        <a:scrgbClr r="0" g="0" b="0"/>
+      </a:fillRef>
+      <a:effectRef idx="0">
+        <a:scrgbClr r="0" g="0" b="0"/>
+      </a:effectRef>
+      <a:fontRef idx="minor"/>
+    </dgm:style>
+  </dgm:styleLbl>
+  <dgm:styleLbl name="fgAcc4">
+    <dgm:scene3d>
+      <a:camera prst="orthographicFront"/>
+      <a:lightRig rig="threePt" dir="t"/>
+    </dgm:scene3d>
+    <dgm:sp3d/>
+    <dgm:txPr/>
+    <dgm:style>
+      <a:lnRef idx="2">
+        <a:scrgbClr r="0" g="0" b="0"/>
+      </a:lnRef>
+      <a:fillRef idx="1">
+        <a:scrgbClr r="0" g="0" b="0"/>
+      </a:fillRef>
+      <a:effectRef idx="0">
+        <a:scrgbClr r="0" g="0" b="0"/>
+      </a:effectRef>
+      <a:fontRef idx="minor"/>
+    </dgm:style>
+  </dgm:styleLbl>
+  <dgm:styleLbl name="bgShp">
+    <dgm:scene3d>
+      <a:camera prst="orthographicFront"/>
+      <a:lightRig rig="threePt" dir="t"/>
+    </dgm:scene3d>
+    <dgm:sp3d/>
+    <dgm:txPr/>
+    <dgm:style>
+      <a:lnRef idx="0">
+        <a:scrgbClr r="0" g="0" b="0"/>
+      </a:lnRef>
+      <a:fillRef idx="1">
+        <a:scrgbClr r="0" g="0" b="0"/>
+      </a:fillRef>
+      <a:effectRef idx="0">
+        <a:scrgbClr r="0" g="0" b="0"/>
+      </a:effectRef>
+      <a:fontRef idx="minor"/>
+    </dgm:style>
+  </dgm:styleLbl>
+  <dgm:styleLbl name="dkBgShp">
+    <dgm:scene3d>
+      <a:camera prst="orthographicFront"/>
+      <a:lightRig rig="threePt" dir="t"/>
+    </dgm:scene3d>
+    <dgm:sp3d/>
+    <dgm:txPr/>
+    <dgm:style>
+      <a:lnRef idx="0">
+        <a:scrgbClr r="0" g="0" b="0"/>
+      </a:lnRef>
+      <a:fillRef idx="1">
+        <a:scrgbClr r="0" g="0" b="0"/>
+      </a:fillRef>
+      <a:effectRef idx="0">
+        <a:scrgbClr r="0" g="0" b="0"/>
+      </a:effectRef>
+      <a:fontRef idx="minor"/>
+    </dgm:style>
+  </dgm:styleLbl>
+  <dgm:styleLbl name="trBgShp">
+    <dgm:scene3d>
+      <a:camera prst="orthographicFront"/>
+      <a:lightRig rig="threePt" dir="t"/>
+    </dgm:scene3d>
+    <dgm:sp3d/>
+    <dgm:txPr/>
+    <dgm:style>
+      <a:lnRef idx="0">
+        <a:scrgbClr r="0" g="0" b="0"/>
+      </a:lnRef>
+      <a:fillRef idx="1">
+        <a:scrgbClr r="0" g="0" b="0"/>
+      </a:fillRef>
+      <a:effectRef idx="0">
+        <a:scrgbClr r="0" g="0" b="0"/>
+      </a:effectRef>
+      <a:fontRef idx="minor"/>
+    </dgm:style>
+  </dgm:styleLbl>
+  <dgm:styleLbl name="fgShp">
+    <dgm:scene3d>
+      <a:camera prst="orthographicFront"/>
+      <a:lightRig rig="threePt" dir="t"/>
+    </dgm:scene3d>
+    <dgm:sp3d/>
+    <dgm:txPr/>
+    <dgm:style>
+      <a:lnRef idx="2">
+        <a:scrgbClr r="0" g="0" b="0"/>
+      </a:lnRef>
+      <a:fillRef idx="1">
+        <a:scrgbClr r="0" g="0" b="0"/>
+      </a:fillRef>
+      <a:effectRef idx="0">
+        <a:scrgbClr r="0" g="0" b="0"/>
+      </a:effectRef>
+      <a:fontRef idx="minor"/>
+    </dgm:style>
+  </dgm:styleLbl>
+  <dgm:styleLbl name="revTx">
+    <dgm:scene3d>
+      <a:camera prst="orthographicFront"/>
+      <a:lightRig rig="threePt" dir="t"/>
+    </dgm:scene3d>
+    <dgm:sp3d/>
+    <dgm:txPr/>
+    <dgm:style>
+      <a:lnRef idx="0">
+        <a:scrgbClr r="0" g="0" b="0"/>
+      </a:lnRef>
+      <a:fillRef idx="0">
+        <a:scrgbClr r="0" g="0" b="0"/>
+      </a:fillRef>
+      <a:effectRef idx="0">
+        <a:scrgbClr r="0" g="0" b="0"/>
+      </a:effectRef>
+      <a:fontRef idx="minor"/>
+    </dgm:style>
+  </dgm:styleLbl>
+</dgm:styleDef>
+</file>
+
+<file path=ppt/notesMasters/notesMaster1.xml><?xml version="1.0" encoding="utf-8"?>
+<p:notesMaster xmlns:a="http://schemas.openxmlformats.org/drawingml/2006/main" xmlns:r="http://schemas.openxmlformats.org/officeDocument/2006/relationships" xmlns:p="http://schemas.openxmlformats.org/presentationml/2006/main">
+  <p:cSld>
+    <p:bg>
+      <p:bgRef idx="1001">
+        <a:schemeClr val="bg1"/>
+      </p:bgRef>
+    </p:bg>
+    <p:spTree>
+      <p:nvGrpSpPr>
+        <p:cNvPr id="1" name=""/>
+        <p:cNvGrpSpPr/>
+        <p:nvPr/>
+      </p:nvGrpSpPr>
+      <p:grpSpPr>
+        <a:xfrm>
+          <a:off x="0" y="0"/>
+          <a:ext cx="0" cy="0"/>
+          <a:chOff x="0" y="0"/>
+          <a:chExt cx="0" cy="0"/>
+        </a:xfrm>
+      </p:grpSpPr>
+      <p:sp>
+        <p:nvSpPr>
+          <p:cNvPr id="2" name="Header Placeholder 1"/>
+          <p:cNvSpPr>
+            <a:spLocks noGrp="1"/>
+          </p:cNvSpPr>
+          <p:nvPr>
+            <p:ph type="hdr" sz="quarter"/>
+          </p:nvPr>
+        </p:nvSpPr>
+        <p:spPr>
+          <a:xfrm>
+            <a:off x="0" y="0"/>
+            <a:ext cx="2971800" cy="458788"/>
+          </a:xfrm>
+          <a:prstGeom prst="rect">
+            <a:avLst/>
+          </a:prstGeom>
+        </p:spPr>
+        <p:txBody>
+          <a:bodyPr vert="horz" lIns="91440" tIns="45720" rIns="91440" bIns="45720" rtlCol="0"/>
+          <a:lstStyle>
+            <a:lvl1pPr algn="l">
+              <a:defRPr sz="1200"/>
+            </a:lvl1pPr>
+          </a:lstStyle>
+          <a:p>
+            <a:endParaRPr lang="en-NZ"/>
+          </a:p>
+        </p:txBody>
+      </p:sp>
+      <p:sp>
+        <p:nvSpPr>
+          <p:cNvPr id="3" name="Date Placeholder 2"/>
+          <p:cNvSpPr>
+            <a:spLocks noGrp="1"/>
+          </p:cNvSpPr>
+          <p:nvPr>
+            <p:ph type="dt" idx="1"/>
+          </p:nvPr>
+        </p:nvSpPr>
+        <p:spPr>
+          <a:xfrm>
+            <a:off x="3884613" y="0"/>
+            <a:ext cx="2971800" cy="458788"/>
+          </a:xfrm>
+          <a:prstGeom prst="rect">
+            <a:avLst/>
+          </a:prstGeom>
+        </p:spPr>
+        <p:txBody>
+          <a:bodyPr vert="horz" lIns="91440" tIns="45720" rIns="91440" bIns="45720" rtlCol="0"/>
+          <a:lstStyle>
+            <a:lvl1pPr algn="r">
+              <a:defRPr sz="1200"/>
+            </a:lvl1pPr>
+          </a:lstStyle>
+          <a:p>
+            <a:fld id="{8FFD2A50-7091-4193-8C3C-3921B5D9B73E}" type="datetimeFigureOut">
+              <a:rPr lang="en-NZ" smtClean="0"/>
+              <a:t>7/04/2019</a:t>
+            </a:fld>
+            <a:endParaRPr lang="en-NZ"/>
+          </a:p>
+        </p:txBody>
+      </p:sp>
+      <p:sp>
+        <p:nvSpPr>
+          <p:cNvPr id="4" name="Slide Image Placeholder 3"/>
+          <p:cNvSpPr>
+            <a:spLocks noGrp="1" noRot="1" noChangeAspect="1"/>
+          </p:cNvSpPr>
+          <p:nvPr>
+            <p:ph type="sldImg" idx="2"/>
+          </p:nvPr>
+        </p:nvSpPr>
+        <p:spPr>
+          <a:xfrm>
+            <a:off x="685800" y="1143000"/>
+            <a:ext cx="5486400" cy="3086100"/>
+          </a:xfrm>
+          <a:prstGeom prst="rect">
+            <a:avLst/>
+          </a:prstGeom>
+          <a:noFill/>
+          <a:ln w="12700">
+            <a:solidFill>
+              <a:prstClr val="black"/>
+            </a:solidFill>
+          </a:ln>
+        </p:spPr>
+        <p:txBody>
+          <a:bodyPr vert="horz" lIns="91440" tIns="45720" rIns="91440" bIns="45720" rtlCol="0" anchor="ctr"/>
+          <a:lstStyle/>
+          <a:p>
+            <a:endParaRPr lang="en-NZ"/>
+          </a:p>
+        </p:txBody>
+      </p:sp>
+      <p:sp>
+        <p:nvSpPr>
+          <p:cNvPr id="5" name="Notes Placeholder 4"/>
+          <p:cNvSpPr>
+            <a:spLocks noGrp="1"/>
+          </p:cNvSpPr>
+          <p:nvPr>
+            <p:ph type="body" sz="quarter" idx="3"/>
+          </p:nvPr>
+        </p:nvSpPr>
+        <p:spPr>
+          <a:xfrm>
+            <a:off x="685800" y="4400550"/>
+            <a:ext cx="5486400" cy="3600450"/>
+          </a:xfrm>
+          <a:prstGeom prst="rect">
+            <a:avLst/>
+          </a:prstGeom>
+        </p:spPr>
+        <p:txBody>
+          <a:bodyPr vert="horz" lIns="91440" tIns="45720" rIns="91440" bIns="45720" rtlCol="0"/>
+          <a:lstStyle/>
+          <a:p>
+            <a:pPr lvl="0"/>
+            <a:r>
+              <a:rPr lang="en-US"/>
+              <a:t>Click to edit Master text styles</a:t>
+            </a:r>
+          </a:p>
+          <a:p>
+            <a:pPr lvl="1"/>
+            <a:r>
+              <a:rPr lang="en-US"/>
+              <a:t>Second level</a:t>
+            </a:r>
+          </a:p>
+          <a:p>
+            <a:pPr lvl="2"/>
+            <a:r>
+              <a:rPr lang="en-US"/>
+              <a:t>Third level</a:t>
+            </a:r>
+          </a:p>
+          <a:p>
+            <a:pPr lvl="3"/>
+            <a:r>
+              <a:rPr lang="en-US"/>
+              <a:t>Fourth level</a:t>
+            </a:r>
+          </a:p>
+          <a:p>
+            <a:pPr lvl="4"/>
+            <a:r>
+              <a:rPr lang="en-US"/>
+              <a:t>Fifth level</a:t>
+            </a:r>
+            <a:endParaRPr lang="en-NZ"/>
+          </a:p>
+        </p:txBody>
+      </p:sp>
+      <p:sp>
+        <p:nvSpPr>
+          <p:cNvPr id="6" name="Footer Placeholder 5"/>
+          <p:cNvSpPr>
+            <a:spLocks noGrp="1"/>
+          </p:cNvSpPr>
+          <p:nvPr>
+            <p:ph type="ftr" sz="quarter" idx="4"/>
+          </p:nvPr>
+        </p:nvSpPr>
+        <p:spPr>
+          <a:xfrm>
+            <a:off x="0" y="8685213"/>
+            <a:ext cx="2971800" cy="458787"/>
+          </a:xfrm>
+          <a:prstGeom prst="rect">
+            <a:avLst/>
+          </a:prstGeom>
+        </p:spPr>
+        <p:txBody>
+          <a:bodyPr vert="horz" lIns="91440" tIns="45720" rIns="91440" bIns="45720" rtlCol="0" anchor="b"/>
+          <a:lstStyle>
+            <a:lvl1pPr algn="l">
+              <a:defRPr sz="1200"/>
+            </a:lvl1pPr>
+          </a:lstStyle>
+          <a:p>
+            <a:endParaRPr lang="en-NZ"/>
+          </a:p>
+        </p:txBody>
+      </p:sp>
+      <p:sp>
+        <p:nvSpPr>
+          <p:cNvPr id="7" name="Slide Number Placeholder 6"/>
+          <p:cNvSpPr>
+            <a:spLocks noGrp="1"/>
+          </p:cNvSpPr>
+          <p:nvPr>
+            <p:ph type="sldNum" sz="quarter" idx="5"/>
+          </p:nvPr>
+        </p:nvSpPr>
+        <p:spPr>
+          <a:xfrm>
+            <a:off x="3884613" y="8685213"/>
+            <a:ext cx="2971800" cy="458787"/>
+          </a:xfrm>
+          <a:prstGeom prst="rect">
+            <a:avLst/>
+          </a:prstGeom>
+        </p:spPr>
+        <p:txBody>
+          <a:bodyPr vert="horz" lIns="91440" tIns="45720" rIns="91440" bIns="45720" rtlCol="0" anchor="b"/>
+          <a:lstStyle>
+            <a:lvl1pPr algn="r">
+              <a:defRPr sz="1200"/>
+            </a:lvl1pPr>
+          </a:lstStyle>
+          <a:p>
+            <a:fld id="{FF039B92-CB35-4871-A2B0-1DBF755A2715}" type="slidenum">
+              <a:rPr lang="en-NZ" smtClean="0"/>
+              <a:t>‹#›</a:t>
+            </a:fld>
+            <a:endParaRPr lang="en-NZ"/>
+          </a:p>
+        </p:txBody>
+      </p:sp>
+    </p:spTree>
+    <p:extLst>
+      <p:ext uri="{BB962C8B-B14F-4D97-AF65-F5344CB8AC3E}">
+        <p14:creationId xmlns:p14="http://schemas.microsoft.com/office/powerpoint/2010/main" val="3866375718"/>
+      </p:ext>
+    </p:extLst>
+  </p:cSld>
+  <p:clrMap bg1="lt1" tx1="dk1" bg2="lt2" tx2="dk2" accent1="accent1" accent2="accent2" accent3="accent3" accent4="accent4" accent5="accent5" accent6="accent6" hlink="hlink" folHlink="folHlink"/>
+  <p:notesStyle>
+    <a:lvl1pPr marL="0" algn="l" defTabSz="914400" rtl="0" eaLnBrk="1" latinLnBrk="0" hangingPunct="1">
+      <a:defRPr sz="1200" kern="1200">
+        <a:solidFill>
+          <a:schemeClr val="tx1"/>
+        </a:solidFill>
+        <a:latin typeface="+mn-lt"/>
+        <a:ea typeface="+mn-ea"/>
+        <a:cs typeface="+mn-cs"/>
+      </a:defRPr>
+    </a:lvl1pPr>
+    <a:lvl2pPr marL="457200" algn="l" defTabSz="914400" rtl="0" eaLnBrk="1" latinLnBrk="0" hangingPunct="1">
+      <a:defRPr sz="1200" kern="1200">
+        <a:solidFill>
+          <a:schemeClr val="tx1"/>
+        </a:solidFill>
+        <a:latin typeface="+mn-lt"/>
+        <a:ea typeface="+mn-ea"/>
+        <a:cs typeface="+mn-cs"/>
+      </a:defRPr>
+    </a:lvl2pPr>
+    <a:lvl3pPr marL="914400" algn="l" defTabSz="914400" rtl="0" eaLnBrk="1" latinLnBrk="0" hangingPunct="1">
+      <a:defRPr sz="1200" kern="1200">
+        <a:solidFill>
+          <a:schemeClr val="tx1"/>
+        </a:solidFill>
+        <a:latin typeface="+mn-lt"/>
+        <a:ea typeface="+mn-ea"/>
+        <a:cs typeface="+mn-cs"/>
+      </a:defRPr>
+    </a:lvl3pPr>
+    <a:lvl4pPr marL="1371600" algn="l" defTabSz="914400" rtl="0" eaLnBrk="1" latinLnBrk="0" hangingPunct="1">
+      <a:defRPr sz="1200" kern="1200">
+        <a:solidFill>
+          <a:schemeClr val="tx1"/>
+        </a:solidFill>
+        <a:latin typeface="+mn-lt"/>
+        <a:ea typeface="+mn-ea"/>
+        <a:cs typeface="+mn-cs"/>
+      </a:defRPr>
+    </a:lvl4pPr>
+    <a:lvl5pPr marL="1828800" algn="l" defTabSz="914400" rtl="0" eaLnBrk="1" latinLnBrk="0" hangingPunct="1">
+      <a:defRPr sz="1200" kern="1200">
+        <a:solidFill>
+          <a:schemeClr val="tx1"/>
+        </a:solidFill>
+        <a:latin typeface="+mn-lt"/>
+        <a:ea typeface="+mn-ea"/>
+        <a:cs typeface="+mn-cs"/>
+      </a:defRPr>
+    </a:lvl5pPr>
+    <a:lvl6pPr marL="2286000" algn="l" defTabSz="914400" rtl="0" eaLnBrk="1" latinLnBrk="0" hangingPunct="1">
+      <a:defRPr sz="1200" kern="1200">
+        <a:solidFill>
+          <a:schemeClr val="tx1"/>
+        </a:solidFill>
+        <a:latin typeface="+mn-lt"/>
+        <a:ea typeface="+mn-ea"/>
+        <a:cs typeface="+mn-cs"/>
+      </a:defRPr>
+    </a:lvl6pPr>
+    <a:lvl7pPr marL="2743200" algn="l" defTabSz="914400" rtl="0" eaLnBrk="1" latinLnBrk="0" hangingPunct="1">
+      <a:defRPr sz="1200" kern="1200">
+        <a:solidFill>
+          <a:schemeClr val="tx1"/>
+        </a:solidFill>
+        <a:latin typeface="+mn-lt"/>
+        <a:ea typeface="+mn-ea"/>
+        <a:cs typeface="+mn-cs"/>
+      </a:defRPr>
+    </a:lvl7pPr>
+    <a:lvl8pPr marL="3200400" algn="l" defTabSz="914400" rtl="0" eaLnBrk="1" latinLnBrk="0" hangingPunct="1">
+      <a:defRPr sz="1200" kern="1200">
+        <a:solidFill>
+          <a:schemeClr val="tx1"/>
+        </a:solidFill>
+        <a:latin typeface="+mn-lt"/>
+        <a:ea typeface="+mn-ea"/>
+        <a:cs typeface="+mn-cs"/>
+      </a:defRPr>
+    </a:lvl8pPr>
+    <a:lvl9pPr marL="3657600" algn="l" defTabSz="914400" rtl="0" eaLnBrk="1" latinLnBrk="0" hangingPunct="1">
+      <a:defRPr sz="1200" kern="1200">
+        <a:solidFill>
+          <a:schemeClr val="tx1"/>
+        </a:solidFill>
+        <a:latin typeface="+mn-lt"/>
+        <a:ea typeface="+mn-ea"/>
+        <a:cs typeface="+mn-cs"/>
+      </a:defRPr>
+    </a:lvl9pPr>
+  </p:notesStyle>
+</p:notesMaster>
+</file>
+
+<file path=ppt/notesSlides/notesSlide1.xml><?xml version="1.0" encoding="utf-8"?>
+<p:notes xmlns:a="http://schemas.openxmlformats.org/drawingml/2006/main" xmlns:r="http://schemas.openxmlformats.org/officeDocument/2006/relationships" xmlns:p="http://schemas.openxmlformats.org/presentationml/2006/main">
+  <p:cSld>
+    <p:spTree>
+      <p:nvGrpSpPr>
+        <p:cNvPr id="1" name=""/>
+        <p:cNvGrpSpPr/>
+        <p:nvPr/>
+      </p:nvGrpSpPr>
+      <p:grpSpPr>
+        <a:xfrm>
+          <a:off x="0" y="0"/>
+          <a:ext cx="0" cy="0"/>
+          <a:chOff x="0" y="0"/>
+          <a:chExt cx="0" cy="0"/>
+        </a:xfrm>
+      </p:grpSpPr>
+      <p:sp>
+        <p:nvSpPr>
+          <p:cNvPr id="2" name="Slide Image Placeholder 1"/>
+          <p:cNvSpPr>
+            <a:spLocks noGrp="1" noRot="1" noChangeAspect="1"/>
+          </p:cNvSpPr>
+          <p:nvPr>
+            <p:ph type="sldImg"/>
+          </p:nvPr>
+        </p:nvSpPr>
+        <p:spPr/>
+      </p:sp>
+      <p:sp>
+        <p:nvSpPr>
+          <p:cNvPr id="3" name="Notes Placeholder 2"/>
+          <p:cNvSpPr>
+            <a:spLocks noGrp="1"/>
+          </p:cNvSpPr>
+          <p:nvPr>
+            <p:ph type="body" idx="1"/>
+          </p:nvPr>
+        </p:nvSpPr>
+        <p:spPr/>
+        <p:txBody>
+          <a:bodyPr/>
+          <a:lstStyle/>
+          <a:p>
+            <a:pPr marL="0" marR="0" lvl="0" indent="0" algn="l" defTabSz="914400" rtl="0" eaLnBrk="1" fontAlgn="auto" latinLnBrk="0" hangingPunct="1">
+              <a:lnSpc>
+                <a:spcPct val="100000"/>
+              </a:lnSpc>
+              <a:spcBef>
+                <a:spcPts val="0"/>
+              </a:spcBef>
+              <a:spcAft>
+                <a:spcPts val="0"/>
+              </a:spcAft>
+              <a:buClrTx/>
+              <a:buSzTx/>
+              <a:buFontTx/>
+              <a:buNone/>
+              <a:tabLst/>
+              <a:defRPr/>
+            </a:pPr>
+            <a:r>
+              <a:rPr lang="en-US" sz="1200" kern="1200" dirty="0">
+                <a:solidFill>
+                  <a:srgbClr val="000000"/>
+                </a:solidFill>
+                <a:latin typeface="+mn-lt"/>
+                <a:ea typeface="+mn-ea"/>
+                <a:cs typeface="+mn-cs"/>
+              </a:rPr>
+              <a:t>Our solution aims to motivate airline companies to reduce their carbon emissions</a:t>
+            </a:r>
+          </a:p>
+          <a:p>
+            <a:endParaRPr lang="en-NZ" dirty="0"/>
+          </a:p>
+        </p:txBody>
+      </p:sp>
+      <p:sp>
+        <p:nvSpPr>
+          <p:cNvPr id="4" name="Slide Number Placeholder 3"/>
+          <p:cNvSpPr>
+            <a:spLocks noGrp="1"/>
+          </p:cNvSpPr>
+          <p:nvPr>
+            <p:ph type="sldNum" sz="quarter" idx="5"/>
+          </p:nvPr>
+        </p:nvSpPr>
+        <p:spPr/>
+        <p:txBody>
+          <a:bodyPr/>
+          <a:lstStyle/>
+          <a:p>
+            <a:fld id="{FF039B92-CB35-4871-A2B0-1DBF755A2715}" type="slidenum">
+              <a:rPr lang="en-NZ" smtClean="0"/>
+              <a:t>2</a:t>
+            </a:fld>
+            <a:endParaRPr lang="en-NZ"/>
+          </a:p>
+        </p:txBody>
+      </p:sp>
+    </p:spTree>
+    <p:extLst>
+      <p:ext uri="{BB962C8B-B14F-4D97-AF65-F5344CB8AC3E}">
+        <p14:creationId xmlns:p14="http://schemas.microsoft.com/office/powerpoint/2010/main" val="1607104572"/>
+      </p:ext>
+    </p:extLst>
+  </p:cSld>
+  <p:clrMapOvr>
+    <a:masterClrMapping/>
+  </p:clrMapOvr>
+</p:notes>
+</file>
+
+<file path=ppt/notesSlides/notesSlide2.xml><?xml version="1.0" encoding="utf-8"?>
+<p:notes xmlns:a="http://schemas.openxmlformats.org/drawingml/2006/main" xmlns:r="http://schemas.openxmlformats.org/officeDocument/2006/relationships" xmlns:p="http://schemas.openxmlformats.org/presentationml/2006/main">
+  <p:cSld>
+    <p:spTree>
+      <p:nvGrpSpPr>
+        <p:cNvPr id="1" name=""/>
+        <p:cNvGrpSpPr/>
+        <p:nvPr/>
+      </p:nvGrpSpPr>
+      <p:grpSpPr>
+        <a:xfrm>
+          <a:off x="0" y="0"/>
+          <a:ext cx="0" cy="0"/>
+          <a:chOff x="0" y="0"/>
+          <a:chExt cx="0" cy="0"/>
+        </a:xfrm>
+      </p:grpSpPr>
+      <p:sp>
+        <p:nvSpPr>
+          <p:cNvPr id="2" name="Slide Image Placeholder 1"/>
+          <p:cNvSpPr>
+            <a:spLocks noGrp="1" noRot="1" noChangeAspect="1"/>
+          </p:cNvSpPr>
+          <p:nvPr>
+            <p:ph type="sldImg"/>
+          </p:nvPr>
+        </p:nvSpPr>
+        <p:spPr/>
+      </p:sp>
+      <p:sp>
+        <p:nvSpPr>
+          <p:cNvPr id="3" name="Notes Placeholder 2"/>
+          <p:cNvSpPr>
+            <a:spLocks noGrp="1"/>
+          </p:cNvSpPr>
+          <p:nvPr>
+            <p:ph type="body" idx="1"/>
+          </p:nvPr>
+        </p:nvSpPr>
+        <p:spPr/>
+        <p:txBody>
+          <a:bodyPr/>
+          <a:lstStyle/>
+          <a:p>
+            <a:pPr marL="0" marR="0" lvl="0" indent="0" algn="l" defTabSz="914400" rtl="0" eaLnBrk="1" fontAlgn="auto" latinLnBrk="0" hangingPunct="1">
+              <a:lnSpc>
+                <a:spcPct val="100000"/>
+              </a:lnSpc>
+              <a:spcBef>
+                <a:spcPts val="0"/>
+              </a:spcBef>
+              <a:spcAft>
+                <a:spcPts val="0"/>
+              </a:spcAft>
+              <a:buClrTx/>
+              <a:buSzTx/>
+              <a:buFontTx/>
+              <a:buNone/>
+              <a:tabLst/>
+              <a:defRPr/>
+            </a:pPr>
+            <a:r>
+              <a:rPr lang="en-US" sz="1200" kern="1200" dirty="0" err="1">
+                <a:solidFill>
+                  <a:srgbClr val="000000"/>
+                </a:solidFill>
+                <a:latin typeface="+mn-lt"/>
+                <a:ea typeface="+mn-ea"/>
+                <a:cs typeface="+mn-cs"/>
+              </a:rPr>
+              <a:t>Lact</a:t>
+            </a:r>
+            <a:r>
+              <a:rPr lang="en-US" sz="1200" kern="1200" dirty="0">
+                <a:solidFill>
+                  <a:srgbClr val="000000"/>
+                </a:solidFill>
+                <a:latin typeface="+mn-lt"/>
+                <a:ea typeface="+mn-ea"/>
+                <a:cs typeface="+mn-cs"/>
+              </a:rPr>
+              <a:t> of real time insights for consumers and airlines</a:t>
+            </a:r>
+          </a:p>
+          <a:p>
+            <a:pPr marL="0" marR="0" lvl="0" indent="0" algn="l" defTabSz="914400" rtl="0" eaLnBrk="1" fontAlgn="auto" latinLnBrk="0" hangingPunct="1">
+              <a:lnSpc>
+                <a:spcPct val="100000"/>
+              </a:lnSpc>
+              <a:spcBef>
+                <a:spcPts val="0"/>
+              </a:spcBef>
+              <a:spcAft>
+                <a:spcPts val="0"/>
+              </a:spcAft>
+              <a:buClrTx/>
+              <a:buSzTx/>
+              <a:buFontTx/>
+              <a:buNone/>
+              <a:tabLst/>
+              <a:defRPr/>
+            </a:pPr>
+            <a:r>
+              <a:rPr lang="en-US" sz="1200" kern="1200" dirty="0">
+                <a:solidFill>
+                  <a:srgbClr val="000000"/>
+                </a:solidFill>
+                <a:latin typeface="+mn-lt"/>
+                <a:ea typeface="+mn-ea"/>
+                <a:cs typeface="+mn-cs"/>
+              </a:rPr>
+              <a:t>Airlines account for 2% of global CO</a:t>
+            </a:r>
+            <a:r>
+              <a:rPr lang="en-US" sz="1200" kern="1200" baseline="-25000" dirty="0">
+                <a:solidFill>
+                  <a:srgbClr val="000000"/>
+                </a:solidFill>
+                <a:latin typeface="+mn-lt"/>
+                <a:ea typeface="+mn-ea"/>
+                <a:cs typeface="+mn-cs"/>
+              </a:rPr>
+              <a:t>2</a:t>
+            </a:r>
+            <a:r>
+              <a:rPr lang="en-US" sz="1200" kern="1200" dirty="0">
+                <a:solidFill>
+                  <a:srgbClr val="000000"/>
+                </a:solidFill>
+                <a:latin typeface="+mn-lt"/>
+                <a:ea typeface="+mn-ea"/>
+                <a:cs typeface="+mn-cs"/>
+              </a:rPr>
+              <a:t> emissions. </a:t>
+            </a:r>
+          </a:p>
+          <a:p>
+            <a:pPr marL="0" marR="0" lvl="0" indent="0" algn="l" defTabSz="914400" rtl="0" eaLnBrk="1" fontAlgn="auto" latinLnBrk="0" hangingPunct="1">
+              <a:lnSpc>
+                <a:spcPct val="100000"/>
+              </a:lnSpc>
+              <a:spcBef>
+                <a:spcPts val="0"/>
+              </a:spcBef>
+              <a:spcAft>
+                <a:spcPts val="0"/>
+              </a:spcAft>
+              <a:buClrTx/>
+              <a:buSzTx/>
+              <a:buFontTx/>
+              <a:buNone/>
+              <a:tabLst/>
+              <a:defRPr/>
+            </a:pPr>
+            <a:r>
+              <a:rPr lang="en-US" sz="1200" kern="1200" dirty="0">
+                <a:solidFill>
+                  <a:srgbClr val="000000"/>
+                </a:solidFill>
+                <a:latin typeface="+mn-lt"/>
+                <a:ea typeface="+mn-ea"/>
+                <a:cs typeface="+mn-cs"/>
+              </a:rPr>
+              <a:t>Companies wishing to reduce their impact have significant wait times for reports resulting in slow action. </a:t>
+            </a:r>
+          </a:p>
+          <a:p>
+            <a:endParaRPr lang="en-NZ" dirty="0"/>
+          </a:p>
+        </p:txBody>
+      </p:sp>
+      <p:sp>
+        <p:nvSpPr>
+          <p:cNvPr id="4" name="Slide Number Placeholder 3"/>
+          <p:cNvSpPr>
+            <a:spLocks noGrp="1"/>
+          </p:cNvSpPr>
+          <p:nvPr>
+            <p:ph type="sldNum" sz="quarter" idx="5"/>
+          </p:nvPr>
+        </p:nvSpPr>
+        <p:spPr/>
+        <p:txBody>
+          <a:bodyPr/>
+          <a:lstStyle/>
+          <a:p>
+            <a:fld id="{FF039B92-CB35-4871-A2B0-1DBF755A2715}" type="slidenum">
+              <a:rPr lang="en-NZ" smtClean="0"/>
+              <a:t>3</a:t>
+            </a:fld>
+            <a:endParaRPr lang="en-NZ"/>
+          </a:p>
+        </p:txBody>
+      </p:sp>
+    </p:spTree>
+    <p:extLst>
+      <p:ext uri="{BB962C8B-B14F-4D97-AF65-F5344CB8AC3E}">
+        <p14:creationId xmlns:p14="http://schemas.microsoft.com/office/powerpoint/2010/main" val="4023955947"/>
+      </p:ext>
+    </p:extLst>
+  </p:cSld>
+  <p:clrMapOvr>
+    <a:masterClrMapping/>
+  </p:clrMapOvr>
+</p:notes>
+</file>
+
+<file path=ppt/notesSlides/notesSlide3.xml><?xml version="1.0" encoding="utf-8"?>
+<p:notes xmlns:a="http://schemas.openxmlformats.org/drawingml/2006/main" xmlns:r="http://schemas.openxmlformats.org/officeDocument/2006/relationships" xmlns:p="http://schemas.openxmlformats.org/presentationml/2006/main">
+  <p:cSld>
+    <p:spTree>
+      <p:nvGrpSpPr>
+        <p:cNvPr id="1" name=""/>
+        <p:cNvGrpSpPr/>
+        <p:nvPr/>
+      </p:nvGrpSpPr>
+      <p:grpSpPr>
+        <a:xfrm>
+          <a:off x="0" y="0"/>
+          <a:ext cx="0" cy="0"/>
+          <a:chOff x="0" y="0"/>
+          <a:chExt cx="0" cy="0"/>
+        </a:xfrm>
+      </p:grpSpPr>
+      <p:sp>
+        <p:nvSpPr>
+          <p:cNvPr id="2" name="Slide Image Placeholder 1"/>
+          <p:cNvSpPr>
+            <a:spLocks noGrp="1" noRot="1" noChangeAspect="1"/>
+          </p:cNvSpPr>
+          <p:nvPr>
+            <p:ph type="sldImg"/>
+          </p:nvPr>
+        </p:nvSpPr>
+        <p:spPr/>
+      </p:sp>
+      <p:sp>
+        <p:nvSpPr>
+          <p:cNvPr id="3" name="Notes Placeholder 2"/>
+          <p:cNvSpPr>
+            <a:spLocks noGrp="1"/>
+          </p:cNvSpPr>
+          <p:nvPr>
+            <p:ph type="body" idx="1"/>
+          </p:nvPr>
+        </p:nvSpPr>
+        <p:spPr/>
+        <p:txBody>
+          <a:bodyPr/>
+          <a:lstStyle/>
+          <a:p>
+            <a:pPr marL="0" marR="0" lvl="0" indent="0" algn="l" defTabSz="914400" rtl="0" eaLnBrk="1" fontAlgn="auto" latinLnBrk="0" hangingPunct="1">
+              <a:lnSpc>
+                <a:spcPct val="100000"/>
+              </a:lnSpc>
+              <a:spcBef>
+                <a:spcPts val="0"/>
+              </a:spcBef>
+              <a:spcAft>
+                <a:spcPts val="0"/>
+              </a:spcAft>
+              <a:buClrTx/>
+              <a:buSzTx/>
+              <a:buFontTx/>
+              <a:buNone/>
+              <a:tabLst/>
+              <a:defRPr/>
+            </a:pPr>
+            <a:r>
+              <a:rPr lang="en-US" sz="1200" dirty="0">
+                <a:solidFill>
+                  <a:srgbClr val="000000"/>
+                </a:solidFill>
+                <a:latin typeface="+mn-lt"/>
+                <a:cs typeface="+mn-cs"/>
+              </a:rPr>
+              <a:t>Consumers can easily choose flights with the smallest amount of carbon emissions</a:t>
+            </a:r>
+          </a:p>
+          <a:p>
+            <a:endParaRPr lang="en-NZ" dirty="0"/>
+          </a:p>
+        </p:txBody>
+      </p:sp>
+      <p:sp>
+        <p:nvSpPr>
+          <p:cNvPr id="4" name="Slide Number Placeholder 3"/>
+          <p:cNvSpPr>
+            <a:spLocks noGrp="1"/>
+          </p:cNvSpPr>
+          <p:nvPr>
+            <p:ph type="sldNum" sz="quarter" idx="5"/>
+          </p:nvPr>
+        </p:nvSpPr>
+        <p:spPr/>
+        <p:txBody>
+          <a:bodyPr/>
+          <a:lstStyle/>
+          <a:p>
+            <a:fld id="{FF039B92-CB35-4871-A2B0-1DBF755A2715}" type="slidenum">
+              <a:rPr lang="en-NZ" smtClean="0"/>
+              <a:t>4</a:t>
+            </a:fld>
+            <a:endParaRPr lang="en-NZ"/>
+          </a:p>
+        </p:txBody>
+      </p:sp>
+    </p:spTree>
+    <p:extLst>
+      <p:ext uri="{BB962C8B-B14F-4D97-AF65-F5344CB8AC3E}">
+        <p14:creationId xmlns:p14="http://schemas.microsoft.com/office/powerpoint/2010/main" val="2524190942"/>
+      </p:ext>
+    </p:extLst>
+  </p:cSld>
+  <p:clrMapOvr>
+    <a:masterClrMapping/>
+  </p:clrMapOvr>
+</p:notes>
+</file>
+
+<file path=ppt/notesSlides/notesSlide4.xml><?xml version="1.0" encoding="utf-8"?>
+<p:notes xmlns:a="http://schemas.openxmlformats.org/drawingml/2006/main" xmlns:r="http://schemas.openxmlformats.org/officeDocument/2006/relationships" xmlns:p="http://schemas.openxmlformats.org/presentationml/2006/main">
+  <p:cSld>
+    <p:spTree>
+      <p:nvGrpSpPr>
+        <p:cNvPr id="1" name=""/>
+        <p:cNvGrpSpPr/>
+        <p:nvPr/>
+      </p:nvGrpSpPr>
+      <p:grpSpPr>
+        <a:xfrm>
+          <a:off x="0" y="0"/>
+          <a:ext cx="0" cy="0"/>
+          <a:chOff x="0" y="0"/>
+          <a:chExt cx="0" cy="0"/>
+        </a:xfrm>
+      </p:grpSpPr>
+      <p:sp>
+        <p:nvSpPr>
+          <p:cNvPr id="2" name="Slide Image Placeholder 1"/>
+          <p:cNvSpPr>
+            <a:spLocks noGrp="1" noRot="1" noChangeAspect="1"/>
+          </p:cNvSpPr>
+          <p:nvPr>
+            <p:ph type="sldImg"/>
+          </p:nvPr>
+        </p:nvSpPr>
+        <p:spPr/>
+      </p:sp>
+      <p:sp>
+        <p:nvSpPr>
+          <p:cNvPr id="3" name="Notes Placeholder 2"/>
+          <p:cNvSpPr>
+            <a:spLocks noGrp="1"/>
+          </p:cNvSpPr>
+          <p:nvPr>
+            <p:ph type="body" idx="1"/>
+          </p:nvPr>
+        </p:nvSpPr>
+        <p:spPr/>
+        <p:txBody>
+          <a:bodyPr/>
+          <a:lstStyle/>
+          <a:p>
+            <a:pPr fontAlgn="base"/>
+            <a:r>
+              <a:rPr lang="en-NZ" dirty="0"/>
+              <a:t>Consumers are currently able to calculate the carbon emissions of a flight given start and end destination. However, this does not take into account the different aircraft and practices of different airlines. Our consumer facing solution will incorporate these differences to show the best flights.</a:t>
+            </a:r>
+          </a:p>
+          <a:p>
+            <a:pPr fontAlgn="base"/>
+            <a:r>
+              <a:rPr lang="en-NZ" dirty="0"/>
+              <a:t>The main value for companies comes from real-time evaluation of their emissions and practices.</a:t>
+            </a:r>
+          </a:p>
+          <a:p>
+            <a:r>
+              <a:rPr lang="en-NZ" dirty="0"/>
+              <a:t>We require partnerships with flight aggregators, such as Expedia and Skyscanner, to display our metrics in their search results. Our hypothesis is that a “green tick” on a flight may encourage consumers to finalise purchases faster. </a:t>
+            </a:r>
+          </a:p>
+          <a:p>
+            <a:r>
+              <a:rPr lang="en-NZ" dirty="0"/>
+              <a:t>Our only cost is the cost of labour in building our solution. We do not rely on any hardware. However, we may want to purchase access to other datasets for ongoing, accurate results. </a:t>
+            </a:r>
+          </a:p>
+          <a:p>
+            <a:endParaRPr lang="en-NZ" dirty="0"/>
+          </a:p>
+        </p:txBody>
+      </p:sp>
+      <p:sp>
+        <p:nvSpPr>
+          <p:cNvPr id="4" name="Slide Number Placeholder 3"/>
+          <p:cNvSpPr>
+            <a:spLocks noGrp="1"/>
+          </p:cNvSpPr>
+          <p:nvPr>
+            <p:ph type="sldNum" sz="quarter" idx="5"/>
+          </p:nvPr>
+        </p:nvSpPr>
+        <p:spPr/>
+        <p:txBody>
+          <a:bodyPr/>
+          <a:lstStyle/>
+          <a:p>
+            <a:fld id="{FF039B92-CB35-4871-A2B0-1DBF755A2715}" type="slidenum">
+              <a:rPr lang="en-NZ" smtClean="0"/>
+              <a:t>5</a:t>
+            </a:fld>
+            <a:endParaRPr lang="en-NZ"/>
+          </a:p>
+        </p:txBody>
+      </p:sp>
+    </p:spTree>
+    <p:extLst>
+      <p:ext uri="{BB962C8B-B14F-4D97-AF65-F5344CB8AC3E}">
+        <p14:creationId xmlns:p14="http://schemas.microsoft.com/office/powerpoint/2010/main" val="134026295"/>
+      </p:ext>
+    </p:extLst>
+  </p:cSld>
+  <p:clrMapOvr>
+    <a:masterClrMapping/>
+  </p:clrMapOvr>
+</p:notes>
 </file>
 
 <file path=ppt/slideLayouts/slideLayout1.xml><?xml version="1.0" encoding="utf-8"?>
@@ -2392,6 +7584,14 @@
 <file path=ppt/slides/slide1.xml><?xml version="1.0" encoding="utf-8"?>
 <p:sld xmlns:a="http://schemas.openxmlformats.org/drawingml/2006/main" xmlns:r="http://schemas.openxmlformats.org/officeDocument/2006/relationships" xmlns:p="http://schemas.openxmlformats.org/presentationml/2006/main">
   <p:cSld>
+    <p:bg>
+      <p:bgPr>
+        <a:solidFill>
+          <a:schemeClr val="bg1"/>
+        </a:solidFill>
+        <a:effectLst/>
+      </p:bgPr>
+    </p:bg>
     <p:spTree>
       <p:nvGrpSpPr>
         <p:cNvPr id="1" name=""/>
@@ -2408,6 +7608,136 @@
       </p:grpSpPr>
       <p:sp>
         <p:nvSpPr>
+          <p:cNvPr id="35" name="Rectangle 22">
+            <a:extLst>
+              <a:ext uri="{FF2B5EF4-FFF2-40B4-BE49-F238E27FC236}">
+                <a16:creationId xmlns:a16="http://schemas.microsoft.com/office/drawing/2014/main" id="{23962611-DFD5-4092-AAFD-559E3DFCE2C9}"/>
+              </a:ext>
+              <a:ext uri="{C183D7F6-B498-43B3-948B-1728B52AA6E4}">
+                <adec:decorative xmlns:adec="http://schemas.microsoft.com/office/drawing/2017/decorative" val="1"/>
+              </a:ext>
+            </a:extLst>
+          </p:cNvPr>
+          <p:cNvSpPr>
+            <a:spLocks noGrp="1" noRot="1" noChangeAspect="1" noMove="1" noResize="1" noEditPoints="1" noAdjustHandles="1" noChangeArrowheads="1" noChangeShapeType="1" noTextEdit="1"/>
+          </p:cNvSpPr>
+          <p:nvPr>
+            <p:extLst>
+              <p:ext uri="{386F3935-93C4-4BCD-93E2-E3B085C9AB24}">
+                <p16:designElem xmlns:p16="http://schemas.microsoft.com/office/powerpoint/2015/main" val="1"/>
+              </p:ext>
+            </p:extLst>
+          </p:nvPr>
+        </p:nvSpPr>
+        <p:spPr>
+          <a:xfrm>
+            <a:off x="475488" y="0"/>
+            <a:ext cx="10910292" cy="6858000"/>
+          </a:xfrm>
+          <a:prstGeom prst="rect">
+            <a:avLst/>
+          </a:prstGeom>
+          <a:gradFill>
+            <a:gsLst>
+              <a:gs pos="0">
+                <a:schemeClr val="accent1">
+                  <a:lumMod val="90000"/>
+                </a:schemeClr>
+              </a:gs>
+              <a:gs pos="25000">
+                <a:schemeClr val="accent1">
+                  <a:lumMod val="90000"/>
+                </a:schemeClr>
+              </a:gs>
+              <a:gs pos="94000">
+                <a:schemeClr val="bg2">
+                  <a:lumMod val="25000"/>
+                </a:schemeClr>
+              </a:gs>
+              <a:gs pos="100000">
+                <a:schemeClr val="bg2">
+                  <a:lumMod val="25000"/>
+                </a:schemeClr>
+              </a:gs>
+            </a:gsLst>
+            <a:lin ang="4200000" scaled="0"/>
+          </a:gradFill>
+          <a:ln>
+            <a:noFill/>
+          </a:ln>
+        </p:spPr>
+        <p:style>
+          <a:lnRef idx="2">
+            <a:schemeClr val="accent1">
+              <a:shade val="50000"/>
+            </a:schemeClr>
+          </a:lnRef>
+          <a:fillRef idx="1">
+            <a:schemeClr val="accent1"/>
+          </a:fillRef>
+          <a:effectRef idx="0">
+            <a:schemeClr val="accent1"/>
+          </a:effectRef>
+          <a:fontRef idx="minor">
+            <a:schemeClr val="lt1"/>
+          </a:fontRef>
+        </p:style>
+        <p:txBody>
+          <a:bodyPr rtlCol="0" anchor="ctr"/>
+          <a:lstStyle/>
+          <a:p>
+            <a:pPr algn="ctr"/>
+            <a:endParaRPr lang="en-US"/>
+          </a:p>
+        </p:txBody>
+      </p:sp>
+      <p:pic>
+        <p:nvPicPr>
+          <p:cNvPr id="36" name="Picture 24">
+            <a:extLst>
+              <a:ext uri="{FF2B5EF4-FFF2-40B4-BE49-F238E27FC236}">
+                <a16:creationId xmlns:a16="http://schemas.microsoft.com/office/drawing/2014/main" id="{2270F1FA-0425-408F-9861-80BF5AFB276D}"/>
+              </a:ext>
+              <a:ext uri="{C183D7F6-B498-43B3-948B-1728B52AA6E4}">
+                <adec:decorative xmlns:adec="http://schemas.microsoft.com/office/drawing/2017/decorative" val="1"/>
+              </a:ext>
+            </a:extLst>
+          </p:cNvPr>
+          <p:cNvPicPr>
+            <a:picLocks noGrp="1" noRot="1" noChangeAspect="1" noMove="1" noResize="1" noEditPoints="1" noAdjustHandles="1" noChangeArrowheads="1" noChangeShapeType="1" noCrop="1"/>
+          </p:cNvPicPr>
+          <p:nvPr>
+            <p:extLst>
+              <p:ext uri="{386F3935-93C4-4BCD-93E2-E3B085C9AB24}">
+                <p16:designElem xmlns:p16="http://schemas.microsoft.com/office/powerpoint/2015/main" val="1"/>
+              </p:ext>
+            </p:extLst>
+          </p:nvPr>
+        </p:nvPicPr>
+        <p:blipFill>
+          <a:blip r:embed="rId2">
+            <a:extLst>
+              <a:ext uri="{28A0092B-C50C-407E-A947-70E740481C1C}">
+                <a14:useLocalDpi xmlns:a14="http://schemas.microsoft.com/office/drawing/2010/main" val="0"/>
+              </a:ext>
+            </a:extLst>
+          </a:blip>
+          <a:stretch>
+            <a:fillRect/>
+          </a:stretch>
+        </p:blipFill>
+        <p:spPr>
+          <a:xfrm>
+            <a:off x="0" y="0"/>
+            <a:ext cx="12192000" cy="6858000"/>
+          </a:xfrm>
+          <a:prstGeom prst="rect">
+            <a:avLst/>
+          </a:prstGeom>
+        </p:spPr>
+      </p:pic>
+      <p:sp>
+        <p:nvSpPr>
           <p:cNvPr id="18" name="Title 17">
             <a:extLst>
               <a:ext uri="{FF2B5EF4-FFF2-40B4-BE49-F238E27FC236}">
@@ -2422,42 +7752,28 @@
             <p:ph type="ctrTitle"/>
           </p:nvPr>
         </p:nvSpPr>
-        <p:spPr/>
+        <p:spPr>
+          <a:xfrm>
+            <a:off x="3045368" y="2043663"/>
+            <a:ext cx="6105194" cy="2031055"/>
+          </a:xfrm>
+        </p:spPr>
         <p:txBody>
-          <a:bodyPr/>
+          <a:bodyPr vert="horz" lIns="91440" tIns="45720" rIns="91440" bIns="45720" rtlCol="0" anchor="b">
+            <a:normAutofit/>
+          </a:bodyPr>
           <a:lstStyle/>
           <a:p>
             <a:r>
-              <a:rPr lang="en-NZ" dirty="0"/>
-              <a:t>&lt;Idea/Solution Name&gt;</a:t>
-            </a:r>
-          </a:p>
-        </p:txBody>
-      </p:sp>
-      <p:sp>
-        <p:nvSpPr>
-          <p:cNvPr id="19" name="Subtitle 18">
-            <a:extLst>
-              <a:ext uri="{FF2B5EF4-FFF2-40B4-BE49-F238E27FC236}">
-                <a16:creationId xmlns:a16="http://schemas.microsoft.com/office/drawing/2014/main" id="{91C7FF0E-760A-4F73-8780-5767210FAA87}"/>
-              </a:ext>
-            </a:extLst>
-          </p:cNvPr>
-          <p:cNvSpPr>
-            <a:spLocks noGrp="1"/>
-          </p:cNvSpPr>
-          <p:nvPr>
-            <p:ph type="subTitle" idx="1"/>
-          </p:nvPr>
-        </p:nvSpPr>
-        <p:spPr/>
-        <p:txBody>
-          <a:bodyPr/>
-          <a:lstStyle/>
-          <a:p>
-            <a:r>
-              <a:rPr lang="en-NZ" dirty="0"/>
-              <a:t>&lt;Team Name&gt;</a:t>
+              <a:rPr lang="en-US" kern="1200">
+                <a:solidFill>
+                  <a:srgbClr val="FFFFFF"/>
+                </a:solidFill>
+                <a:latin typeface="+mj-lt"/>
+                <a:ea typeface="+mj-ea"/>
+                <a:cs typeface="+mj-cs"/>
+              </a:rPr>
+              <a:t>Flight Climate</a:t>
             </a:r>
           </a:p>
         </p:txBody>
@@ -2478,6 +7794,14 @@
 <file path=ppt/slides/slide2.xml><?xml version="1.0" encoding="utf-8"?>
 <p:sld xmlns:a="http://schemas.openxmlformats.org/drawingml/2006/main" xmlns:r="http://schemas.openxmlformats.org/officeDocument/2006/relationships" xmlns:p="http://schemas.openxmlformats.org/presentationml/2006/main">
   <p:cSld>
+    <p:bg>
+      <p:bgPr>
+        <a:solidFill>
+          <a:schemeClr val="bg1"/>
+        </a:solidFill>
+        <a:effectLst/>
+      </p:bgPr>
+    </p:bg>
     <p:spTree>
       <p:nvGrpSpPr>
         <p:cNvPr id="1" name=""/>
@@ -2494,6 +7818,180 @@
       </p:grpSpPr>
       <p:sp>
         <p:nvSpPr>
+          <p:cNvPr id="51" name="Rectangle 38">
+            <a:extLst>
+              <a:ext uri="{FF2B5EF4-FFF2-40B4-BE49-F238E27FC236}">
+                <a16:creationId xmlns:a16="http://schemas.microsoft.com/office/drawing/2014/main" id="{86197D16-FE75-4A0E-A0C9-28C0F04A43DF}"/>
+              </a:ext>
+              <a:ext uri="{C183D7F6-B498-43B3-948B-1728B52AA6E4}">
+                <adec:decorative xmlns:adec="http://schemas.microsoft.com/office/drawing/2017/decorative" val="1"/>
+              </a:ext>
+            </a:extLst>
+          </p:cNvPr>
+          <p:cNvSpPr>
+            <a:spLocks noGrp="1" noRot="1" noChangeAspect="1" noMove="1" noResize="1" noEditPoints="1" noAdjustHandles="1" noChangeArrowheads="1" noChangeShapeType="1" noTextEdit="1"/>
+          </p:cNvSpPr>
+          <p:nvPr>
+            <p:extLst>
+              <p:ext uri="{386F3935-93C4-4BCD-93E2-E3B085C9AB24}">
+                <p16:designElem xmlns:p16="http://schemas.microsoft.com/office/powerpoint/2015/main" val="1"/>
+              </p:ext>
+            </p:extLst>
+          </p:nvPr>
+        </p:nvSpPr>
+        <p:spPr>
+          <a:xfrm>
+            <a:off x="0" y="0"/>
+            <a:ext cx="12192000" cy="5570220"/>
+          </a:xfrm>
+          <a:prstGeom prst="rect">
+            <a:avLst/>
+          </a:prstGeom>
+          <a:gradFill>
+            <a:gsLst>
+              <a:gs pos="0">
+                <a:schemeClr val="accent1">
+                  <a:lumMod val="90000"/>
+                </a:schemeClr>
+              </a:gs>
+              <a:gs pos="25000">
+                <a:schemeClr val="accent1">
+                  <a:lumMod val="90000"/>
+                </a:schemeClr>
+              </a:gs>
+              <a:gs pos="94000">
+                <a:schemeClr val="bg2">
+                  <a:lumMod val="25000"/>
+                </a:schemeClr>
+              </a:gs>
+              <a:gs pos="100000">
+                <a:schemeClr val="bg2">
+                  <a:lumMod val="25000"/>
+                </a:schemeClr>
+              </a:gs>
+            </a:gsLst>
+            <a:lin ang="4200000" scaled="0"/>
+          </a:gradFill>
+          <a:ln>
+            <a:noFill/>
+          </a:ln>
+        </p:spPr>
+        <p:style>
+          <a:lnRef idx="2">
+            <a:schemeClr val="accent1">
+              <a:shade val="50000"/>
+            </a:schemeClr>
+          </a:lnRef>
+          <a:fillRef idx="1">
+            <a:schemeClr val="accent1"/>
+          </a:fillRef>
+          <a:effectRef idx="0">
+            <a:schemeClr val="accent1"/>
+          </a:effectRef>
+          <a:fontRef idx="minor">
+            <a:schemeClr val="lt1"/>
+          </a:fontRef>
+        </p:style>
+        <p:txBody>
+          <a:bodyPr rtlCol="0" anchor="ctr"/>
+          <a:lstStyle/>
+          <a:p>
+            <a:pPr algn="ctr"/>
+            <a:endParaRPr lang="en-US"/>
+          </a:p>
+        </p:txBody>
+      </p:sp>
+      <p:pic>
+        <p:nvPicPr>
+          <p:cNvPr id="52" name="Picture 40">
+            <a:extLst>
+              <a:ext uri="{FF2B5EF4-FFF2-40B4-BE49-F238E27FC236}">
+                <a16:creationId xmlns:a16="http://schemas.microsoft.com/office/drawing/2014/main" id="{FA8FCEC6-4B30-4FF2-8B32-504BEAEA3A16}"/>
+              </a:ext>
+              <a:ext uri="{C183D7F6-B498-43B3-948B-1728B52AA6E4}">
+                <adec:decorative xmlns:adec="http://schemas.microsoft.com/office/drawing/2017/decorative" val="1"/>
+              </a:ext>
+            </a:extLst>
+          </p:cNvPr>
+          <p:cNvPicPr>
+            <a:picLocks noGrp="1" noRot="1" noChangeAspect="1" noMove="1" noResize="1" noEditPoints="1" noAdjustHandles="1" noChangeArrowheads="1" noChangeShapeType="1" noCrop="1"/>
+          </p:cNvPicPr>
+          <p:nvPr>
+            <p:extLst>
+              <p:ext uri="{386F3935-93C4-4BCD-93E2-E3B085C9AB24}">
+                <p16:designElem xmlns:p16="http://schemas.microsoft.com/office/powerpoint/2015/main" val="1"/>
+              </p:ext>
+            </p:extLst>
+          </p:nvPr>
+        </p:nvPicPr>
+        <p:blipFill>
+          <a:blip r:embed="rId3">
+            <a:extLst>
+              <a:ext uri="{28A0092B-C50C-407E-A947-70E740481C1C}">
+                <a14:useLocalDpi xmlns:a14="http://schemas.microsoft.com/office/drawing/2010/main" val="0"/>
+              </a:ext>
+            </a:extLst>
+          </a:blip>
+          <a:srcRect t="45716" b="9820"/>
+          <a:stretch>
+            <a:fillRect/>
+          </a:stretch>
+        </p:blipFill>
+        <p:spPr>
+          <a:xfrm>
+            <a:off x="0" y="3808676"/>
+            <a:ext cx="12192000" cy="3049325"/>
+          </a:xfrm>
+          <a:custGeom>
+            <a:avLst/>
+            <a:gdLst>
+              <a:gd name="connsiteX0" fmla="*/ 0 w 12192000"/>
+              <a:gd name="connsiteY0" fmla="*/ 0 h 3049325"/>
+              <a:gd name="connsiteX1" fmla="*/ 12192000 w 12192000"/>
+              <a:gd name="connsiteY1" fmla="*/ 0 h 3049325"/>
+              <a:gd name="connsiteX2" fmla="*/ 12192000 w 12192000"/>
+              <a:gd name="connsiteY2" fmla="*/ 3049325 h 3049325"/>
+              <a:gd name="connsiteX3" fmla="*/ 0 w 12192000"/>
+              <a:gd name="connsiteY3" fmla="*/ 3049325 h 3049325"/>
+            </a:gdLst>
+            <a:ahLst/>
+            <a:cxnLst>
+              <a:cxn ang="0">
+                <a:pos x="connsiteX0" y="connsiteY0"/>
+              </a:cxn>
+              <a:cxn ang="0">
+                <a:pos x="connsiteX1" y="connsiteY1"/>
+              </a:cxn>
+              <a:cxn ang="0">
+                <a:pos x="connsiteX2" y="connsiteY2"/>
+              </a:cxn>
+              <a:cxn ang="0">
+                <a:pos x="connsiteX3" y="connsiteY3"/>
+              </a:cxn>
+            </a:cxnLst>
+            <a:rect l="l" t="t" r="r" b="b"/>
+            <a:pathLst>
+              <a:path w="12192000" h="3049325">
+                <a:moveTo>
+                  <a:pt x="0" y="0"/>
+                </a:moveTo>
+                <a:lnTo>
+                  <a:pt x="12192000" y="0"/>
+                </a:lnTo>
+                <a:lnTo>
+                  <a:pt x="12192000" y="3049325"/>
+                </a:lnTo>
+                <a:lnTo>
+                  <a:pt x="0" y="3049325"/>
+                </a:lnTo>
+                <a:close/>
+              </a:path>
+            </a:pathLst>
+          </a:custGeom>
+        </p:spPr>
+      </p:pic>
+      <p:sp>
+        <p:nvSpPr>
           <p:cNvPr id="5" name="Title 4">
             <a:extLst>
               <a:ext uri="{FF2B5EF4-FFF2-40B4-BE49-F238E27FC236}">
@@ -2508,16 +8006,251 @@
             <p:ph type="title"/>
           </p:nvPr>
         </p:nvSpPr>
-        <p:spPr/>
+        <p:spPr>
+          <a:xfrm>
+            <a:off x="804484" y="1191796"/>
+            <a:ext cx="10021446" cy="2976344"/>
+          </a:xfrm>
+        </p:spPr>
         <p:txBody>
-          <a:bodyPr>
-            <a:normAutofit fontScale="90000"/>
+          <a:bodyPr vert="horz" lIns="91440" tIns="45720" rIns="91440" bIns="45720" rtlCol="0" anchor="ctr">
+            <a:normAutofit/>
           </a:bodyPr>
           <a:lstStyle/>
           <a:p>
             <a:r>
-              <a:rPr lang="en-NZ" dirty="0"/>
-              <a:t>Focus Area: &lt;Insert Focus Area&gt;</a:t>
+              <a:rPr lang="en-US" sz="6600" kern="1200">
+                <a:solidFill>
+                  <a:srgbClr val="FFFFFF"/>
+                </a:solidFill>
+                <a:latin typeface="+mj-lt"/>
+                <a:ea typeface="+mj-ea"/>
+                <a:cs typeface="+mj-cs"/>
+              </a:rPr>
+              <a:t>Focus Area: AI for Earth </a:t>
+            </a:r>
+            <a:endParaRPr lang="en-US" sz="6600" kern="1200" dirty="0">
+              <a:solidFill>
+                <a:srgbClr val="FFFFFF"/>
+              </a:solidFill>
+              <a:latin typeface="+mj-lt"/>
+              <a:ea typeface="+mj-ea"/>
+              <a:cs typeface="+mj-cs"/>
+            </a:endParaRPr>
+          </a:p>
+        </p:txBody>
+      </p:sp>
+      <p:sp>
+        <p:nvSpPr>
+          <p:cNvPr id="6" name="Text Placeholder 5">
+            <a:extLst>
+              <a:ext uri="{FF2B5EF4-FFF2-40B4-BE49-F238E27FC236}">
+                <a16:creationId xmlns:a16="http://schemas.microsoft.com/office/drawing/2014/main" id="{2DB104B0-6971-4635-8A28-928A296C16A2}"/>
+              </a:ext>
+            </a:extLst>
+          </p:cNvPr>
+          <p:cNvSpPr>
+            <a:spLocks noGrp="1"/>
+          </p:cNvSpPr>
+          <p:nvPr>
+            <p:ph type="body" idx="1"/>
+          </p:nvPr>
+        </p:nvSpPr>
+        <p:spPr>
+          <a:xfrm>
+            <a:off x="804787" y="5318989"/>
+            <a:ext cx="8779159" cy="943787"/>
+          </a:xfrm>
+        </p:spPr>
+        <p:txBody>
+          <a:bodyPr vert="horz" lIns="91440" tIns="45720" rIns="91440" bIns="45720" rtlCol="0" anchor="t">
+            <a:normAutofit/>
+          </a:bodyPr>
+          <a:lstStyle/>
+          <a:p>
+            <a:r>
+              <a:rPr lang="en-US" sz="2800" kern="1200" dirty="0">
+                <a:solidFill>
+                  <a:srgbClr val="000000"/>
+                </a:solidFill>
+                <a:latin typeface="+mn-lt"/>
+                <a:ea typeface="+mn-ea"/>
+                <a:cs typeface="+mn-cs"/>
+              </a:rPr>
+              <a:t>Motivate airlines to reduce their carbon emissions</a:t>
+            </a:r>
+          </a:p>
+        </p:txBody>
+      </p:sp>
+    </p:spTree>
+    <p:extLst>
+      <p:ext uri="{BB962C8B-B14F-4D97-AF65-F5344CB8AC3E}">
+        <p14:creationId xmlns:p14="http://schemas.microsoft.com/office/powerpoint/2010/main" val="3810012476"/>
+      </p:ext>
+    </p:extLst>
+  </p:cSld>
+  <p:clrMapOvr>
+    <a:masterClrMapping/>
+  </p:clrMapOvr>
+</p:sld>
+</file>
+
+<file path=ppt/slides/slide3.xml><?xml version="1.0" encoding="utf-8"?>
+<p:sld xmlns:a="http://schemas.openxmlformats.org/drawingml/2006/main" xmlns:r="http://schemas.openxmlformats.org/officeDocument/2006/relationships" xmlns:p="http://schemas.openxmlformats.org/presentationml/2006/main">
+  <p:cSld>
+    <p:bg>
+      <p:bgPr>
+        <a:solidFill>
+          <a:schemeClr val="bg1"/>
+        </a:solidFill>
+        <a:effectLst/>
+      </p:bgPr>
+    </p:bg>
+    <p:spTree>
+      <p:nvGrpSpPr>
+        <p:cNvPr id="1" name=""/>
+        <p:cNvGrpSpPr/>
+        <p:nvPr/>
+      </p:nvGrpSpPr>
+      <p:grpSpPr>
+        <a:xfrm>
+          <a:off x="0" y="0"/>
+          <a:ext cx="0" cy="0"/>
+          <a:chOff x="0" y="0"/>
+          <a:chExt cx="0" cy="0"/>
+        </a:xfrm>
+      </p:grpSpPr>
+      <p:sp>
+        <p:nvSpPr>
+          <p:cNvPr id="38" name="Rectangle 19">
+            <a:extLst>
+              <a:ext uri="{FF2B5EF4-FFF2-40B4-BE49-F238E27FC236}">
+                <a16:creationId xmlns:a16="http://schemas.microsoft.com/office/drawing/2014/main" id="{7905BA41-EE6E-4F80-8636-447F22DD729A}"/>
+              </a:ext>
+              <a:ext uri="{C183D7F6-B498-43B3-948B-1728B52AA6E4}">
+                <adec:decorative xmlns:adec="http://schemas.microsoft.com/office/drawing/2017/decorative" val="1"/>
+              </a:ext>
+            </a:extLst>
+          </p:cNvPr>
+          <p:cNvSpPr>
+            <a:spLocks noGrp="1" noRot="1" noChangeAspect="1" noMove="1" noResize="1" noEditPoints="1" noAdjustHandles="1" noChangeArrowheads="1" noChangeShapeType="1" noTextEdit="1"/>
+          </p:cNvSpPr>
+          <p:nvPr>
+            <p:extLst>
+              <p:ext uri="{386F3935-93C4-4BCD-93E2-E3B085C9AB24}">
+                <p16:designElem xmlns:p16="http://schemas.microsoft.com/office/powerpoint/2015/main" val="1"/>
+              </p:ext>
+            </p:extLst>
+          </p:nvPr>
+        </p:nvSpPr>
+        <p:spPr>
+          <a:xfrm>
+            <a:off x="0" y="0"/>
+            <a:ext cx="12192000" cy="6858000"/>
+          </a:xfrm>
+          <a:prstGeom prst="rect">
+            <a:avLst/>
+          </a:prstGeom>
+          <a:solidFill>
+            <a:schemeClr val="accent1"/>
+          </a:solidFill>
+          <a:ln>
+            <a:noFill/>
+          </a:ln>
+        </p:spPr>
+        <p:style>
+          <a:lnRef idx="2">
+            <a:schemeClr val="accent1">
+              <a:shade val="50000"/>
+            </a:schemeClr>
+          </a:lnRef>
+          <a:fillRef idx="1">
+            <a:schemeClr val="accent1"/>
+          </a:fillRef>
+          <a:effectRef idx="0">
+            <a:schemeClr val="accent1"/>
+          </a:effectRef>
+          <a:fontRef idx="minor">
+            <a:schemeClr val="lt1"/>
+          </a:fontRef>
+        </p:style>
+        <p:txBody>
+          <a:bodyPr rtlCol="0" anchor="ctr"/>
+          <a:lstStyle/>
+          <a:p>
+            <a:pPr marL="0" marR="0" lvl="0" indent="0" algn="ctr" defTabSz="914400" rtl="0" eaLnBrk="1" fontAlgn="auto" latinLnBrk="0" hangingPunct="1">
+              <a:lnSpc>
+                <a:spcPct val="100000"/>
+              </a:lnSpc>
+              <a:spcBef>
+                <a:spcPts val="0"/>
+              </a:spcBef>
+              <a:spcAft>
+                <a:spcPts val="0"/>
+              </a:spcAft>
+              <a:buClrTx/>
+              <a:buSzTx/>
+              <a:buFontTx/>
+              <a:buNone/>
+              <a:tabLst/>
+              <a:defRPr/>
+            </a:pPr>
+            <a:endParaRPr kumimoji="0" lang="en-US" sz="1800" b="0" i="0" u="none" strike="noStrike" kern="1200" cap="none" spc="0" normalizeH="0" baseline="0" noProof="0">
+              <a:ln>
+                <a:noFill/>
+              </a:ln>
+              <a:solidFill>
+                <a:prstClr val="white"/>
+              </a:solidFill>
+              <a:effectLst/>
+              <a:uLnTx/>
+              <a:uFillTx/>
+              <a:latin typeface="Calibri" panose="020F0502020204030204"/>
+              <a:ea typeface="+mn-ea"/>
+              <a:cs typeface="+mn-cs"/>
+            </a:endParaRPr>
+          </a:p>
+        </p:txBody>
+      </p:sp>
+      <p:sp>
+        <p:nvSpPr>
+          <p:cNvPr id="5" name="Title 4">
+            <a:extLst>
+              <a:ext uri="{FF2B5EF4-FFF2-40B4-BE49-F238E27FC236}">
+                <a16:creationId xmlns:a16="http://schemas.microsoft.com/office/drawing/2014/main" id="{99111D06-987A-4D84-A89F-BB401D07BF99}"/>
+              </a:ext>
+            </a:extLst>
+          </p:cNvPr>
+          <p:cNvSpPr>
+            <a:spLocks noGrp="1"/>
+          </p:cNvSpPr>
+          <p:nvPr>
+            <p:ph type="title"/>
+          </p:nvPr>
+        </p:nvSpPr>
+        <p:spPr>
+          <a:xfrm>
+            <a:off x="1848465" y="3298722"/>
+            <a:ext cx="8495070" cy="1784402"/>
+          </a:xfrm>
+        </p:spPr>
+        <p:txBody>
+          <a:bodyPr vert="horz" lIns="91440" tIns="45720" rIns="91440" bIns="45720" rtlCol="0" anchor="b">
+            <a:normAutofit/>
+          </a:bodyPr>
+          <a:lstStyle/>
+          <a:p>
+            <a:pPr algn="ctr"/>
+            <a:r>
+              <a:rPr lang="en-US" sz="5100" kern="1200" dirty="0">
+                <a:solidFill>
+                  <a:srgbClr val="FFFFFF"/>
+                </a:solidFill>
+                <a:latin typeface="+mj-lt"/>
+                <a:ea typeface="+mj-ea"/>
+                <a:cs typeface="+mj-cs"/>
+              </a:rPr>
+              <a:t>Problem: Lack of real-time insights on airline sustainability</a:t>
             </a:r>
           </a:p>
         </p:txBody>
@@ -2538,22 +8271,223 @@
             <p:ph type="body" idx="1"/>
           </p:nvPr>
         </p:nvSpPr>
-        <p:spPr/>
+        <p:spPr>
+          <a:xfrm>
+            <a:off x="1848465" y="5258851"/>
+            <a:ext cx="8495070" cy="904005"/>
+          </a:xfrm>
+        </p:spPr>
         <p:txBody>
-          <a:bodyPr/>
+          <a:bodyPr vert="horz" lIns="91440" tIns="45720" rIns="91440" bIns="45720" rtlCol="0">
+            <a:normAutofit/>
+          </a:bodyPr>
           <a:lstStyle/>
           <a:p>
+            <a:pPr marL="342900" indent="-342900" algn="ctr">
+              <a:buFont typeface="Arial" panose="020B0604020202020204" pitchFamily="34" charset="0"/>
+              <a:buChar char="•"/>
+            </a:pPr>
             <a:r>
-              <a:rPr lang="en-NZ" dirty="0"/>
-              <a:t>Describe how the solution aligns/relates to the chosen AI for Good focus area</a:t>
+              <a:rPr lang="en-US" kern="1200" dirty="0">
+                <a:solidFill>
+                  <a:srgbClr val="FFFFFF"/>
+                </a:solidFill>
+                <a:latin typeface="+mn-lt"/>
+                <a:ea typeface="+mn-ea"/>
+                <a:cs typeface="+mn-cs"/>
+              </a:rPr>
+              <a:t>2% of global CO</a:t>
             </a:r>
+            <a:r>
+              <a:rPr lang="en-US" kern="1200" baseline="-25000" dirty="0">
+                <a:solidFill>
+                  <a:srgbClr val="FFFFFF"/>
+                </a:solidFill>
+                <a:latin typeface="+mn-lt"/>
+                <a:ea typeface="+mn-ea"/>
+                <a:cs typeface="+mn-cs"/>
+              </a:rPr>
+              <a:t>2</a:t>
+            </a:r>
+            <a:r>
+              <a:rPr lang="en-US" kern="1200" dirty="0">
+                <a:solidFill>
+                  <a:srgbClr val="FFFFFF"/>
+                </a:solidFill>
+                <a:latin typeface="+mn-lt"/>
+                <a:ea typeface="+mn-ea"/>
+                <a:cs typeface="+mn-cs"/>
+              </a:rPr>
+              <a:t> emissions</a:t>
+            </a:r>
+          </a:p>
+          <a:p>
+            <a:pPr marL="342900" indent="-342900" algn="ctr">
+              <a:buFont typeface="Arial" panose="020B0604020202020204" pitchFamily="34" charset="0"/>
+              <a:buChar char="•"/>
+            </a:pPr>
+            <a:r>
+              <a:rPr lang="en-US" kern="1200" dirty="0">
+                <a:solidFill>
+                  <a:srgbClr val="FFFFFF"/>
+                </a:solidFill>
+                <a:latin typeface="+mn-lt"/>
+                <a:ea typeface="+mn-ea"/>
+                <a:cs typeface="+mn-cs"/>
+              </a:rPr>
+              <a:t>Report wait times</a:t>
+            </a:r>
+          </a:p>
+          <a:p>
+            <a:pPr algn="ctr"/>
+            <a:endParaRPr lang="en-US" kern="1200" dirty="0">
+              <a:solidFill>
+                <a:srgbClr val="FFFFFF"/>
+              </a:solidFill>
+              <a:latin typeface="+mn-lt"/>
+              <a:ea typeface="+mn-ea"/>
+              <a:cs typeface="+mn-cs"/>
+            </a:endParaRPr>
           </a:p>
         </p:txBody>
       </p:sp>
+      <p:sp>
+        <p:nvSpPr>
+          <p:cNvPr id="39" name="Oval 21">
+            <a:extLst>
+              <a:ext uri="{FF2B5EF4-FFF2-40B4-BE49-F238E27FC236}">
+                <a16:creationId xmlns:a16="http://schemas.microsoft.com/office/drawing/2014/main" id="{CD7549B2-EE05-4558-8C64-AC46755F2B25}"/>
+              </a:ext>
+              <a:ext uri="{C183D7F6-B498-43B3-948B-1728B52AA6E4}">
+                <adec:decorative xmlns:adec="http://schemas.microsoft.com/office/drawing/2017/decorative" val="1"/>
+              </a:ext>
+            </a:extLst>
+          </p:cNvPr>
+          <p:cNvSpPr>
+            <a:spLocks noGrp="1" noRot="1" noChangeAspect="1" noMove="1" noResize="1" noEditPoints="1" noAdjustHandles="1" noChangeArrowheads="1" noChangeShapeType="1" noTextEdit="1"/>
+          </p:cNvSpPr>
+          <p:nvPr>
+            <p:extLst>
+              <p:ext uri="{386F3935-93C4-4BCD-93E2-E3B085C9AB24}">
+                <p16:designElem xmlns:p16="http://schemas.microsoft.com/office/powerpoint/2015/main" val="1"/>
+              </p:ext>
+            </p:extLst>
+          </p:nvPr>
+        </p:nvSpPr>
+        <p:spPr>
+          <a:xfrm>
+            <a:off x="5025914" y="889251"/>
+            <a:ext cx="2140172" cy="2140172"/>
+          </a:xfrm>
+          <a:prstGeom prst="ellipse">
+            <a:avLst/>
+          </a:prstGeom>
+          <a:solidFill>
+            <a:srgbClr val="FFFFFF"/>
+          </a:solidFill>
+          <a:ln w="19050">
+            <a:solidFill>
+              <a:schemeClr val="accent1"/>
+            </a:solidFill>
+          </a:ln>
+        </p:spPr>
+        <p:style>
+          <a:lnRef idx="2">
+            <a:schemeClr val="accent1">
+              <a:shade val="50000"/>
+            </a:schemeClr>
+          </a:lnRef>
+          <a:fillRef idx="1">
+            <a:schemeClr val="accent1"/>
+          </a:fillRef>
+          <a:effectRef idx="0">
+            <a:schemeClr val="accent1"/>
+          </a:effectRef>
+          <a:fontRef idx="minor">
+            <a:schemeClr val="lt1"/>
+          </a:fontRef>
+        </p:style>
+        <p:txBody>
+          <a:bodyPr rtlCol="0" anchor="ctr"/>
+          <a:lstStyle/>
+          <a:p>
+            <a:pPr marL="0" marR="0" lvl="0" indent="0" algn="ctr" defTabSz="914400" rtl="0" eaLnBrk="1" fontAlgn="auto" latinLnBrk="0" hangingPunct="1">
+              <a:lnSpc>
+                <a:spcPct val="100000"/>
+              </a:lnSpc>
+              <a:spcBef>
+                <a:spcPts val="0"/>
+              </a:spcBef>
+              <a:spcAft>
+                <a:spcPts val="0"/>
+              </a:spcAft>
+              <a:buClrTx/>
+              <a:buSzTx/>
+              <a:buFontTx/>
+              <a:buNone/>
+              <a:tabLst/>
+              <a:defRPr/>
+            </a:pPr>
+            <a:endParaRPr kumimoji="0" lang="en-US" sz="1800" b="0" i="0" u="none" strike="noStrike" kern="1200" cap="none" spc="0" normalizeH="0" baseline="0" noProof="0">
+              <a:ln>
+                <a:noFill/>
+              </a:ln>
+              <a:solidFill>
+                <a:prstClr val="white"/>
+              </a:solidFill>
+              <a:effectLst/>
+              <a:uLnTx/>
+              <a:uFillTx/>
+              <a:latin typeface="Calibri" panose="020F0502020204030204"/>
+              <a:ea typeface="+mn-ea"/>
+              <a:cs typeface="+mn-cs"/>
+            </a:endParaRPr>
+          </a:p>
+        </p:txBody>
+      </p:sp>
+      <p:pic>
+        <p:nvPicPr>
+          <p:cNvPr id="40" name="Graphic 16" descr="Stopwatch">
+            <a:extLst>
+              <a:ext uri="{FF2B5EF4-FFF2-40B4-BE49-F238E27FC236}">
+                <a16:creationId xmlns:a16="http://schemas.microsoft.com/office/drawing/2014/main" id="{A63B9AE0-DB53-4404-A498-E1DE4D39FE10}"/>
+              </a:ext>
+            </a:extLst>
+          </p:cNvPr>
+          <p:cNvPicPr>
+            <a:picLocks noChangeAspect="1"/>
+          </p:cNvPicPr>
+          <p:nvPr/>
+        </p:nvPicPr>
+        <p:blipFill>
+          <a:blip r:embed="rId3">
+            <a:extLst>
+              <a:ext uri="{28A0092B-C50C-407E-A947-70E740481C1C}">
+                <a14:useLocalDpi xmlns:a14="http://schemas.microsoft.com/office/drawing/2010/main" val="0"/>
+              </a:ext>
+              <a:ext uri="{96DAC541-7B7A-43D3-8B79-37D633B846F1}">
+                <asvg:svgBlip xmlns:asvg="http://schemas.microsoft.com/office/drawing/2016/SVG/main" r:embed="rId4"/>
+              </a:ext>
+            </a:extLst>
+          </a:blip>
+          <a:stretch>
+            <a:fillRect/>
+          </a:stretch>
+        </p:blipFill>
+        <p:spPr>
+          <a:xfrm>
+            <a:off x="5508264" y="1371601"/>
+            <a:ext cx="1175474" cy="1175474"/>
+          </a:xfrm>
+          <a:prstGeom prst="rect">
+            <a:avLst/>
+          </a:prstGeom>
+        </p:spPr>
+      </p:pic>
     </p:spTree>
     <p:extLst>
       <p:ext uri="{BB962C8B-B14F-4D97-AF65-F5344CB8AC3E}">
-        <p14:creationId xmlns:p14="http://schemas.microsoft.com/office/powerpoint/2010/main" val="3810012476"/>
+        <p14:creationId xmlns:p14="http://schemas.microsoft.com/office/powerpoint/2010/main" val="1533302149"/>
       </p:ext>
     </p:extLst>
   </p:cSld>
@@ -2563,9 +8497,17 @@
 </p:sld>
 </file>
 
-<file path=ppt/slides/slide3.xml><?xml version="1.0" encoding="utf-8"?>
+<file path=ppt/slides/slide4.xml><?xml version="1.0" encoding="utf-8"?>
 <p:sld xmlns:a="http://schemas.openxmlformats.org/drawingml/2006/main" xmlns:r="http://schemas.openxmlformats.org/officeDocument/2006/relationships" xmlns:p="http://schemas.openxmlformats.org/presentationml/2006/main">
   <p:cSld>
+    <p:bg>
+      <p:bgPr>
+        <a:solidFill>
+          <a:schemeClr val="bg1"/>
+        </a:solidFill>
+        <a:effectLst/>
+      </p:bgPr>
+    </p:bg>
     <p:spTree>
       <p:nvGrpSpPr>
         <p:cNvPr id="1" name=""/>
@@ -2582,98 +8524,135 @@
       </p:grpSpPr>
       <p:sp>
         <p:nvSpPr>
-          <p:cNvPr id="5" name="Title 4">
+          <p:cNvPr id="28" name="Rectangle 12">
             <a:extLst>
               <a:ext uri="{FF2B5EF4-FFF2-40B4-BE49-F238E27FC236}">
-                <a16:creationId xmlns:a16="http://schemas.microsoft.com/office/drawing/2014/main" id="{99111D06-987A-4D84-A89F-BB401D07BF99}"/>
+                <a16:creationId xmlns:a16="http://schemas.microsoft.com/office/drawing/2014/main" id="{AFA67CD3-AB4E-4A7A-BEB8-53C445D8C44E}"/>
+              </a:ext>
+              <a:ext uri="{C183D7F6-B498-43B3-948B-1728B52AA6E4}">
+                <adec:decorative xmlns:adec="http://schemas.microsoft.com/office/drawing/2017/decorative" val="1"/>
               </a:ext>
             </a:extLst>
           </p:cNvPr>
           <p:cNvSpPr>
-            <a:spLocks noGrp="1"/>
+            <a:spLocks noGrp="1" noRot="1" noChangeAspect="1" noMove="1" noResize="1" noEditPoints="1" noAdjustHandles="1" noChangeArrowheads="1" noChangeShapeType="1" noTextEdit="1"/>
           </p:cNvSpPr>
           <p:nvPr>
-            <p:ph type="title"/>
+            <p:extLst>
+              <p:ext uri="{386F3935-93C4-4BCD-93E2-E3B085C9AB24}">
+                <p16:designElem xmlns:p16="http://schemas.microsoft.com/office/powerpoint/2015/main" val="1"/>
+              </p:ext>
+            </p:extLst>
           </p:nvPr>
         </p:nvSpPr>
-        <p:spPr/>
+        <p:spPr>
+          <a:xfrm>
+            <a:off x="1" y="3726"/>
+            <a:ext cx="5614875" cy="6858000"/>
+          </a:xfrm>
+          <a:prstGeom prst="rect">
+            <a:avLst/>
+          </a:prstGeom>
+          <a:gradFill>
+            <a:gsLst>
+              <a:gs pos="0">
+                <a:schemeClr val="accent1">
+                  <a:lumMod val="100000"/>
+                  <a:alpha val="82000"/>
+                </a:schemeClr>
+              </a:gs>
+              <a:gs pos="25000">
+                <a:schemeClr val="accent1">
+                  <a:alpha val="60000"/>
+                </a:schemeClr>
+              </a:gs>
+              <a:gs pos="94000">
+                <a:schemeClr val="bg2">
+                  <a:lumMod val="75000"/>
+                </a:schemeClr>
+              </a:gs>
+              <a:gs pos="100000">
+                <a:schemeClr val="bg2">
+                  <a:lumMod val="75000"/>
+                </a:schemeClr>
+              </a:gs>
+            </a:gsLst>
+            <a:lin ang="4200000" scaled="0"/>
+          </a:gradFill>
+          <a:ln>
+            <a:noFill/>
+          </a:ln>
+        </p:spPr>
+        <p:style>
+          <a:lnRef idx="2">
+            <a:schemeClr val="accent1">
+              <a:shade val="50000"/>
+            </a:schemeClr>
+          </a:lnRef>
+          <a:fillRef idx="1">
+            <a:schemeClr val="accent1"/>
+          </a:fillRef>
+          <a:effectRef idx="0">
+            <a:schemeClr val="accent1"/>
+          </a:effectRef>
+          <a:fontRef idx="minor">
+            <a:schemeClr val="lt1"/>
+          </a:fontRef>
+        </p:style>
         <p:txBody>
-          <a:bodyPr>
-            <a:normAutofit/>
-          </a:bodyPr>
+          <a:bodyPr rtlCol="0" anchor="ctr"/>
           <a:lstStyle/>
           <a:p>
-            <a:r>
-              <a:rPr lang="en-NZ" dirty="0"/>
-              <a:t>Problem: &lt;Insert Problem&gt;</a:t>
-            </a:r>
+            <a:pPr algn="ctr"/>
+            <a:endParaRPr lang="en-US"/>
           </a:p>
         </p:txBody>
       </p:sp>
-      <p:sp>
-        <p:nvSpPr>
-          <p:cNvPr id="6" name="Text Placeholder 5">
+      <p:pic>
+        <p:nvPicPr>
+          <p:cNvPr id="29" name="Picture 14">
             <a:extLst>
               <a:ext uri="{FF2B5EF4-FFF2-40B4-BE49-F238E27FC236}">
-                <a16:creationId xmlns:a16="http://schemas.microsoft.com/office/drawing/2014/main" id="{2DB104B0-6971-4635-8A28-928A296C16A2}"/>
+                <a16:creationId xmlns:a16="http://schemas.microsoft.com/office/drawing/2014/main" id="{07CF545F-9C2E-4446-97CD-AD92990C2B68}"/>
+              </a:ext>
+              <a:ext uri="{C183D7F6-B498-43B3-948B-1728B52AA6E4}">
+                <adec:decorative xmlns:adec="http://schemas.microsoft.com/office/drawing/2017/decorative" val="1"/>
               </a:ext>
             </a:extLst>
           </p:cNvPr>
-          <p:cNvSpPr>
-            <a:spLocks noGrp="1"/>
-          </p:cNvSpPr>
+          <p:cNvPicPr>
+            <a:picLocks noGrp="1" noRot="1" noChangeAspect="1" noMove="1" noResize="1" noEditPoints="1" noAdjustHandles="1" noChangeArrowheads="1" noChangeShapeType="1" noCrop="1"/>
+          </p:cNvPicPr>
           <p:nvPr>
-            <p:ph type="body" idx="1"/>
+            <p:extLst>
+              <p:ext uri="{386F3935-93C4-4BCD-93E2-E3B085C9AB24}">
+                <p16:designElem xmlns:p16="http://schemas.microsoft.com/office/powerpoint/2015/main" val="1"/>
+              </p:ext>
+            </p:extLst>
           </p:nvPr>
-        </p:nvSpPr>
-        <p:spPr/>
-        <p:txBody>
-          <a:bodyPr/>
-          <a:lstStyle/>
-          <a:p>
-            <a:r>
-              <a:rPr lang="en-NZ" dirty="0"/>
-              <a:t>Describe the problem the solution is solving, include areas such as the impact the problem has and why it’s a problem.</a:t>
-            </a:r>
-          </a:p>
-          <a:p>
-            <a:r>
-              <a:rPr lang="en-NZ" dirty="0"/>
-              <a:t>Be sure to use evidence to back up your claims.</a:t>
-            </a:r>
-          </a:p>
-        </p:txBody>
-      </p:sp>
-    </p:spTree>
-    <p:extLst>
-      <p:ext uri="{BB962C8B-B14F-4D97-AF65-F5344CB8AC3E}">
-        <p14:creationId xmlns:p14="http://schemas.microsoft.com/office/powerpoint/2010/main" val="1533302149"/>
-      </p:ext>
-    </p:extLst>
-  </p:cSld>
-  <p:clrMapOvr>
-    <a:masterClrMapping/>
-  </p:clrMapOvr>
-</p:sld>
-</file>
-
-<file path=ppt/slides/slide4.xml><?xml version="1.0" encoding="utf-8"?>
-<p:sld xmlns:a="http://schemas.openxmlformats.org/drawingml/2006/main" xmlns:r="http://schemas.openxmlformats.org/officeDocument/2006/relationships" xmlns:p="http://schemas.openxmlformats.org/presentationml/2006/main">
-  <p:cSld>
-    <p:spTree>
-      <p:nvGrpSpPr>
-        <p:cNvPr id="1" name=""/>
-        <p:cNvGrpSpPr/>
-        <p:nvPr/>
-      </p:nvGrpSpPr>
-      <p:grpSpPr>
-        <a:xfrm>
-          <a:off x="0" y="0"/>
-          <a:ext cx="0" cy="0"/>
-          <a:chOff x="0" y="0"/>
-          <a:chExt cx="0" cy="0"/>
-        </a:xfrm>
-      </p:grpSpPr>
+        </p:nvPicPr>
+        <p:blipFill>
+          <a:blip r:embed="rId3">
+            <a:extLst>
+              <a:ext uri="{28A0092B-C50C-407E-A947-70E740481C1C}">
+                <a14:useLocalDpi xmlns:a14="http://schemas.microsoft.com/office/drawing/2010/main" val="0"/>
+              </a:ext>
+            </a:extLst>
+          </a:blip>
+          <a:stretch>
+            <a:fillRect/>
+          </a:stretch>
+        </p:blipFill>
+        <p:spPr>
+          <a:xfrm>
+            <a:off x="0" y="0"/>
+            <a:ext cx="12192000" cy="6858000"/>
+          </a:xfrm>
+          <a:prstGeom prst="rect">
+            <a:avLst/>
+          </a:prstGeom>
+        </p:spPr>
+      </p:pic>
       <p:sp>
         <p:nvSpPr>
           <p:cNvPr id="5" name="Title 4">
@@ -2690,23 +8669,248 @@
             <p:ph type="title"/>
           </p:nvPr>
         </p:nvSpPr>
-        <p:spPr/>
+        <p:spPr>
+          <a:xfrm>
+            <a:off x="6094105" y="802955"/>
+            <a:ext cx="4977976" cy="1454051"/>
+          </a:xfrm>
+        </p:spPr>
         <p:txBody>
-          <a:bodyPr>
+          <a:bodyPr vert="horz" lIns="91440" tIns="45720" rIns="91440" bIns="45720" rtlCol="0" anchor="ctr">
             <a:normAutofit/>
           </a:bodyPr>
           <a:lstStyle/>
           <a:p>
             <a:r>
-              <a:rPr lang="en-NZ" dirty="0"/>
-              <a:t>Effectiveness of &lt;Insert idea name&gt;</a:t>
+              <a:rPr lang="en-US" kern="1200" dirty="0">
+                <a:solidFill>
+                  <a:srgbClr val="000000"/>
+                </a:solidFill>
+                <a:latin typeface="+mj-lt"/>
+                <a:ea typeface="+mj-ea"/>
+                <a:cs typeface="+mj-cs"/>
+              </a:rPr>
+              <a:t>Effectiveness of Flight Climate</a:t>
             </a:r>
           </a:p>
         </p:txBody>
       </p:sp>
       <p:sp>
         <p:nvSpPr>
-          <p:cNvPr id="6" name="Text Placeholder 5">
+          <p:cNvPr id="30" name="Freeform 62">
+            <a:extLst>
+              <a:ext uri="{FF2B5EF4-FFF2-40B4-BE49-F238E27FC236}">
+                <a16:creationId xmlns:a16="http://schemas.microsoft.com/office/drawing/2014/main" id="{339C8D78-A644-462F-B674-F440635E5353}"/>
+              </a:ext>
+              <a:ext uri="{C183D7F6-B498-43B3-948B-1728B52AA6E4}">
+                <adec:decorative xmlns:adec="http://schemas.microsoft.com/office/drawing/2017/decorative" val="1"/>
+              </a:ext>
+            </a:extLst>
+          </p:cNvPr>
+          <p:cNvSpPr>
+            <a:spLocks noGrp="1" noRot="1" noChangeAspect="1" noMove="1" noResize="1" noEditPoints="1" noAdjustHandles="1" noChangeArrowheads="1" noChangeShapeType="1" noTextEdit="1"/>
+          </p:cNvSpPr>
+          <p:nvPr>
+            <p:extLst>
+              <p:ext uri="{386F3935-93C4-4BCD-93E2-E3B085C9AB24}">
+                <p16:designElem xmlns:p16="http://schemas.microsoft.com/office/powerpoint/2015/main" val="1"/>
+              </p:ext>
+            </p:extLst>
+          </p:nvPr>
+        </p:nvSpPr>
+        <p:spPr>
+          <a:xfrm>
+            <a:off x="0" y="738619"/>
+            <a:ext cx="5000438" cy="5400962"/>
+          </a:xfrm>
+          <a:custGeom>
+            <a:avLst/>
+            <a:gdLst>
+              <a:gd name="connsiteX0" fmla="*/ 2299956 w 5000438"/>
+              <a:gd name="connsiteY0" fmla="*/ 0 h 5400962"/>
+              <a:gd name="connsiteX1" fmla="*/ 5000438 w 5000438"/>
+              <a:gd name="connsiteY1" fmla="*/ 2700481 h 5400962"/>
+              <a:gd name="connsiteX2" fmla="*/ 2299956 w 5000438"/>
+              <a:gd name="connsiteY2" fmla="*/ 5400962 h 5400962"/>
+              <a:gd name="connsiteX3" fmla="*/ 60675 w 5000438"/>
+              <a:gd name="connsiteY3" fmla="*/ 4210346 h 5400962"/>
+              <a:gd name="connsiteX4" fmla="*/ 0 w 5000438"/>
+              <a:gd name="connsiteY4" fmla="*/ 4110472 h 5400962"/>
+              <a:gd name="connsiteX5" fmla="*/ 0 w 5000438"/>
+              <a:gd name="connsiteY5" fmla="*/ 1290491 h 5400962"/>
+              <a:gd name="connsiteX6" fmla="*/ 60675 w 5000438"/>
+              <a:gd name="connsiteY6" fmla="*/ 1190617 h 5400962"/>
+              <a:gd name="connsiteX7" fmla="*/ 2299956 w 5000438"/>
+              <a:gd name="connsiteY7" fmla="*/ 0 h 5400962"/>
+            </a:gdLst>
+            <a:ahLst/>
+            <a:cxnLst>
+              <a:cxn ang="0">
+                <a:pos x="connsiteX0" y="connsiteY0"/>
+              </a:cxn>
+              <a:cxn ang="0">
+                <a:pos x="connsiteX1" y="connsiteY1"/>
+              </a:cxn>
+              <a:cxn ang="0">
+                <a:pos x="connsiteX2" y="connsiteY2"/>
+              </a:cxn>
+              <a:cxn ang="0">
+                <a:pos x="connsiteX3" y="connsiteY3"/>
+              </a:cxn>
+              <a:cxn ang="0">
+                <a:pos x="connsiteX4" y="connsiteY4"/>
+              </a:cxn>
+              <a:cxn ang="0">
+                <a:pos x="connsiteX5" y="connsiteY5"/>
+              </a:cxn>
+              <a:cxn ang="0">
+                <a:pos x="connsiteX6" y="connsiteY6"/>
+              </a:cxn>
+              <a:cxn ang="0">
+                <a:pos x="connsiteX7" y="connsiteY7"/>
+              </a:cxn>
+            </a:cxnLst>
+            <a:rect l="l" t="t" r="r" b="b"/>
+            <a:pathLst>
+              <a:path w="5000438" h="5400962">
+                <a:moveTo>
+                  <a:pt x="2299956" y="0"/>
+                </a:moveTo>
+                <a:cubicBezTo>
+                  <a:pt x="3791390" y="0"/>
+                  <a:pt x="5000438" y="1209047"/>
+                  <a:pt x="5000438" y="2700481"/>
+                </a:cubicBezTo>
+                <a:cubicBezTo>
+                  <a:pt x="5000438" y="4191915"/>
+                  <a:pt x="3791390" y="5400962"/>
+                  <a:pt x="2299956" y="5400962"/>
+                </a:cubicBezTo>
+                <a:cubicBezTo>
+                  <a:pt x="1367810" y="5400962"/>
+                  <a:pt x="545971" y="4928678"/>
+                  <a:pt x="60675" y="4210346"/>
+                </a:cubicBezTo>
+                <a:lnTo>
+                  <a:pt x="0" y="4110472"/>
+                </a:lnTo>
+                <a:lnTo>
+                  <a:pt x="0" y="1290491"/>
+                </a:lnTo>
+                <a:lnTo>
+                  <a:pt x="60675" y="1190617"/>
+                </a:lnTo>
+                <a:cubicBezTo>
+                  <a:pt x="545971" y="472284"/>
+                  <a:pt x="1367810" y="0"/>
+                  <a:pt x="2299956" y="0"/>
+                </a:cubicBezTo>
+                <a:close/>
+              </a:path>
+            </a:pathLst>
+          </a:custGeom>
+          <a:solidFill>
+            <a:srgbClr val="FFFFFF"/>
+          </a:solidFill>
+          <a:ln>
+            <a:gradFill>
+              <a:gsLst>
+                <a:gs pos="0">
+                  <a:schemeClr val="accent1">
+                    <a:lumMod val="40000"/>
+                    <a:lumOff val="60000"/>
+                  </a:schemeClr>
+                </a:gs>
+                <a:gs pos="23000">
+                  <a:schemeClr val="accent1">
+                    <a:lumMod val="45000"/>
+                    <a:lumOff val="55000"/>
+                  </a:schemeClr>
+                </a:gs>
+                <a:gs pos="83000">
+                  <a:schemeClr val="bg2">
+                    <a:lumMod val="85000"/>
+                  </a:schemeClr>
+                </a:gs>
+                <a:gs pos="100000">
+                  <a:schemeClr val="bg2">
+                    <a:lumMod val="85000"/>
+                  </a:schemeClr>
+                </a:gs>
+              </a:gsLst>
+              <a:lin ang="5400000" scaled="1"/>
+            </a:gradFill>
+          </a:ln>
+        </p:spPr>
+        <p:style>
+          <a:lnRef idx="2">
+            <a:schemeClr val="accent1">
+              <a:shade val="50000"/>
+            </a:schemeClr>
+          </a:lnRef>
+          <a:fillRef idx="1">
+            <a:schemeClr val="accent1"/>
+          </a:fillRef>
+          <a:effectRef idx="0">
+            <a:schemeClr val="accent1"/>
+          </a:effectRef>
+          <a:fontRef idx="minor">
+            <a:schemeClr val="lt1"/>
+          </a:fontRef>
+        </p:style>
+        <p:txBody>
+          <a:bodyPr wrap="square" rtlCol="0" anchor="ctr">
+            <a:noAutofit/>
+          </a:bodyPr>
+          <a:lstStyle/>
+          <a:p>
+            <a:pPr algn="ctr"/>
+            <a:endParaRPr lang="en-US"/>
+          </a:p>
+        </p:txBody>
+      </p:sp>
+      <p:pic>
+        <p:nvPicPr>
+          <p:cNvPr id="31" name="Graphic 9" descr="Earth Globe Americas">
+            <a:extLst>
+              <a:ext uri="{FF2B5EF4-FFF2-40B4-BE49-F238E27FC236}">
+                <a16:creationId xmlns:a16="http://schemas.microsoft.com/office/drawing/2014/main" id="{7232BDB4-DA58-4685-839F-998B98F230CF}"/>
+              </a:ext>
+            </a:extLst>
+          </p:cNvPr>
+          <p:cNvPicPr>
+            <a:picLocks noChangeAspect="1"/>
+          </p:cNvPicPr>
+          <p:nvPr/>
+        </p:nvPicPr>
+        <p:blipFill>
+          <a:blip r:embed="rId4">
+            <a:extLst>
+              <a:ext uri="{28A0092B-C50C-407E-A947-70E740481C1C}">
+                <a14:useLocalDpi xmlns:a14="http://schemas.microsoft.com/office/drawing/2010/main" val="0"/>
+              </a:ext>
+              <a:ext uri="{96DAC541-7B7A-43D3-8B79-37D633B846F1}">
+                <asvg:svgBlip xmlns:asvg="http://schemas.microsoft.com/office/drawing/2016/SVG/main" r:embed="rId5"/>
+              </a:ext>
+            </a:extLst>
+          </a:blip>
+          <a:stretch>
+            <a:fillRect/>
+          </a:stretch>
+        </p:blipFill>
+        <p:spPr>
+          <a:xfrm>
+            <a:off x="450254" y="1629089"/>
+            <a:ext cx="3620021" cy="3620021"/>
+          </a:xfrm>
+          <a:prstGeom prst="rect">
+            <a:avLst/>
+          </a:prstGeom>
+        </p:spPr>
+      </p:pic>
+      <p:sp>
+        <p:nvSpPr>
+          <p:cNvPr id="32" name="Text Placeholder 5">
             <a:extLst>
               <a:ext uri="{FF2B5EF4-FFF2-40B4-BE49-F238E27FC236}">
                 <a16:creationId xmlns:a16="http://schemas.microsoft.com/office/drawing/2014/main" id="{2DB104B0-6971-4635-8A28-928A296C16A2}"/>
@@ -2720,20 +8924,60 @@
             <p:ph idx="1"/>
           </p:nvPr>
         </p:nvSpPr>
-        <p:spPr/>
+        <p:spPr>
+          <a:xfrm>
+            <a:off x="6090574" y="2421682"/>
+            <a:ext cx="4977578" cy="3639289"/>
+          </a:xfrm>
+        </p:spPr>
         <p:txBody>
-          <a:bodyPr/>
+          <a:bodyPr vert="horz" lIns="91440" tIns="45720" rIns="91440" bIns="45720" rtlCol="0" anchor="ctr">
+            <a:normAutofit/>
+          </a:bodyPr>
           <a:lstStyle/>
           <a:p>
             <a:r>
-              <a:rPr lang="en-US"/>
-              <a:t>&lt;Sell </a:t>
+              <a:rPr lang="en-US" sz="2000" dirty="0">
+                <a:solidFill>
+                  <a:srgbClr val="000000"/>
+                </a:solidFill>
+                <a:latin typeface="+mn-lt"/>
+                <a:cs typeface="+mn-cs"/>
+              </a:rPr>
+              <a:t>Our solution simultaneously motivates consumers and companies to reduce their carbon footprint. </a:t>
             </a:r>
+          </a:p>
+          <a:p>
+            <a:pPr marL="457200" indent="-228600">
+              <a:buFont typeface="Arial" panose="020B0604020202020204" pitchFamily="34" charset="0"/>
+              <a:buChar char="•"/>
+            </a:pPr>
             <a:r>
-              <a:rPr lang="en-US" dirty="0"/>
-              <a:t>how your solution makes an impact on the problem. This slide should be more focused on the outcomes delivered from your solution rather than the solution design.&gt;</a:t>
+              <a:rPr lang="en-US" sz="2000" dirty="0">
+                <a:solidFill>
+                  <a:srgbClr val="000000"/>
+                </a:solidFill>
+                <a:latin typeface="+mn-lt"/>
+                <a:cs typeface="+mn-cs"/>
+              </a:rPr>
+              <a:t>Consumers can easily choose flights with the smallest amount of carbon emissions</a:t>
             </a:r>
-            <a:endParaRPr lang="en-NZ" dirty="0"/>
+          </a:p>
+          <a:p>
+            <a:pPr marL="457200" indent="-228600">
+              <a:buFont typeface="Arial" panose="020B0604020202020204" pitchFamily="34" charset="0"/>
+              <a:buChar char="•"/>
+            </a:pPr>
+            <a:r>
+              <a:rPr lang="en-US" sz="2000" dirty="0">
+                <a:solidFill>
+                  <a:srgbClr val="000000"/>
+                </a:solidFill>
+                <a:latin typeface="+mn-lt"/>
+                <a:cs typeface="+mn-cs"/>
+              </a:rPr>
+              <a:t>Companies can see how they compare to other airlines, and see the public sentiment towards them and their sustainability efforts</a:t>
+            </a:r>
           </a:p>
         </p:txBody>
       </p:sp>
@@ -2753,6 +8997,17 @@
 <file path=ppt/slides/slide5.xml><?xml version="1.0" encoding="utf-8"?>
 <p:sld xmlns:a="http://schemas.openxmlformats.org/drawingml/2006/main" xmlns:r="http://schemas.openxmlformats.org/officeDocument/2006/relationships" xmlns:p="http://schemas.openxmlformats.org/presentationml/2006/main">
   <p:cSld>
+    <p:bg>
+      <p:bgPr>
+        <a:solidFill>
+          <a:schemeClr val="accent1">
+            <a:lumMod val="60000"/>
+            <a:lumOff val="40000"/>
+          </a:schemeClr>
+        </a:solidFill>
+        <a:effectLst/>
+      </p:bgPr>
+    </p:bg>
     <p:spTree>
       <p:nvGrpSpPr>
         <p:cNvPr id="1" name=""/>
@@ -2769,6 +9024,487 @@
       </p:grpSpPr>
       <p:sp>
         <p:nvSpPr>
+          <p:cNvPr id="13" name="Freeform: Shape 12">
+            <a:extLst>
+              <a:ext uri="{FF2B5EF4-FFF2-40B4-BE49-F238E27FC236}">
+                <a16:creationId xmlns:a16="http://schemas.microsoft.com/office/drawing/2014/main" id="{46C2E80F-49A6-4372-B103-219D417A55ED}"/>
+              </a:ext>
+              <a:ext uri="{C183D7F6-B498-43B3-948B-1728B52AA6E4}">
+                <adec:decorative xmlns:adec="http://schemas.microsoft.com/office/drawing/2017/decorative" val="1"/>
+              </a:ext>
+            </a:extLst>
+          </p:cNvPr>
+          <p:cNvSpPr>
+            <a:spLocks noGrp="1" noRot="1" noChangeAspect="1" noMove="1" noResize="1" noEditPoints="1" noAdjustHandles="1" noChangeArrowheads="1" noChangeShapeType="1" noTextEdit="1"/>
+          </p:cNvSpPr>
+          <p:nvPr>
+            <p:extLst>
+              <p:ext uri="{386F3935-93C4-4BCD-93E2-E3B085C9AB24}">
+                <p16:designElem xmlns:p16="http://schemas.microsoft.com/office/powerpoint/2015/main" val="1"/>
+              </p:ext>
+            </p:extLst>
+          </p:nvPr>
+        </p:nvSpPr>
+        <p:spPr>
+          <a:xfrm>
+            <a:off x="484096" y="470925"/>
+            <a:ext cx="4381009" cy="5892104"/>
+          </a:xfrm>
+          <a:custGeom>
+            <a:avLst/>
+            <a:gdLst>
+              <a:gd name="connsiteX0" fmla="*/ 0 w 4381009"/>
+              <a:gd name="connsiteY0" fmla="*/ 0 h 5892104"/>
+              <a:gd name="connsiteX1" fmla="*/ 4157628 w 4381009"/>
+              <a:gd name="connsiteY1" fmla="*/ 0 h 5892104"/>
+              <a:gd name="connsiteX2" fmla="*/ 4169302 w 4381009"/>
+              <a:gd name="connsiteY2" fmla="*/ 68659 h 5892104"/>
+              <a:gd name="connsiteX3" fmla="*/ 4191571 w 4381009"/>
+              <a:gd name="connsiteY3" fmla="*/ 205472 h 5892104"/>
+              <a:gd name="connsiteX4" fmla="*/ 4213368 w 4381009"/>
+              <a:gd name="connsiteY4" fmla="*/ 342890 h 5892104"/>
+              <a:gd name="connsiteX5" fmla="*/ 4232030 w 4381009"/>
+              <a:gd name="connsiteY5" fmla="*/ 480913 h 5892104"/>
+              <a:gd name="connsiteX6" fmla="*/ 4250848 w 4381009"/>
+              <a:gd name="connsiteY6" fmla="*/ 618332 h 5892104"/>
+              <a:gd name="connsiteX7" fmla="*/ 4268412 w 4381009"/>
+              <a:gd name="connsiteY7" fmla="*/ 756355 h 5892104"/>
+              <a:gd name="connsiteX8" fmla="*/ 4283467 w 4381009"/>
+              <a:gd name="connsiteY8" fmla="*/ 892563 h 5892104"/>
+              <a:gd name="connsiteX9" fmla="*/ 4297737 w 4381009"/>
+              <a:gd name="connsiteY9" fmla="*/ 1030587 h 5892104"/>
+              <a:gd name="connsiteX10" fmla="*/ 4310754 w 4381009"/>
+              <a:gd name="connsiteY10" fmla="*/ 1168005 h 5892104"/>
+              <a:gd name="connsiteX11" fmla="*/ 4322045 w 4381009"/>
+              <a:gd name="connsiteY11" fmla="*/ 1303002 h 5892104"/>
+              <a:gd name="connsiteX12" fmla="*/ 4333336 w 4381009"/>
+              <a:gd name="connsiteY12" fmla="*/ 1439815 h 5892104"/>
+              <a:gd name="connsiteX13" fmla="*/ 4342745 w 4381009"/>
+              <a:gd name="connsiteY13" fmla="*/ 1574812 h 5892104"/>
+              <a:gd name="connsiteX14" fmla="*/ 4350115 w 4381009"/>
+              <a:gd name="connsiteY14" fmla="*/ 1709808 h 5892104"/>
+              <a:gd name="connsiteX15" fmla="*/ 4357799 w 4381009"/>
+              <a:gd name="connsiteY15" fmla="*/ 1844200 h 5892104"/>
+              <a:gd name="connsiteX16" fmla="*/ 4364229 w 4381009"/>
+              <a:gd name="connsiteY16" fmla="*/ 1977381 h 5892104"/>
+              <a:gd name="connsiteX17" fmla="*/ 4368777 w 4381009"/>
+              <a:gd name="connsiteY17" fmla="*/ 2109351 h 5892104"/>
+              <a:gd name="connsiteX18" fmla="*/ 4372697 w 4381009"/>
+              <a:gd name="connsiteY18" fmla="*/ 2241321 h 5892104"/>
+              <a:gd name="connsiteX19" fmla="*/ 4376461 w 4381009"/>
+              <a:gd name="connsiteY19" fmla="*/ 2372080 h 5892104"/>
+              <a:gd name="connsiteX20" fmla="*/ 4378186 w 4381009"/>
+              <a:gd name="connsiteY20" fmla="*/ 2501023 h 5892104"/>
+              <a:gd name="connsiteX21" fmla="*/ 4380068 w 4381009"/>
+              <a:gd name="connsiteY21" fmla="*/ 2629966 h 5892104"/>
+              <a:gd name="connsiteX22" fmla="*/ 4381009 w 4381009"/>
+              <a:gd name="connsiteY22" fmla="*/ 2757093 h 5892104"/>
+              <a:gd name="connsiteX23" fmla="*/ 4380068 w 4381009"/>
+              <a:gd name="connsiteY23" fmla="*/ 2883010 h 5892104"/>
+              <a:gd name="connsiteX24" fmla="*/ 4380068 w 4381009"/>
+              <a:gd name="connsiteY24" fmla="*/ 3007715 h 5892104"/>
+              <a:gd name="connsiteX25" fmla="*/ 4378186 w 4381009"/>
+              <a:gd name="connsiteY25" fmla="*/ 3131210 h 5892104"/>
+              <a:gd name="connsiteX26" fmla="*/ 4375363 w 4381009"/>
+              <a:gd name="connsiteY26" fmla="*/ 3252283 h 5892104"/>
+              <a:gd name="connsiteX27" fmla="*/ 4372697 w 4381009"/>
+              <a:gd name="connsiteY27" fmla="*/ 3372146 h 5892104"/>
+              <a:gd name="connsiteX28" fmla="*/ 4369718 w 4381009"/>
+              <a:gd name="connsiteY28" fmla="*/ 3489587 h 5892104"/>
+              <a:gd name="connsiteX29" fmla="*/ 4365170 w 4381009"/>
+              <a:gd name="connsiteY29" fmla="*/ 3606423 h 5892104"/>
+              <a:gd name="connsiteX30" fmla="*/ 4360309 w 4381009"/>
+              <a:gd name="connsiteY30" fmla="*/ 3721443 h 5892104"/>
+              <a:gd name="connsiteX31" fmla="*/ 4355918 w 4381009"/>
+              <a:gd name="connsiteY31" fmla="*/ 3834041 h 5892104"/>
+              <a:gd name="connsiteX32" fmla="*/ 4343529 w 4381009"/>
+              <a:gd name="connsiteY32" fmla="*/ 4053789 h 5892104"/>
+              <a:gd name="connsiteX33" fmla="*/ 4330356 w 4381009"/>
+              <a:gd name="connsiteY33" fmla="*/ 4264457 h 5892104"/>
+              <a:gd name="connsiteX34" fmla="*/ 4316556 w 4381009"/>
+              <a:gd name="connsiteY34" fmla="*/ 4466650 h 5892104"/>
+              <a:gd name="connsiteX35" fmla="*/ 4301344 w 4381009"/>
+              <a:gd name="connsiteY35" fmla="*/ 4657946 h 5892104"/>
+              <a:gd name="connsiteX36" fmla="*/ 4285506 w 4381009"/>
+              <a:gd name="connsiteY36" fmla="*/ 4840767 h 5892104"/>
+              <a:gd name="connsiteX37" fmla="*/ 4268412 w 4381009"/>
+              <a:gd name="connsiteY37" fmla="*/ 5010269 h 5892104"/>
+              <a:gd name="connsiteX38" fmla="*/ 4251633 w 4381009"/>
+              <a:gd name="connsiteY38" fmla="*/ 5169481 h 5892104"/>
+              <a:gd name="connsiteX39" fmla="*/ 4234853 w 4381009"/>
+              <a:gd name="connsiteY39" fmla="*/ 5315980 h 5892104"/>
+              <a:gd name="connsiteX40" fmla="*/ 4219014 w 4381009"/>
+              <a:gd name="connsiteY40" fmla="*/ 5450371 h 5892104"/>
+              <a:gd name="connsiteX41" fmla="*/ 4203959 w 4381009"/>
+              <a:gd name="connsiteY41" fmla="*/ 5569628 h 5892104"/>
+              <a:gd name="connsiteX42" fmla="*/ 4189689 w 4381009"/>
+              <a:gd name="connsiteY42" fmla="*/ 5677384 h 5892104"/>
+              <a:gd name="connsiteX43" fmla="*/ 4177770 w 4381009"/>
+              <a:gd name="connsiteY43" fmla="*/ 5768189 h 5892104"/>
+              <a:gd name="connsiteX44" fmla="*/ 4166479 w 4381009"/>
+              <a:gd name="connsiteY44" fmla="*/ 5844465 h 5892104"/>
+              <a:gd name="connsiteX45" fmla="*/ 4159132 w 4381009"/>
+              <a:gd name="connsiteY45" fmla="*/ 5892104 h 5892104"/>
+              <a:gd name="connsiteX46" fmla="*/ 0 w 4381009"/>
+              <a:gd name="connsiteY46" fmla="*/ 5892104 h 5892104"/>
+            </a:gdLst>
+            <a:ahLst/>
+            <a:cxnLst>
+              <a:cxn ang="0">
+                <a:pos x="connsiteX0" y="connsiteY0"/>
+              </a:cxn>
+              <a:cxn ang="0">
+                <a:pos x="connsiteX1" y="connsiteY1"/>
+              </a:cxn>
+              <a:cxn ang="0">
+                <a:pos x="connsiteX2" y="connsiteY2"/>
+              </a:cxn>
+              <a:cxn ang="0">
+                <a:pos x="connsiteX3" y="connsiteY3"/>
+              </a:cxn>
+              <a:cxn ang="0">
+                <a:pos x="connsiteX4" y="connsiteY4"/>
+              </a:cxn>
+              <a:cxn ang="0">
+                <a:pos x="connsiteX5" y="connsiteY5"/>
+              </a:cxn>
+              <a:cxn ang="0">
+                <a:pos x="connsiteX6" y="connsiteY6"/>
+              </a:cxn>
+              <a:cxn ang="0">
+                <a:pos x="connsiteX7" y="connsiteY7"/>
+              </a:cxn>
+              <a:cxn ang="0">
+                <a:pos x="connsiteX8" y="connsiteY8"/>
+              </a:cxn>
+              <a:cxn ang="0">
+                <a:pos x="connsiteX9" y="connsiteY9"/>
+              </a:cxn>
+              <a:cxn ang="0">
+                <a:pos x="connsiteX10" y="connsiteY10"/>
+              </a:cxn>
+              <a:cxn ang="0">
+                <a:pos x="connsiteX11" y="connsiteY11"/>
+              </a:cxn>
+              <a:cxn ang="0">
+                <a:pos x="connsiteX12" y="connsiteY12"/>
+              </a:cxn>
+              <a:cxn ang="0">
+                <a:pos x="connsiteX13" y="connsiteY13"/>
+              </a:cxn>
+              <a:cxn ang="0">
+                <a:pos x="connsiteX14" y="connsiteY14"/>
+              </a:cxn>
+              <a:cxn ang="0">
+                <a:pos x="connsiteX15" y="connsiteY15"/>
+              </a:cxn>
+              <a:cxn ang="0">
+                <a:pos x="connsiteX16" y="connsiteY16"/>
+              </a:cxn>
+              <a:cxn ang="0">
+                <a:pos x="connsiteX17" y="connsiteY17"/>
+              </a:cxn>
+              <a:cxn ang="0">
+                <a:pos x="connsiteX18" y="connsiteY18"/>
+              </a:cxn>
+              <a:cxn ang="0">
+                <a:pos x="connsiteX19" y="connsiteY19"/>
+              </a:cxn>
+              <a:cxn ang="0">
+                <a:pos x="connsiteX20" y="connsiteY20"/>
+              </a:cxn>
+              <a:cxn ang="0">
+                <a:pos x="connsiteX21" y="connsiteY21"/>
+              </a:cxn>
+              <a:cxn ang="0">
+                <a:pos x="connsiteX22" y="connsiteY22"/>
+              </a:cxn>
+              <a:cxn ang="0">
+                <a:pos x="connsiteX23" y="connsiteY23"/>
+              </a:cxn>
+              <a:cxn ang="0">
+                <a:pos x="connsiteX24" y="connsiteY24"/>
+              </a:cxn>
+              <a:cxn ang="0">
+                <a:pos x="connsiteX25" y="connsiteY25"/>
+              </a:cxn>
+              <a:cxn ang="0">
+                <a:pos x="connsiteX26" y="connsiteY26"/>
+              </a:cxn>
+              <a:cxn ang="0">
+                <a:pos x="connsiteX27" y="connsiteY27"/>
+              </a:cxn>
+              <a:cxn ang="0">
+                <a:pos x="connsiteX28" y="connsiteY28"/>
+              </a:cxn>
+              <a:cxn ang="0">
+                <a:pos x="connsiteX29" y="connsiteY29"/>
+              </a:cxn>
+              <a:cxn ang="0">
+                <a:pos x="connsiteX30" y="connsiteY30"/>
+              </a:cxn>
+              <a:cxn ang="0">
+                <a:pos x="connsiteX31" y="connsiteY31"/>
+              </a:cxn>
+              <a:cxn ang="0">
+                <a:pos x="connsiteX32" y="connsiteY32"/>
+              </a:cxn>
+              <a:cxn ang="0">
+                <a:pos x="connsiteX33" y="connsiteY33"/>
+              </a:cxn>
+              <a:cxn ang="0">
+                <a:pos x="connsiteX34" y="connsiteY34"/>
+              </a:cxn>
+              <a:cxn ang="0">
+                <a:pos x="connsiteX35" y="connsiteY35"/>
+              </a:cxn>
+              <a:cxn ang="0">
+                <a:pos x="connsiteX36" y="connsiteY36"/>
+              </a:cxn>
+              <a:cxn ang="0">
+                <a:pos x="connsiteX37" y="connsiteY37"/>
+              </a:cxn>
+              <a:cxn ang="0">
+                <a:pos x="connsiteX38" y="connsiteY38"/>
+              </a:cxn>
+              <a:cxn ang="0">
+                <a:pos x="connsiteX39" y="connsiteY39"/>
+              </a:cxn>
+              <a:cxn ang="0">
+                <a:pos x="connsiteX40" y="connsiteY40"/>
+              </a:cxn>
+              <a:cxn ang="0">
+                <a:pos x="connsiteX41" y="connsiteY41"/>
+              </a:cxn>
+              <a:cxn ang="0">
+                <a:pos x="connsiteX42" y="connsiteY42"/>
+              </a:cxn>
+              <a:cxn ang="0">
+                <a:pos x="connsiteX43" y="connsiteY43"/>
+              </a:cxn>
+              <a:cxn ang="0">
+                <a:pos x="connsiteX44" y="connsiteY44"/>
+              </a:cxn>
+              <a:cxn ang="0">
+                <a:pos x="connsiteX45" y="connsiteY45"/>
+              </a:cxn>
+              <a:cxn ang="0">
+                <a:pos x="connsiteX46" y="connsiteY46"/>
+              </a:cxn>
+            </a:cxnLst>
+            <a:rect l="l" t="t" r="r" b="b"/>
+            <a:pathLst>
+              <a:path w="4381009" h="5892104">
+                <a:moveTo>
+                  <a:pt x="0" y="0"/>
+                </a:moveTo>
+                <a:lnTo>
+                  <a:pt x="4157628" y="0"/>
+                </a:lnTo>
+                <a:lnTo>
+                  <a:pt x="4169302" y="68659"/>
+                </a:lnTo>
+                <a:lnTo>
+                  <a:pt x="4191571" y="205472"/>
+                </a:lnTo>
+                <a:lnTo>
+                  <a:pt x="4213368" y="342890"/>
+                </a:lnTo>
+                <a:lnTo>
+                  <a:pt x="4232030" y="480913"/>
+                </a:lnTo>
+                <a:lnTo>
+                  <a:pt x="4250848" y="618332"/>
+                </a:lnTo>
+                <a:lnTo>
+                  <a:pt x="4268412" y="756355"/>
+                </a:lnTo>
+                <a:lnTo>
+                  <a:pt x="4283467" y="892563"/>
+                </a:lnTo>
+                <a:lnTo>
+                  <a:pt x="4297737" y="1030587"/>
+                </a:lnTo>
+                <a:lnTo>
+                  <a:pt x="4310754" y="1168005"/>
+                </a:lnTo>
+                <a:lnTo>
+                  <a:pt x="4322045" y="1303002"/>
+                </a:lnTo>
+                <a:lnTo>
+                  <a:pt x="4333336" y="1439815"/>
+                </a:lnTo>
+                <a:lnTo>
+                  <a:pt x="4342745" y="1574812"/>
+                </a:lnTo>
+                <a:lnTo>
+                  <a:pt x="4350115" y="1709808"/>
+                </a:lnTo>
+                <a:lnTo>
+                  <a:pt x="4357799" y="1844200"/>
+                </a:lnTo>
+                <a:lnTo>
+                  <a:pt x="4364229" y="1977381"/>
+                </a:lnTo>
+                <a:lnTo>
+                  <a:pt x="4368777" y="2109351"/>
+                </a:lnTo>
+                <a:lnTo>
+                  <a:pt x="4372697" y="2241321"/>
+                </a:lnTo>
+                <a:lnTo>
+                  <a:pt x="4376461" y="2372080"/>
+                </a:lnTo>
+                <a:lnTo>
+                  <a:pt x="4378186" y="2501023"/>
+                </a:lnTo>
+                <a:lnTo>
+                  <a:pt x="4380068" y="2629966"/>
+                </a:lnTo>
+                <a:lnTo>
+                  <a:pt x="4381009" y="2757093"/>
+                </a:lnTo>
+                <a:lnTo>
+                  <a:pt x="4380068" y="2883010"/>
+                </a:lnTo>
+                <a:lnTo>
+                  <a:pt x="4380068" y="3007715"/>
+                </a:lnTo>
+                <a:lnTo>
+                  <a:pt x="4378186" y="3131210"/>
+                </a:lnTo>
+                <a:lnTo>
+                  <a:pt x="4375363" y="3252283"/>
+                </a:lnTo>
+                <a:lnTo>
+                  <a:pt x="4372697" y="3372146"/>
+                </a:lnTo>
+                <a:lnTo>
+                  <a:pt x="4369718" y="3489587"/>
+                </a:lnTo>
+                <a:lnTo>
+                  <a:pt x="4365170" y="3606423"/>
+                </a:lnTo>
+                <a:lnTo>
+                  <a:pt x="4360309" y="3721443"/>
+                </a:lnTo>
+                <a:lnTo>
+                  <a:pt x="4355918" y="3834041"/>
+                </a:lnTo>
+                <a:lnTo>
+                  <a:pt x="4343529" y="4053789"/>
+                </a:lnTo>
+                <a:lnTo>
+                  <a:pt x="4330356" y="4264457"/>
+                </a:lnTo>
+                <a:lnTo>
+                  <a:pt x="4316556" y="4466650"/>
+                </a:lnTo>
+                <a:lnTo>
+                  <a:pt x="4301344" y="4657946"/>
+                </a:lnTo>
+                <a:lnTo>
+                  <a:pt x="4285506" y="4840767"/>
+                </a:lnTo>
+                <a:lnTo>
+                  <a:pt x="4268412" y="5010269"/>
+                </a:lnTo>
+                <a:lnTo>
+                  <a:pt x="4251633" y="5169481"/>
+                </a:lnTo>
+                <a:lnTo>
+                  <a:pt x="4234853" y="5315980"/>
+                </a:lnTo>
+                <a:lnTo>
+                  <a:pt x="4219014" y="5450371"/>
+                </a:lnTo>
+                <a:lnTo>
+                  <a:pt x="4203959" y="5569628"/>
+                </a:lnTo>
+                <a:lnTo>
+                  <a:pt x="4189689" y="5677384"/>
+                </a:lnTo>
+                <a:lnTo>
+                  <a:pt x="4177770" y="5768189"/>
+                </a:lnTo>
+                <a:lnTo>
+                  <a:pt x="4166479" y="5844465"/>
+                </a:lnTo>
+                <a:lnTo>
+                  <a:pt x="4159132" y="5892104"/>
+                </a:lnTo>
+                <a:lnTo>
+                  <a:pt x="0" y="5892104"/>
+                </a:lnTo>
+                <a:close/>
+              </a:path>
+            </a:pathLst>
+          </a:custGeom>
+          <a:solidFill>
+            <a:srgbClr val="404040"/>
+          </a:solidFill>
+          <a:ln>
+            <a:noFill/>
+          </a:ln>
+        </p:spPr>
+        <p:style>
+          <a:lnRef idx="2">
+            <a:schemeClr val="accent1">
+              <a:shade val="50000"/>
+            </a:schemeClr>
+          </a:lnRef>
+          <a:fillRef idx="1">
+            <a:schemeClr val="accent1"/>
+          </a:fillRef>
+          <a:effectRef idx="0">
+            <a:schemeClr val="accent1"/>
+          </a:effectRef>
+          <a:fontRef idx="minor">
+            <a:schemeClr val="lt1"/>
+          </a:fontRef>
+        </p:style>
+        <p:txBody>
+          <a:bodyPr wrap="square" rtlCol="0" anchor="ctr">
+            <a:noAutofit/>
+          </a:bodyPr>
+          <a:lstStyle/>
+          <a:p>
+            <a:pPr marL="0" marR="0" lvl="0" indent="0" algn="ctr" defTabSz="457200" rtl="0" eaLnBrk="1" fontAlgn="auto" latinLnBrk="0" hangingPunct="1">
+              <a:lnSpc>
+                <a:spcPct val="100000"/>
+              </a:lnSpc>
+              <a:spcBef>
+                <a:spcPts val="0"/>
+              </a:spcBef>
+              <a:spcAft>
+                <a:spcPts val="0"/>
+              </a:spcAft>
+              <a:buClrTx/>
+              <a:buSzTx/>
+              <a:buFontTx/>
+              <a:buNone/>
+              <a:tabLst/>
+              <a:defRPr/>
+            </a:pPr>
+            <a:endParaRPr kumimoji="0" lang="en-US" sz="1800" b="0" i="0" u="none" strike="noStrike" kern="1200" cap="none" spc="0" normalizeH="0" baseline="0" noProof="0">
+              <a:ln>
+                <a:noFill/>
+              </a:ln>
+              <a:solidFill>
+                <a:prstClr val="white"/>
+              </a:solidFill>
+              <a:effectLst/>
+              <a:uLnTx/>
+              <a:uFillTx/>
+              <a:latin typeface="Calibri" panose="020F0502020204030204"/>
+              <a:ea typeface="+mn-ea"/>
+              <a:cs typeface="+mn-cs"/>
+            </a:endParaRPr>
+          </a:p>
+        </p:txBody>
+      </p:sp>
+      <p:sp>
+        <p:nvSpPr>
           <p:cNvPr id="5" name="Title 4">
             <a:extLst>
               <a:ext uri="{FF2B5EF4-FFF2-40B4-BE49-F238E27FC236}">
@@ -2783,89 +9519,62 @@
             <p:ph type="title"/>
           </p:nvPr>
         </p:nvSpPr>
-        <p:spPr/>
+        <p:spPr>
+          <a:xfrm>
+            <a:off x="863029" y="1012004"/>
+            <a:ext cx="3416158" cy="4795408"/>
+          </a:xfrm>
+        </p:spPr>
         <p:txBody>
-          <a:bodyPr>
+          <a:bodyPr vert="horz" lIns="91440" tIns="45720" rIns="91440" bIns="45720" rtlCol="0" anchor="ctr">
             <a:normAutofit/>
           </a:bodyPr>
           <a:lstStyle/>
           <a:p>
             <a:r>
-              <a:rPr lang="en-US" dirty="0"/>
+              <a:rPr lang="en-US" dirty="0">
+                <a:solidFill>
+                  <a:srgbClr val="FFFFFF"/>
+                </a:solidFill>
+                <a:latin typeface="+mj-lt"/>
+                <a:cs typeface="+mj-cs"/>
+              </a:rPr>
               <a:t>Innovation &amp; Feasibility</a:t>
             </a:r>
-            <a:endParaRPr lang="en-NZ" dirty="0"/>
           </a:p>
         </p:txBody>
       </p:sp>
-      <p:sp>
-        <p:nvSpPr>
-          <p:cNvPr id="6" name="Text Placeholder 5">
+      <p:graphicFrame>
+        <p:nvGraphicFramePr>
+          <p:cNvPr id="8" name="Text Placeholder 5">
             <a:extLst>
               <a:ext uri="{FF2B5EF4-FFF2-40B4-BE49-F238E27FC236}">
-                <a16:creationId xmlns:a16="http://schemas.microsoft.com/office/drawing/2014/main" id="{2DB104B0-6971-4635-8A28-928A296C16A2}"/>
+                <a16:creationId xmlns:a16="http://schemas.microsoft.com/office/drawing/2014/main" id="{AB99ED22-4E2E-416C-9766-911FA9333488}"/>
               </a:ext>
             </a:extLst>
           </p:cNvPr>
-          <p:cNvSpPr>
-            <a:spLocks noGrp="1"/>
-          </p:cNvSpPr>
+          <p:cNvGraphicFramePr>
+            <a:graphicFrameLocks noGrp="1"/>
+          </p:cNvGraphicFramePr>
           <p:nvPr>
             <p:ph sz="half" idx="1"/>
+            <p:extLst>
+              <p:ext uri="{D42A27DB-BD31-4B8C-83A1-F6EECF244321}">
+                <p14:modId xmlns:p14="http://schemas.microsoft.com/office/powerpoint/2010/main" val="1307200532"/>
+              </p:ext>
+            </p:extLst>
           </p:nvPr>
-        </p:nvSpPr>
-        <p:spPr/>
-        <p:txBody>
-          <a:bodyPr/>
-          <a:lstStyle/>
-          <a:p>
-            <a:pPr fontAlgn="base"/>
-            <a:r>
-              <a:rPr lang="en-NZ" dirty="0"/>
-              <a:t>&lt;Tell us what is different about the idea itself from other solutions</a:t>
-            </a:r>
-            <a:r>
-              <a:rPr lang="en-US" dirty="0"/>
-              <a:t>​&gt;</a:t>
-            </a:r>
-          </a:p>
-          <a:p>
-            <a:endParaRPr lang="en-NZ" dirty="0"/>
-          </a:p>
-        </p:txBody>
-      </p:sp>
-      <p:sp>
-        <p:nvSpPr>
-          <p:cNvPr id="2" name="Content Placeholder 1">
-            <a:extLst>
-              <a:ext uri="{FF2B5EF4-FFF2-40B4-BE49-F238E27FC236}">
-                <a16:creationId xmlns:a16="http://schemas.microsoft.com/office/drawing/2014/main" id="{47F5F4B8-5ADE-4C84-AD5E-9F2C53D9485E}"/>
-              </a:ext>
-            </a:extLst>
-          </p:cNvPr>
-          <p:cNvSpPr>
-            <a:spLocks noGrp="1"/>
-          </p:cNvSpPr>
-          <p:nvPr>
-            <p:ph sz="half" idx="13"/>
-          </p:nvPr>
-        </p:nvSpPr>
-        <p:spPr/>
-        <p:txBody>
-          <a:bodyPr/>
-          <a:lstStyle/>
-          <a:p>
-            <a:r>
-              <a:rPr lang="en-NZ" dirty="0"/>
-              <a:t>&lt;Tell us how feasible it is to implement (Cost, Market, Culture, Logistics etc.)&gt;</a:t>
-            </a:r>
-            <a:endParaRPr lang="en-US" dirty="0"/>
-          </a:p>
-          <a:p>
-            <a:endParaRPr lang="en-NZ" dirty="0"/>
-          </a:p>
-        </p:txBody>
-      </p:sp>
+        </p:nvGraphicFramePr>
+        <p:xfrm>
+          <a:off x="5194300" y="470924"/>
+          <a:ext cx="6513604" cy="5885426"/>
+        </p:xfrm>
+        <a:graphic>
+          <a:graphicData uri="http://schemas.openxmlformats.org/drawingml/2006/diagram">
+            <dgm:relIds xmlns:dgm="http://schemas.openxmlformats.org/drawingml/2006/diagram" xmlns:r="http://schemas.openxmlformats.org/officeDocument/2006/relationships" r:dm="rId3" r:lo="rId4" r:qs="rId5" r:cs="rId6"/>
+          </a:graphicData>
+        </a:graphic>
+      </p:graphicFrame>
     </p:spTree>
     <p:extLst>
       <p:ext uri="{BB962C8B-B14F-4D97-AF65-F5344CB8AC3E}">
@@ -2927,35 +9636,38 @@
           </a:p>
         </p:txBody>
       </p:sp>
-      <p:sp>
-        <p:nvSpPr>
-          <p:cNvPr id="6" name="Text Placeholder 5">
+      <p:pic>
+        <p:nvPicPr>
+          <p:cNvPr id="2" name="Content Placeholder 1">
             <a:extLst>
               <a:ext uri="{FF2B5EF4-FFF2-40B4-BE49-F238E27FC236}">
-                <a16:creationId xmlns:a16="http://schemas.microsoft.com/office/drawing/2014/main" id="{2DB104B0-6971-4635-8A28-928A296C16A2}"/>
+                <a16:creationId xmlns:a16="http://schemas.microsoft.com/office/drawing/2014/main" id="{FFBE50B4-4BF5-43F1-A159-2FFB4CBDA168}"/>
               </a:ext>
             </a:extLst>
           </p:cNvPr>
-          <p:cNvSpPr>
-            <a:spLocks noGrp="1"/>
-          </p:cNvSpPr>
+          <p:cNvPicPr>
+            <a:picLocks noGrp="1" noChangeAspect="1"/>
+          </p:cNvPicPr>
           <p:nvPr>
             <p:ph idx="1"/>
           </p:nvPr>
-        </p:nvSpPr>
-        <p:spPr/>
-        <p:txBody>
-          <a:bodyPr/>
-          <a:lstStyle/>
-          <a:p>
-            <a:r>
-              <a:rPr lang="en-US" dirty="0"/>
-              <a:t>&lt;Describe the technologies used and how it has been designed.​&gt;</a:t>
-            </a:r>
-            <a:endParaRPr lang="en-NZ" dirty="0"/>
-          </a:p>
-        </p:txBody>
-      </p:sp>
+        </p:nvPicPr>
+        <p:blipFill>
+          <a:blip r:embed="rId2"/>
+          <a:stretch>
+            <a:fillRect/>
+          </a:stretch>
+        </p:blipFill>
+        <p:spPr>
+          <a:xfrm>
+            <a:off x="1028700" y="1553358"/>
+            <a:ext cx="10134600" cy="4048146"/>
+          </a:xfrm>
+          <a:prstGeom prst="rect">
+            <a:avLst/>
+          </a:prstGeom>
+        </p:spPr>
+      </p:pic>
     </p:spTree>
     <p:extLst>
       <p:ext uri="{BB962C8B-B14F-4D97-AF65-F5344CB8AC3E}">
@@ -3060,6 +9772,301 @@
 </file>
 
 <file path=ppt/theme/theme1.xml><?xml version="1.0" encoding="utf-8"?>
+<a:theme xmlns:a="http://schemas.openxmlformats.org/drawingml/2006/main" name="Office Theme">
+  <a:themeElements>
+    <a:clrScheme name="Office">
+      <a:dk1>
+        <a:sysClr val="windowText" lastClr="000000"/>
+      </a:dk1>
+      <a:lt1>
+        <a:sysClr val="window" lastClr="FFFFFF"/>
+      </a:lt1>
+      <a:dk2>
+        <a:srgbClr val="44546A"/>
+      </a:dk2>
+      <a:lt2>
+        <a:srgbClr val="E7E6E6"/>
+      </a:lt2>
+      <a:accent1>
+        <a:srgbClr val="4472C4"/>
+      </a:accent1>
+      <a:accent2>
+        <a:srgbClr val="ED7D31"/>
+      </a:accent2>
+      <a:accent3>
+        <a:srgbClr val="A5A5A5"/>
+      </a:accent3>
+      <a:accent4>
+        <a:srgbClr val="FFC000"/>
+      </a:accent4>
+      <a:accent5>
+        <a:srgbClr val="5B9BD5"/>
+      </a:accent5>
+      <a:accent6>
+        <a:srgbClr val="70AD47"/>
+      </a:accent6>
+      <a:hlink>
+        <a:srgbClr val="0563C1"/>
+      </a:hlink>
+      <a:folHlink>
+        <a:srgbClr val="954F72"/>
+      </a:folHlink>
+    </a:clrScheme>
+    <a:fontScheme name="Office">
+      <a:majorFont>
+        <a:latin typeface="Calibri Light" panose="020F0302020204030204"/>
+        <a:ea typeface=""/>
+        <a:cs typeface=""/>
+        <a:font script="Jpan" typeface="游ゴシック Light"/>
+        <a:font script="Hang" typeface="맑은 고딕"/>
+        <a:font script="Hans" typeface="等线 Light"/>
+        <a:font script="Hant" typeface="新細明體"/>
+        <a:font script="Arab" typeface="Times New Roman"/>
+        <a:font script="Hebr" typeface="Times New Roman"/>
+        <a:font script="Thai" typeface="Angsana New"/>
+        <a:font script="Ethi" typeface="Nyala"/>
+        <a:font script="Beng" typeface="Vrinda"/>
+        <a:font script="Gujr" typeface="Shruti"/>
+        <a:font script="Khmr" typeface="MoolBoran"/>
+        <a:font script="Knda" typeface="Tunga"/>
+        <a:font script="Guru" typeface="Raavi"/>
+        <a:font script="Cans" typeface="Euphemia"/>
+        <a:font script="Cher" typeface="Plantagenet Cherokee"/>
+        <a:font script="Yiii" typeface="Microsoft Yi Baiti"/>
+        <a:font script="Tibt" typeface="Microsoft Himalaya"/>
+        <a:font script="Thaa" typeface="MV Boli"/>
+        <a:font script="Deva" typeface="Mangal"/>
+        <a:font script="Telu" typeface="Gautami"/>
+        <a:font script="Taml" typeface="Latha"/>
+        <a:font script="Syrc" typeface="Estrangelo Edessa"/>
+        <a:font script="Orya" typeface="Kalinga"/>
+        <a:font script="Mlym" typeface="Kartika"/>
+        <a:font script="Laoo" typeface="DokChampa"/>
+        <a:font script="Sinh" typeface="Iskoola Pota"/>
+        <a:font script="Mong" typeface="Mongolian Baiti"/>
+        <a:font script="Viet" typeface="Times New Roman"/>
+        <a:font script="Uigh" typeface="Microsoft Uighur"/>
+        <a:font script="Geor" typeface="Sylfaen"/>
+        <a:font script="Armn" typeface="Arial"/>
+        <a:font script="Bugi" typeface="Leelawadee UI"/>
+        <a:font script="Bopo" typeface="Microsoft JhengHei"/>
+        <a:font script="Java" typeface="Javanese Text"/>
+        <a:font script="Lisu" typeface="Segoe UI"/>
+        <a:font script="Mymr" typeface="Myanmar Text"/>
+        <a:font script="Nkoo" typeface="Ebrima"/>
+        <a:font script="Olck" typeface="Nirmala UI"/>
+        <a:font script="Osma" typeface="Ebrima"/>
+        <a:font script="Phag" typeface="Phagspa"/>
+        <a:font script="Syrn" typeface="Estrangelo Edessa"/>
+        <a:font script="Syrj" typeface="Estrangelo Edessa"/>
+        <a:font script="Syre" typeface="Estrangelo Edessa"/>
+        <a:font script="Sora" typeface="Nirmala UI"/>
+        <a:font script="Tale" typeface="Microsoft Tai Le"/>
+        <a:font script="Talu" typeface="Microsoft New Tai Lue"/>
+        <a:font script="Tfng" typeface="Ebrima"/>
+      </a:majorFont>
+      <a:minorFont>
+        <a:latin typeface="Calibri" panose="020F0502020204030204"/>
+        <a:ea typeface=""/>
+        <a:cs typeface=""/>
+        <a:font script="Jpan" typeface="游ゴシック"/>
+        <a:font script="Hang" typeface="맑은 고딕"/>
+        <a:font script="Hans" typeface="等线"/>
+        <a:font script="Hant" typeface="新細明體"/>
+        <a:font script="Arab" typeface="Arial"/>
+        <a:font script="Hebr" typeface="Arial"/>
+        <a:font script="Thai" typeface="Cordia New"/>
+        <a:font script="Ethi" typeface="Nyala"/>
+        <a:font script="Beng" typeface="Vrinda"/>
+        <a:font script="Gujr" typeface="Shruti"/>
+        <a:font script="Khmr" typeface="DaunPenh"/>
+        <a:font script="Knda" typeface="Tunga"/>
+        <a:font script="Guru" typeface="Raavi"/>
+        <a:font script="Cans" typeface="Euphemia"/>
+        <a:font script="Cher" typeface="Plantagenet Cherokee"/>
+        <a:font script="Yiii" typeface="Microsoft Yi Baiti"/>
+        <a:font script="Tibt" typeface="Microsoft Himalaya"/>
+        <a:font script="Thaa" typeface="MV Boli"/>
+        <a:font script="Deva" typeface="Mangal"/>
+        <a:font script="Telu" typeface="Gautami"/>
+        <a:font script="Taml" typeface="Latha"/>
+        <a:font script="Syrc" typeface="Estrangelo Edessa"/>
+        <a:font script="Orya" typeface="Kalinga"/>
+        <a:font script="Mlym" typeface="Kartika"/>
+        <a:font script="Laoo" typeface="DokChampa"/>
+        <a:font script="Sinh" typeface="Iskoola Pota"/>
+        <a:font script="Mong" typeface="Mongolian Baiti"/>
+        <a:font script="Viet" typeface="Arial"/>
+        <a:font script="Uigh" typeface="Microsoft Uighur"/>
+        <a:font script="Geor" typeface="Sylfaen"/>
+        <a:font script="Armn" typeface="Arial"/>
+        <a:font script="Bugi" typeface="Leelawadee UI"/>
+        <a:font script="Bopo" typeface="Microsoft JhengHei"/>
+        <a:font script="Java" typeface="Javanese Text"/>
+        <a:font script="Lisu" typeface="Segoe UI"/>
+        <a:font script="Mymr" typeface="Myanmar Text"/>
+        <a:font script="Nkoo" typeface="Ebrima"/>
+        <a:font script="Olck" typeface="Nirmala UI"/>
+        <a:font script="Osma" typeface="Ebrima"/>
+        <a:font script="Phag" typeface="Phagspa"/>
+        <a:font script="Syrn" typeface="Estrangelo Edessa"/>
+        <a:font script="Syrj" typeface="Estrangelo Edessa"/>
+        <a:font script="Syre" typeface="Estrangelo Edessa"/>
+        <a:font script="Sora" typeface="Nirmala UI"/>
+        <a:font script="Tale" typeface="Microsoft Tai Le"/>
+        <a:font script="Talu" typeface="Microsoft New Tai Lue"/>
+        <a:font script="Tfng" typeface="Ebrima"/>
+      </a:minorFont>
+    </a:fontScheme>
+    <a:fmtScheme name="Office">
+      <a:fillStyleLst>
+        <a:solidFill>
+          <a:schemeClr val="phClr"/>
+        </a:solidFill>
+        <a:gradFill rotWithShape="1">
+          <a:gsLst>
+            <a:gs pos="0">
+              <a:schemeClr val="phClr">
+                <a:lumMod val="110000"/>
+                <a:satMod val="105000"/>
+                <a:tint val="67000"/>
+              </a:schemeClr>
+            </a:gs>
+            <a:gs pos="50000">
+              <a:schemeClr val="phClr">
+                <a:lumMod val="105000"/>
+                <a:satMod val="103000"/>
+                <a:tint val="73000"/>
+              </a:schemeClr>
+            </a:gs>
+            <a:gs pos="100000">
+              <a:schemeClr val="phClr">
+                <a:lumMod val="105000"/>
+                <a:satMod val="109000"/>
+                <a:tint val="81000"/>
+              </a:schemeClr>
+            </a:gs>
+          </a:gsLst>
+          <a:lin ang="5400000" scaled="0"/>
+        </a:gradFill>
+        <a:gradFill rotWithShape="1">
+          <a:gsLst>
+            <a:gs pos="0">
+              <a:schemeClr val="phClr">
+                <a:satMod val="103000"/>
+                <a:lumMod val="102000"/>
+                <a:tint val="94000"/>
+              </a:schemeClr>
+            </a:gs>
+            <a:gs pos="50000">
+              <a:schemeClr val="phClr">
+                <a:satMod val="110000"/>
+                <a:lumMod val="100000"/>
+                <a:shade val="100000"/>
+              </a:schemeClr>
+            </a:gs>
+            <a:gs pos="100000">
+              <a:schemeClr val="phClr">
+                <a:lumMod val="99000"/>
+                <a:satMod val="120000"/>
+                <a:shade val="78000"/>
+              </a:schemeClr>
+            </a:gs>
+          </a:gsLst>
+          <a:lin ang="5400000" scaled="0"/>
+        </a:gradFill>
+      </a:fillStyleLst>
+      <a:lnStyleLst>
+        <a:ln w="6350" cap="flat" cmpd="sng" algn="ctr">
+          <a:solidFill>
+            <a:schemeClr val="phClr"/>
+          </a:solidFill>
+          <a:prstDash val="solid"/>
+          <a:miter lim="800000"/>
+        </a:ln>
+        <a:ln w="12700" cap="flat" cmpd="sng" algn="ctr">
+          <a:solidFill>
+            <a:schemeClr val="phClr"/>
+          </a:solidFill>
+          <a:prstDash val="solid"/>
+          <a:miter lim="800000"/>
+        </a:ln>
+        <a:ln w="19050" cap="flat" cmpd="sng" algn="ctr">
+          <a:solidFill>
+            <a:schemeClr val="phClr"/>
+          </a:solidFill>
+          <a:prstDash val="solid"/>
+          <a:miter lim="800000"/>
+        </a:ln>
+      </a:lnStyleLst>
+      <a:effectStyleLst>
+        <a:effectStyle>
+          <a:effectLst/>
+        </a:effectStyle>
+        <a:effectStyle>
+          <a:effectLst/>
+        </a:effectStyle>
+        <a:effectStyle>
+          <a:effectLst>
+            <a:outerShdw blurRad="57150" dist="19050" dir="5400000" algn="ctr" rotWithShape="0">
+              <a:srgbClr val="000000">
+                <a:alpha val="63000"/>
+              </a:srgbClr>
+            </a:outerShdw>
+          </a:effectLst>
+        </a:effectStyle>
+      </a:effectStyleLst>
+      <a:bgFillStyleLst>
+        <a:solidFill>
+          <a:schemeClr val="phClr"/>
+        </a:solidFill>
+        <a:solidFill>
+          <a:schemeClr val="phClr">
+            <a:tint val="95000"/>
+            <a:satMod val="170000"/>
+          </a:schemeClr>
+        </a:solidFill>
+        <a:gradFill rotWithShape="1">
+          <a:gsLst>
+            <a:gs pos="0">
+              <a:schemeClr val="phClr">
+                <a:tint val="93000"/>
+                <a:satMod val="150000"/>
+                <a:shade val="98000"/>
+                <a:lumMod val="102000"/>
+              </a:schemeClr>
+            </a:gs>
+            <a:gs pos="50000">
+              <a:schemeClr val="phClr">
+                <a:tint val="98000"/>
+                <a:satMod val="130000"/>
+                <a:shade val="90000"/>
+                <a:lumMod val="103000"/>
+              </a:schemeClr>
+            </a:gs>
+            <a:gs pos="100000">
+              <a:schemeClr val="phClr">
+                <a:shade val="63000"/>
+                <a:satMod val="120000"/>
+              </a:schemeClr>
+            </a:gs>
+          </a:gsLst>
+          <a:lin ang="5400000" scaled="0"/>
+        </a:gradFill>
+      </a:bgFillStyleLst>
+    </a:fmtScheme>
+  </a:themeElements>
+  <a:objectDefaults/>
+  <a:extraClrSchemeLst/>
+  <a:extLst>
+    <a:ext uri="{05A4C25C-085E-4340-85A3-A5531E510DB2}">
+      <thm15:themeFamily xmlns:thm15="http://schemas.microsoft.com/office/thememl/2012/main" name="Office Theme" id="{62F939B6-93AF-4DB8-9C6B-D6C7DFDC589F}" vid="{4A3C46E8-61CC-4603-A589-7422A47A8E4A}"/>
+    </a:ext>
+  </a:extLst>
+</a:theme>
+</file>
+
+<file path=ppt/theme/theme2.xml><?xml version="1.0" encoding="utf-8"?>
 <a:theme xmlns:a="http://schemas.openxmlformats.org/drawingml/2006/main" name="Office Theme">
   <a:themeElements>
     <a:clrScheme name="Office">
@@ -3556,15 +10563,15 @@
 <file path=customXml/itemProps3.xml><?xml version="1.0" encoding="utf-8"?>
 <ds:datastoreItem xmlns:ds="http://schemas.openxmlformats.org/officeDocument/2006/customXml" ds:itemID="{84CAD8ED-573F-4B5B-A502-C5E2ADBBDFF2}">
   <ds:schemaRefs>
-    <ds:schemaRef ds:uri="http://schemas.microsoft.com/office/2006/metadata/properties"/>
     <ds:schemaRef ds:uri="http://schemas.microsoft.com/office/2006/documentManagement/types"/>
     <ds:schemaRef ds:uri="http://purl.org/dc/elements/1.1/"/>
+    <ds:schemaRef ds:uri="http://schemas.microsoft.com/office/2006/metadata/properties"/>
+    <ds:schemaRef ds:uri="http://purl.org/dc/terms/"/>
     <ds:schemaRef ds:uri="aff508aa-29df-4d0b-8700-2d7a97c07dfe"/>
     <ds:schemaRef ds:uri="http://purl.org/dc/dcmitype/"/>
     <ds:schemaRef ds:uri="http://schemas.microsoft.com/office/infopath/2007/PartnerControls"/>
     <ds:schemaRef ds:uri="http://schemas.openxmlformats.org/package/2006/metadata/core-properties"/>
     <ds:schemaRef ds:uri="http://www.w3.org/XML/1998/namespace"/>
-    <ds:schemaRef ds:uri="http://purl.org/dc/terms/"/>
   </ds:schemaRefs>
 </ds:datastoreItem>
 </file>